--- a/repository/S.A.P.O/Producto/Iteraciones/Iteracion_04/01_Documento_Negocio/PPT_Flujograma - Proceso Mejorado/PPT_Flujograma - Proceso Mejorado.pptx
+++ b/repository/S.A.P.O/Producto/Iteraciones/Iteracion_04/01_Documento_Negocio/PPT_Flujograma - Proceso Mejorado/PPT_Flujograma - Proceso Mejorado.pptx
@@ -13,14 +13,14 @@
     <p:sldId id="257" r:id="rId4"/>
     <p:sldId id="259" r:id="rId5"/>
   </p:sldIdLst>
-  <p:sldSz cx="9906000" cy="7453313"/>
+  <p:sldSz cx="12801600" cy="9601200" type="A3"/>
   <p:notesSz cx="6858000" cy="9144000"/>
   <p:defaultTextStyle>
     <a:defPPr>
       <a:defRPr lang="es-AR"/>
     </a:defPPr>
-    <a:lvl1pPr marL="0" algn="l" defTabSz="914226" rtl="0" eaLnBrk="1" latinLnBrk="0" hangingPunct="1">
-      <a:defRPr sz="1800" kern="1200">
+    <a:lvl1pPr marL="0" algn="l" defTabSz="1179782" rtl="0" eaLnBrk="1" latinLnBrk="0" hangingPunct="1">
+      <a:defRPr sz="2400" kern="1200">
         <a:solidFill>
           <a:schemeClr val="tx1"/>
         </a:solidFill>
@@ -29,8 +29,8 @@
         <a:cs typeface="+mn-cs"/>
       </a:defRPr>
     </a:lvl1pPr>
-    <a:lvl2pPr marL="457114" algn="l" defTabSz="914226" rtl="0" eaLnBrk="1" latinLnBrk="0" hangingPunct="1">
-      <a:defRPr sz="1800" kern="1200">
+    <a:lvl2pPr marL="589892" algn="l" defTabSz="1179782" rtl="0" eaLnBrk="1" latinLnBrk="0" hangingPunct="1">
+      <a:defRPr sz="2400" kern="1200">
         <a:solidFill>
           <a:schemeClr val="tx1"/>
         </a:solidFill>
@@ -39,8 +39,8 @@
         <a:cs typeface="+mn-cs"/>
       </a:defRPr>
     </a:lvl2pPr>
-    <a:lvl3pPr marL="914226" algn="l" defTabSz="914226" rtl="0" eaLnBrk="1" latinLnBrk="0" hangingPunct="1">
-      <a:defRPr sz="1800" kern="1200">
+    <a:lvl3pPr marL="1179782" algn="l" defTabSz="1179782" rtl="0" eaLnBrk="1" latinLnBrk="0" hangingPunct="1">
+      <a:defRPr sz="2400" kern="1200">
         <a:solidFill>
           <a:schemeClr val="tx1"/>
         </a:solidFill>
@@ -49,8 +49,8 @@
         <a:cs typeface="+mn-cs"/>
       </a:defRPr>
     </a:lvl3pPr>
-    <a:lvl4pPr marL="1371340" algn="l" defTabSz="914226" rtl="0" eaLnBrk="1" latinLnBrk="0" hangingPunct="1">
-      <a:defRPr sz="1800" kern="1200">
+    <a:lvl4pPr marL="1769674" algn="l" defTabSz="1179782" rtl="0" eaLnBrk="1" latinLnBrk="0" hangingPunct="1">
+      <a:defRPr sz="2400" kern="1200">
         <a:solidFill>
           <a:schemeClr val="tx1"/>
         </a:solidFill>
@@ -59,8 +59,8 @@
         <a:cs typeface="+mn-cs"/>
       </a:defRPr>
     </a:lvl4pPr>
-    <a:lvl5pPr marL="1828453" algn="l" defTabSz="914226" rtl="0" eaLnBrk="1" latinLnBrk="0" hangingPunct="1">
-      <a:defRPr sz="1800" kern="1200">
+    <a:lvl5pPr marL="2359567" algn="l" defTabSz="1179782" rtl="0" eaLnBrk="1" latinLnBrk="0" hangingPunct="1">
+      <a:defRPr sz="2400" kern="1200">
         <a:solidFill>
           <a:schemeClr val="tx1"/>
         </a:solidFill>
@@ -69,8 +69,8 @@
         <a:cs typeface="+mn-cs"/>
       </a:defRPr>
     </a:lvl5pPr>
-    <a:lvl6pPr marL="2285567" algn="l" defTabSz="914226" rtl="0" eaLnBrk="1" latinLnBrk="0" hangingPunct="1">
-      <a:defRPr sz="1800" kern="1200">
+    <a:lvl6pPr marL="2949459" algn="l" defTabSz="1179782" rtl="0" eaLnBrk="1" latinLnBrk="0" hangingPunct="1">
+      <a:defRPr sz="2400" kern="1200">
         <a:solidFill>
           <a:schemeClr val="tx1"/>
         </a:solidFill>
@@ -79,8 +79,8 @@
         <a:cs typeface="+mn-cs"/>
       </a:defRPr>
     </a:lvl6pPr>
-    <a:lvl7pPr marL="2742680" algn="l" defTabSz="914226" rtl="0" eaLnBrk="1" latinLnBrk="0" hangingPunct="1">
-      <a:defRPr sz="1800" kern="1200">
+    <a:lvl7pPr marL="3539350" algn="l" defTabSz="1179782" rtl="0" eaLnBrk="1" latinLnBrk="0" hangingPunct="1">
+      <a:defRPr sz="2400" kern="1200">
         <a:solidFill>
           <a:schemeClr val="tx1"/>
         </a:solidFill>
@@ -89,8 +89,8 @@
         <a:cs typeface="+mn-cs"/>
       </a:defRPr>
     </a:lvl7pPr>
-    <a:lvl8pPr marL="3199793" algn="l" defTabSz="914226" rtl="0" eaLnBrk="1" latinLnBrk="0" hangingPunct="1">
-      <a:defRPr sz="1800" kern="1200">
+    <a:lvl8pPr marL="4129241" algn="l" defTabSz="1179782" rtl="0" eaLnBrk="1" latinLnBrk="0" hangingPunct="1">
+      <a:defRPr sz="2400" kern="1200">
         <a:solidFill>
           <a:schemeClr val="tx1"/>
         </a:solidFill>
@@ -99,8 +99,8 @@
         <a:cs typeface="+mn-cs"/>
       </a:defRPr>
     </a:lvl8pPr>
-    <a:lvl9pPr marL="3656907" algn="l" defTabSz="914226" rtl="0" eaLnBrk="1" latinLnBrk="0" hangingPunct="1">
-      <a:defRPr sz="1800" kern="1200">
+    <a:lvl9pPr marL="4719133" algn="l" defTabSz="1179782" rtl="0" eaLnBrk="1" latinLnBrk="0" hangingPunct="1">
+      <a:defRPr sz="2400" kern="1200">
         <a:solidFill>
           <a:schemeClr val="tx1"/>
         </a:solidFill>
@@ -112,7 +112,7 @@
   </p:defaultTextStyle>
   <p:extLst>
     <p:ext uri="{EFAFB233-063F-42B5-8137-9DF3F51BA10A}">
-      <p15:sldGuideLst xmlns:p15="http://schemas.microsoft.com/office/powerpoint/2012/main" xmlns="">
+      <p15:sldGuideLst xmlns="" xmlns:p15="http://schemas.microsoft.com/office/powerpoint/2012/main">
         <p15:guide id="1" orient="horz" pos="2348">
           <p15:clr>
             <a:srgbClr val="A4A3A4"/>
@@ -212,7 +212,7 @@
             <a:fld id="{F8689C98-693D-4114-AC58-422815A38E22}" type="datetimeFigureOut">
               <a:rPr lang="es-AR" smtClean="0"/>
               <a:pPr/>
-              <a:t>27/08/2013</a:t>
+              <a:t>11/11/2013</a:t>
             </a:fld>
             <a:endParaRPr lang="es-AR"/>
           </a:p>
@@ -230,8 +230,8 @@
         </p:nvSpPr>
         <p:spPr>
           <a:xfrm>
-            <a:off x="1377950" y="1143000"/>
-            <a:ext cx="4102100" cy="3086100"/>
+            <a:off x="1371600" y="1143000"/>
+            <a:ext cx="4114800" cy="3086100"/>
           </a:xfrm>
           <a:prstGeom prst="rect">
             <a:avLst/>
@@ -381,14 +381,14 @@
     </p:spTree>
     <p:extLst>
       <p:ext uri="{BB962C8B-B14F-4D97-AF65-F5344CB8AC3E}">
-        <p14:creationId xmlns:p14="http://schemas.microsoft.com/office/powerpoint/2010/main" xmlns="" val="2736709763"/>
+        <p14:creationId xmlns="" xmlns:p14="http://schemas.microsoft.com/office/powerpoint/2010/main" val="2736709763"/>
       </p:ext>
     </p:extLst>
   </p:cSld>
   <p:clrMap bg1="lt1" tx1="dk1" bg2="lt2" tx2="dk2" accent1="accent1" accent2="accent2" accent3="accent3" accent4="accent4" accent5="accent5" accent6="accent6" hlink="hlink" folHlink="folHlink"/>
   <p:notesStyle>
-    <a:lvl1pPr marL="0" algn="l" defTabSz="914400" rtl="0" eaLnBrk="1" latinLnBrk="0" hangingPunct="1">
-      <a:defRPr sz="1200" kern="1200">
+    <a:lvl1pPr marL="0" algn="l" defTabSz="1180007" rtl="0" eaLnBrk="1" latinLnBrk="0" hangingPunct="1">
+      <a:defRPr sz="1500" kern="1200">
         <a:solidFill>
           <a:schemeClr val="tx1"/>
         </a:solidFill>
@@ -397,8 +397,8 @@
         <a:cs typeface="+mn-cs"/>
       </a:defRPr>
     </a:lvl1pPr>
-    <a:lvl2pPr marL="457200" algn="l" defTabSz="914400" rtl="0" eaLnBrk="1" latinLnBrk="0" hangingPunct="1">
-      <a:defRPr sz="1200" kern="1200">
+    <a:lvl2pPr marL="590003" algn="l" defTabSz="1180007" rtl="0" eaLnBrk="1" latinLnBrk="0" hangingPunct="1">
+      <a:defRPr sz="1500" kern="1200">
         <a:solidFill>
           <a:schemeClr val="tx1"/>
         </a:solidFill>
@@ -407,8 +407,8 @@
         <a:cs typeface="+mn-cs"/>
       </a:defRPr>
     </a:lvl2pPr>
-    <a:lvl3pPr marL="914400" algn="l" defTabSz="914400" rtl="0" eaLnBrk="1" latinLnBrk="0" hangingPunct="1">
-      <a:defRPr sz="1200" kern="1200">
+    <a:lvl3pPr marL="1180007" algn="l" defTabSz="1180007" rtl="0" eaLnBrk="1" latinLnBrk="0" hangingPunct="1">
+      <a:defRPr sz="1500" kern="1200">
         <a:solidFill>
           <a:schemeClr val="tx1"/>
         </a:solidFill>
@@ -417,8 +417,8 @@
         <a:cs typeface="+mn-cs"/>
       </a:defRPr>
     </a:lvl3pPr>
-    <a:lvl4pPr marL="1371600" algn="l" defTabSz="914400" rtl="0" eaLnBrk="1" latinLnBrk="0" hangingPunct="1">
-      <a:defRPr sz="1200" kern="1200">
+    <a:lvl4pPr marL="1770010" algn="l" defTabSz="1180007" rtl="0" eaLnBrk="1" latinLnBrk="0" hangingPunct="1">
+      <a:defRPr sz="1500" kern="1200">
         <a:solidFill>
           <a:schemeClr val="tx1"/>
         </a:solidFill>
@@ -427,8 +427,8 @@
         <a:cs typeface="+mn-cs"/>
       </a:defRPr>
     </a:lvl4pPr>
-    <a:lvl5pPr marL="1828800" algn="l" defTabSz="914400" rtl="0" eaLnBrk="1" latinLnBrk="0" hangingPunct="1">
-      <a:defRPr sz="1200" kern="1200">
+    <a:lvl5pPr marL="2360014" algn="l" defTabSz="1180007" rtl="0" eaLnBrk="1" latinLnBrk="0" hangingPunct="1">
+      <a:defRPr sz="1500" kern="1200">
         <a:solidFill>
           <a:schemeClr val="tx1"/>
         </a:solidFill>
@@ -437,8 +437,8 @@
         <a:cs typeface="+mn-cs"/>
       </a:defRPr>
     </a:lvl5pPr>
-    <a:lvl6pPr marL="2286000" algn="l" defTabSz="914400" rtl="0" eaLnBrk="1" latinLnBrk="0" hangingPunct="1">
-      <a:defRPr sz="1200" kern="1200">
+    <a:lvl6pPr marL="2950017" algn="l" defTabSz="1180007" rtl="0" eaLnBrk="1" latinLnBrk="0" hangingPunct="1">
+      <a:defRPr sz="1500" kern="1200">
         <a:solidFill>
           <a:schemeClr val="tx1"/>
         </a:solidFill>
@@ -447,8 +447,8 @@
         <a:cs typeface="+mn-cs"/>
       </a:defRPr>
     </a:lvl6pPr>
-    <a:lvl7pPr marL="2743200" algn="l" defTabSz="914400" rtl="0" eaLnBrk="1" latinLnBrk="0" hangingPunct="1">
-      <a:defRPr sz="1200" kern="1200">
+    <a:lvl7pPr marL="3540020" algn="l" defTabSz="1180007" rtl="0" eaLnBrk="1" latinLnBrk="0" hangingPunct="1">
+      <a:defRPr sz="1500" kern="1200">
         <a:solidFill>
           <a:schemeClr val="tx1"/>
         </a:solidFill>
@@ -457,8 +457,8 @@
         <a:cs typeface="+mn-cs"/>
       </a:defRPr>
     </a:lvl7pPr>
-    <a:lvl8pPr marL="3200400" algn="l" defTabSz="914400" rtl="0" eaLnBrk="1" latinLnBrk="0" hangingPunct="1">
-      <a:defRPr sz="1200" kern="1200">
+    <a:lvl8pPr marL="4130025" algn="l" defTabSz="1180007" rtl="0" eaLnBrk="1" latinLnBrk="0" hangingPunct="1">
+      <a:defRPr sz="1500" kern="1200">
         <a:solidFill>
           <a:schemeClr val="tx1"/>
         </a:solidFill>
@@ -467,8 +467,8 @@
         <a:cs typeface="+mn-cs"/>
       </a:defRPr>
     </a:lvl8pPr>
-    <a:lvl9pPr marL="3657600" algn="l" defTabSz="914400" rtl="0" eaLnBrk="1" latinLnBrk="0" hangingPunct="1">
-      <a:defRPr sz="1200" kern="1200">
+    <a:lvl9pPr marL="4720028" algn="l" defTabSz="1180007" rtl="0" eaLnBrk="1" latinLnBrk="0" hangingPunct="1">
+      <a:defRPr sz="1500" kern="1200">
         <a:solidFill>
           <a:schemeClr val="tx1"/>
         </a:solidFill>
@@ -508,7 +508,12 @@
             <p:ph type="sldImg"/>
           </p:nvPr>
         </p:nvSpPr>
-        <p:spPr/>
+        <p:spPr>
+          <a:xfrm>
+            <a:off x="1371600" y="1143000"/>
+            <a:ext cx="4114800" cy="3086100"/>
+          </a:xfrm>
+        </p:spPr>
       </p:sp>
       <p:sp>
         <p:nvSpPr>
@@ -556,7 +561,7 @@
     </p:spTree>
     <p:extLst>
       <p:ext uri="{BB962C8B-B14F-4D97-AF65-F5344CB8AC3E}">
-        <p14:creationId xmlns:p14="http://schemas.microsoft.com/office/powerpoint/2010/main" xmlns="" val="2457698222"/>
+        <p14:creationId xmlns="" xmlns:p14="http://schemas.microsoft.com/office/powerpoint/2010/main" val="2457698222"/>
       </p:ext>
     </p:extLst>
   </p:cSld>
@@ -595,8 +600,8 @@
         </p:nvSpPr>
         <p:spPr>
           <a:xfrm>
-            <a:off x="742951" y="2315365"/>
-            <a:ext cx="8420100" cy="1597631"/>
+            <a:off x="960121" y="2982605"/>
+            <a:ext cx="10881361" cy="2058034"/>
           </a:xfrm>
         </p:spPr>
         <p:txBody>
@@ -623,8 +628,8 @@
         </p:nvSpPr>
         <p:spPr>
           <a:xfrm>
-            <a:off x="1485901" y="4223544"/>
-            <a:ext cx="6934200" cy="1904736"/>
+            <a:off x="1920242" y="5440680"/>
+            <a:ext cx="8961120" cy="2453641"/>
           </a:xfrm>
         </p:spPr>
         <p:txBody>
@@ -640,7 +645,7 @@
                 </a:solidFill>
               </a:defRPr>
             </a:lvl1pPr>
-            <a:lvl2pPr marL="457114" indent="0" algn="ctr">
+            <a:lvl2pPr marL="589892" indent="0" algn="ctr">
               <a:buNone/>
               <a:defRPr>
                 <a:solidFill>
@@ -650,7 +655,7 @@
                 </a:solidFill>
               </a:defRPr>
             </a:lvl2pPr>
-            <a:lvl3pPr marL="914226" indent="0" algn="ctr">
+            <a:lvl3pPr marL="1179782" indent="0" algn="ctr">
               <a:buNone/>
               <a:defRPr>
                 <a:solidFill>
@@ -660,7 +665,7 @@
                 </a:solidFill>
               </a:defRPr>
             </a:lvl3pPr>
-            <a:lvl4pPr marL="1371340" indent="0" algn="ctr">
+            <a:lvl4pPr marL="1769674" indent="0" algn="ctr">
               <a:buNone/>
               <a:defRPr>
                 <a:solidFill>
@@ -670,7 +675,7 @@
                 </a:solidFill>
               </a:defRPr>
             </a:lvl4pPr>
-            <a:lvl5pPr marL="1828453" indent="0" algn="ctr">
+            <a:lvl5pPr marL="2359567" indent="0" algn="ctr">
               <a:buNone/>
               <a:defRPr>
                 <a:solidFill>
@@ -680,7 +685,7 @@
                 </a:solidFill>
               </a:defRPr>
             </a:lvl5pPr>
-            <a:lvl6pPr marL="2285567" indent="0" algn="ctr">
+            <a:lvl6pPr marL="2949459" indent="0" algn="ctr">
               <a:buNone/>
               <a:defRPr>
                 <a:solidFill>
@@ -690,7 +695,7 @@
                 </a:solidFill>
               </a:defRPr>
             </a:lvl6pPr>
-            <a:lvl7pPr marL="2742680" indent="0" algn="ctr">
+            <a:lvl7pPr marL="3539350" indent="0" algn="ctr">
               <a:buNone/>
               <a:defRPr>
                 <a:solidFill>
@@ -700,7 +705,7 @@
                 </a:solidFill>
               </a:defRPr>
             </a:lvl7pPr>
-            <a:lvl8pPr marL="3199793" indent="0" algn="ctr">
+            <a:lvl8pPr marL="4129241" indent="0" algn="ctr">
               <a:buNone/>
               <a:defRPr>
                 <a:solidFill>
@@ -710,7 +715,7 @@
                 </a:solidFill>
               </a:defRPr>
             </a:lvl8pPr>
-            <a:lvl9pPr marL="3656907" indent="0" algn="ctr">
+            <a:lvl9pPr marL="4719133" indent="0" algn="ctr">
               <a:buNone/>
               <a:defRPr>
                 <a:solidFill>
@@ -748,7 +753,7 @@
             <a:fld id="{F2836247-D755-492A-BA3E-93510ACEE91B}" type="datetimeFigureOut">
               <a:rPr lang="es-AR" smtClean="0"/>
               <a:pPr/>
-              <a:t>27/08/2013</a:t>
+              <a:t>11/11/2013</a:t>
             </a:fld>
             <a:endParaRPr lang="es-AR" dirty="0"/>
           </a:p>
@@ -800,7 +805,7 @@
     </p:spTree>
     <p:extLst>
       <p:ext uri="{BB962C8B-B14F-4D97-AF65-F5344CB8AC3E}">
-        <p14:creationId xmlns:p14="http://schemas.microsoft.com/office/powerpoint/2010/main" xmlns="" val="4087890455"/>
+        <p14:creationId xmlns="" xmlns:p14="http://schemas.microsoft.com/office/powerpoint/2010/main" val="4087890455"/>
       </p:ext>
     </p:extLst>
   </p:cSld>
@@ -920,7 +925,7 @@
             <a:fld id="{F2836247-D755-492A-BA3E-93510ACEE91B}" type="datetimeFigureOut">
               <a:rPr lang="es-AR" smtClean="0"/>
               <a:pPr/>
-              <a:t>27/08/2013</a:t>
+              <a:t>11/11/2013</a:t>
             </a:fld>
             <a:endParaRPr lang="es-AR" dirty="0"/>
           </a:p>
@@ -972,7 +977,7 @@
     </p:spTree>
     <p:extLst>
       <p:ext uri="{BB962C8B-B14F-4D97-AF65-F5344CB8AC3E}">
-        <p14:creationId xmlns:p14="http://schemas.microsoft.com/office/powerpoint/2010/main" xmlns="" val="2061004516"/>
+        <p14:creationId xmlns="" xmlns:p14="http://schemas.microsoft.com/office/powerpoint/2010/main" val="2061004516"/>
       </p:ext>
     </p:extLst>
   </p:cSld>
@@ -1011,8 +1016,8 @@
         </p:nvSpPr>
         <p:spPr>
           <a:xfrm>
-            <a:off x="7181850" y="298482"/>
-            <a:ext cx="2228850" cy="6359470"/>
+            <a:off x="9281161" y="384498"/>
+            <a:ext cx="2880360" cy="8192134"/>
           </a:xfrm>
         </p:spPr>
         <p:txBody>
@@ -1039,8 +1044,8 @@
         </p:nvSpPr>
         <p:spPr>
           <a:xfrm>
-            <a:off x="495300" y="298482"/>
-            <a:ext cx="6521450" cy="6359470"/>
+            <a:off x="640080" y="384498"/>
+            <a:ext cx="8427720" cy="8192134"/>
           </a:xfrm>
         </p:spPr>
         <p:txBody>
@@ -1102,7 +1107,7 @@
             <a:fld id="{F2836247-D755-492A-BA3E-93510ACEE91B}" type="datetimeFigureOut">
               <a:rPr lang="es-AR" smtClean="0"/>
               <a:pPr/>
-              <a:t>27/08/2013</a:t>
+              <a:t>11/11/2013</a:t>
             </a:fld>
             <a:endParaRPr lang="es-AR" dirty="0"/>
           </a:p>
@@ -1154,7 +1159,7 @@
     </p:spTree>
     <p:extLst>
       <p:ext uri="{BB962C8B-B14F-4D97-AF65-F5344CB8AC3E}">
-        <p14:creationId xmlns:p14="http://schemas.microsoft.com/office/powerpoint/2010/main" xmlns="" val="979922742"/>
+        <p14:creationId xmlns="" xmlns:p14="http://schemas.microsoft.com/office/powerpoint/2010/main" val="979922742"/>
       </p:ext>
     </p:extLst>
   </p:cSld>
@@ -1274,7 +1279,7 @@
             <a:fld id="{F2836247-D755-492A-BA3E-93510ACEE91B}" type="datetimeFigureOut">
               <a:rPr lang="es-AR" smtClean="0"/>
               <a:pPr/>
-              <a:t>27/08/2013</a:t>
+              <a:t>11/11/2013</a:t>
             </a:fld>
             <a:endParaRPr lang="es-AR" dirty="0"/>
           </a:p>
@@ -1326,7 +1331,7 @@
     </p:spTree>
     <p:extLst>
       <p:ext uri="{BB962C8B-B14F-4D97-AF65-F5344CB8AC3E}">
-        <p14:creationId xmlns:p14="http://schemas.microsoft.com/office/powerpoint/2010/main" xmlns="" val="172037397"/>
+        <p14:creationId xmlns="" xmlns:p14="http://schemas.microsoft.com/office/powerpoint/2010/main" val="172037397"/>
       </p:ext>
     </p:extLst>
   </p:cSld>
@@ -1365,15 +1370,15 @@
         </p:nvSpPr>
         <p:spPr>
           <a:xfrm>
-            <a:off x="782506" y="4789448"/>
-            <a:ext cx="8420100" cy="1480311"/>
+            <a:off x="1011238" y="6169667"/>
+            <a:ext cx="10881361" cy="1906905"/>
           </a:xfrm>
         </p:spPr>
         <p:txBody>
           <a:bodyPr anchor="t"/>
           <a:lstStyle>
             <a:lvl1pPr algn="l">
-              <a:defRPr sz="4000" b="1" cap="all"/>
+              <a:defRPr sz="5200" b="1" cap="all"/>
             </a:lvl1pPr>
           </a:lstStyle>
           <a:p>
@@ -1397,14 +1402,34 @@
         </p:nvSpPr>
         <p:spPr>
           <a:xfrm>
-            <a:off x="782506" y="3159034"/>
-            <a:ext cx="8420100" cy="1630412"/>
+            <a:off x="1011238" y="4069400"/>
+            <a:ext cx="10881361" cy="2100263"/>
           </a:xfrm>
         </p:spPr>
         <p:txBody>
           <a:bodyPr anchor="b"/>
           <a:lstStyle>
             <a:lvl1pPr marL="0" indent="0">
+              <a:buNone/>
+              <a:defRPr sz="2600">
+                <a:solidFill>
+                  <a:schemeClr val="tx1">
+                    <a:tint val="75000"/>
+                  </a:schemeClr>
+                </a:solidFill>
+              </a:defRPr>
+            </a:lvl1pPr>
+            <a:lvl2pPr marL="589892" indent="0">
+              <a:buNone/>
+              <a:defRPr sz="2400">
+                <a:solidFill>
+                  <a:schemeClr val="tx1">
+                    <a:tint val="75000"/>
+                  </a:schemeClr>
+                </a:solidFill>
+              </a:defRPr>
+            </a:lvl2pPr>
+            <a:lvl3pPr marL="1179782" indent="0">
               <a:buNone/>
               <a:defRPr sz="2000">
                 <a:solidFill>
@@ -1413,8 +1438,8 @@
                   </a:schemeClr>
                 </a:solidFill>
               </a:defRPr>
-            </a:lvl1pPr>
-            <a:lvl2pPr marL="457114" indent="0">
+            </a:lvl3pPr>
+            <a:lvl4pPr marL="1769674" indent="0">
               <a:buNone/>
               <a:defRPr sz="1800">
                 <a:solidFill>
@@ -1423,30 +1448,10 @@
                   </a:schemeClr>
                 </a:solidFill>
               </a:defRPr>
-            </a:lvl2pPr>
-            <a:lvl3pPr marL="914226" indent="0">
+            </a:lvl4pPr>
+            <a:lvl5pPr marL="2359567" indent="0">
               <a:buNone/>
-              <a:defRPr sz="1600">
-                <a:solidFill>
-                  <a:schemeClr val="tx1">
-                    <a:tint val="75000"/>
-                  </a:schemeClr>
-                </a:solidFill>
-              </a:defRPr>
-            </a:lvl3pPr>
-            <a:lvl4pPr marL="1371340" indent="0">
-              <a:buNone/>
-              <a:defRPr sz="1400">
-                <a:solidFill>
-                  <a:schemeClr val="tx1">
-                    <a:tint val="75000"/>
-                  </a:schemeClr>
-                </a:solidFill>
-              </a:defRPr>
-            </a:lvl4pPr>
-            <a:lvl5pPr marL="1828453" indent="0">
-              <a:buNone/>
-              <a:defRPr sz="1400">
+              <a:defRPr sz="1800">
                 <a:solidFill>
                   <a:schemeClr val="tx1">
                     <a:tint val="75000"/>
@@ -1454,9 +1459,9 @@
                 </a:solidFill>
               </a:defRPr>
             </a:lvl5pPr>
-            <a:lvl6pPr marL="2285567" indent="0">
+            <a:lvl6pPr marL="2949459" indent="0">
               <a:buNone/>
-              <a:defRPr sz="1400">
+              <a:defRPr sz="1800">
                 <a:solidFill>
                   <a:schemeClr val="tx1">
                     <a:tint val="75000"/>
@@ -1464,9 +1469,9 @@
                 </a:solidFill>
               </a:defRPr>
             </a:lvl6pPr>
-            <a:lvl7pPr marL="2742680" indent="0">
+            <a:lvl7pPr marL="3539350" indent="0">
               <a:buNone/>
-              <a:defRPr sz="1400">
+              <a:defRPr sz="1800">
                 <a:solidFill>
                   <a:schemeClr val="tx1">
                     <a:tint val="75000"/>
@@ -1474,9 +1479,9 @@
                 </a:solidFill>
               </a:defRPr>
             </a:lvl7pPr>
-            <a:lvl8pPr marL="3199793" indent="0">
+            <a:lvl8pPr marL="4129241" indent="0">
               <a:buNone/>
-              <a:defRPr sz="1400">
+              <a:defRPr sz="1800">
                 <a:solidFill>
                   <a:schemeClr val="tx1">
                     <a:tint val="75000"/>
@@ -1484,9 +1489,9 @@
                 </a:solidFill>
               </a:defRPr>
             </a:lvl8pPr>
-            <a:lvl9pPr marL="3656907" indent="0">
+            <a:lvl9pPr marL="4719133" indent="0">
               <a:buNone/>
-              <a:defRPr sz="1400">
+              <a:defRPr sz="1800">
                 <a:solidFill>
                   <a:schemeClr val="tx1">
                     <a:tint val="75000"/>
@@ -1522,7 +1527,7 @@
             <a:fld id="{F2836247-D755-492A-BA3E-93510ACEE91B}" type="datetimeFigureOut">
               <a:rPr lang="es-AR" smtClean="0"/>
               <a:pPr/>
-              <a:t>27/08/2013</a:t>
+              <a:t>11/11/2013</a:t>
             </a:fld>
             <a:endParaRPr lang="es-AR" dirty="0"/>
           </a:p>
@@ -1574,7 +1579,7 @@
     </p:spTree>
     <p:extLst>
       <p:ext uri="{BB962C8B-B14F-4D97-AF65-F5344CB8AC3E}">
-        <p14:creationId xmlns:p14="http://schemas.microsoft.com/office/powerpoint/2010/main" xmlns="" val="3298102658"/>
+        <p14:creationId xmlns="" xmlns:p14="http://schemas.microsoft.com/office/powerpoint/2010/main" val="3298102658"/>
       </p:ext>
     </p:extLst>
   </p:cSld>
@@ -1636,39 +1641,39 @@
         </p:nvSpPr>
         <p:spPr>
           <a:xfrm>
-            <a:off x="495301" y="1739109"/>
-            <a:ext cx="4375150" cy="4918842"/>
+            <a:off x="640081" y="2240283"/>
+            <a:ext cx="5654040" cy="6336348"/>
           </a:xfrm>
         </p:spPr>
         <p:txBody>
           <a:bodyPr/>
           <a:lstStyle>
             <a:lvl1pPr>
-              <a:defRPr sz="2800"/>
+              <a:defRPr sz="3700"/>
             </a:lvl1pPr>
             <a:lvl2pPr>
-              <a:defRPr sz="2400"/>
+              <a:defRPr sz="3100"/>
             </a:lvl2pPr>
             <a:lvl3pPr>
-              <a:defRPr sz="2000"/>
+              <a:defRPr sz="2600"/>
             </a:lvl3pPr>
             <a:lvl4pPr>
-              <a:defRPr sz="1800"/>
+              <a:defRPr sz="2400"/>
             </a:lvl4pPr>
             <a:lvl5pPr>
-              <a:defRPr sz="1800"/>
+              <a:defRPr sz="2400"/>
             </a:lvl5pPr>
             <a:lvl6pPr>
-              <a:defRPr sz="1800"/>
+              <a:defRPr sz="2400"/>
             </a:lvl6pPr>
             <a:lvl7pPr>
-              <a:defRPr sz="1800"/>
+              <a:defRPr sz="2400"/>
             </a:lvl7pPr>
             <a:lvl8pPr>
-              <a:defRPr sz="1800"/>
+              <a:defRPr sz="2400"/>
             </a:lvl8pPr>
             <a:lvl9pPr>
-              <a:defRPr sz="1800"/>
+              <a:defRPr sz="2400"/>
             </a:lvl9pPr>
           </a:lstStyle>
           <a:p>
@@ -1721,39 +1726,39 @@
         </p:nvSpPr>
         <p:spPr>
           <a:xfrm>
-            <a:off x="5035550" y="1739109"/>
-            <a:ext cx="4375150" cy="4918842"/>
+            <a:off x="6507481" y="2240283"/>
+            <a:ext cx="5654040" cy="6336348"/>
           </a:xfrm>
         </p:spPr>
         <p:txBody>
           <a:bodyPr/>
           <a:lstStyle>
             <a:lvl1pPr>
-              <a:defRPr sz="2800"/>
+              <a:defRPr sz="3700"/>
             </a:lvl1pPr>
             <a:lvl2pPr>
-              <a:defRPr sz="2400"/>
+              <a:defRPr sz="3100"/>
             </a:lvl2pPr>
             <a:lvl3pPr>
-              <a:defRPr sz="2000"/>
+              <a:defRPr sz="2600"/>
             </a:lvl3pPr>
             <a:lvl4pPr>
-              <a:defRPr sz="1800"/>
+              <a:defRPr sz="2400"/>
             </a:lvl4pPr>
             <a:lvl5pPr>
-              <a:defRPr sz="1800"/>
+              <a:defRPr sz="2400"/>
             </a:lvl5pPr>
             <a:lvl6pPr>
-              <a:defRPr sz="1800"/>
+              <a:defRPr sz="2400"/>
             </a:lvl6pPr>
             <a:lvl7pPr>
-              <a:defRPr sz="1800"/>
+              <a:defRPr sz="2400"/>
             </a:lvl7pPr>
             <a:lvl8pPr>
-              <a:defRPr sz="1800"/>
+              <a:defRPr sz="2400"/>
             </a:lvl8pPr>
             <a:lvl9pPr>
-              <a:defRPr sz="1800"/>
+              <a:defRPr sz="2400"/>
             </a:lvl9pPr>
           </a:lstStyle>
           <a:p>
@@ -1812,7 +1817,7 @@
             <a:fld id="{F2836247-D755-492A-BA3E-93510ACEE91B}" type="datetimeFigureOut">
               <a:rPr lang="es-AR" smtClean="0"/>
               <a:pPr/>
-              <a:t>27/08/2013</a:t>
+              <a:t>11/11/2013</a:t>
             </a:fld>
             <a:endParaRPr lang="es-AR" dirty="0"/>
           </a:p>
@@ -1864,7 +1869,7 @@
     </p:spTree>
     <p:extLst>
       <p:ext uri="{BB962C8B-B14F-4D97-AF65-F5344CB8AC3E}">
-        <p14:creationId xmlns:p14="http://schemas.microsoft.com/office/powerpoint/2010/main" xmlns="" val="2864823516"/>
+        <p14:creationId xmlns="" xmlns:p14="http://schemas.microsoft.com/office/powerpoint/2010/main" val="2864823516"/>
       </p:ext>
     </p:extLst>
   </p:cSld>
@@ -1930,8 +1935,8 @@
         </p:nvSpPr>
         <p:spPr>
           <a:xfrm>
-            <a:off x="495300" y="1668372"/>
-            <a:ext cx="4376870" cy="695298"/>
+            <a:off x="640081" y="2149162"/>
+            <a:ext cx="5656262" cy="895668"/>
           </a:xfrm>
         </p:spPr>
         <p:txBody>
@@ -1939,39 +1944,39 @@
           <a:lstStyle>
             <a:lvl1pPr marL="0" indent="0">
               <a:buNone/>
+              <a:defRPr sz="3100" b="1"/>
+            </a:lvl1pPr>
+            <a:lvl2pPr marL="589892" indent="0">
+              <a:buNone/>
+              <a:defRPr sz="2600" b="1"/>
+            </a:lvl2pPr>
+            <a:lvl3pPr marL="1179782" indent="0">
+              <a:buNone/>
               <a:defRPr sz="2400" b="1"/>
-            </a:lvl1pPr>
-            <a:lvl2pPr marL="457114" indent="0">
+            </a:lvl3pPr>
+            <a:lvl4pPr marL="1769674" indent="0">
               <a:buNone/>
               <a:defRPr sz="2000" b="1"/>
-            </a:lvl2pPr>
-            <a:lvl3pPr marL="914226" indent="0">
+            </a:lvl4pPr>
+            <a:lvl5pPr marL="2359567" indent="0">
               <a:buNone/>
-              <a:defRPr sz="1800" b="1"/>
-            </a:lvl3pPr>
-            <a:lvl4pPr marL="1371340" indent="0">
+              <a:defRPr sz="2000" b="1"/>
+            </a:lvl5pPr>
+            <a:lvl6pPr marL="2949459" indent="0">
               <a:buNone/>
-              <a:defRPr sz="1600" b="1"/>
-            </a:lvl4pPr>
-            <a:lvl5pPr marL="1828453" indent="0">
+              <a:defRPr sz="2000" b="1"/>
+            </a:lvl6pPr>
+            <a:lvl7pPr marL="3539350" indent="0">
               <a:buNone/>
-              <a:defRPr sz="1600" b="1"/>
-            </a:lvl5pPr>
-            <a:lvl6pPr marL="2285567" indent="0">
+              <a:defRPr sz="2000" b="1"/>
+            </a:lvl7pPr>
+            <a:lvl8pPr marL="4129241" indent="0">
               <a:buNone/>
-              <a:defRPr sz="1600" b="1"/>
-            </a:lvl6pPr>
-            <a:lvl7pPr marL="2742680" indent="0">
+              <a:defRPr sz="2000" b="1"/>
+            </a:lvl8pPr>
+            <a:lvl9pPr marL="4719133" indent="0">
               <a:buNone/>
-              <a:defRPr sz="1600" b="1"/>
-            </a:lvl7pPr>
-            <a:lvl8pPr marL="3199793" indent="0">
-              <a:buNone/>
-              <a:defRPr sz="1600" b="1"/>
-            </a:lvl8pPr>
-            <a:lvl9pPr marL="3656907" indent="0">
-              <a:buNone/>
-              <a:defRPr sz="1600" b="1"/>
+              <a:defRPr sz="2000" b="1"/>
             </a:lvl9pPr>
           </a:lstStyle>
           <a:p>
@@ -1995,39 +2000,39 @@
         </p:nvSpPr>
         <p:spPr>
           <a:xfrm>
-            <a:off x="495300" y="2363666"/>
-            <a:ext cx="4376870" cy="4294282"/>
+            <a:off x="640081" y="3044825"/>
+            <a:ext cx="5656262" cy="5531803"/>
           </a:xfrm>
         </p:spPr>
         <p:txBody>
           <a:bodyPr/>
           <a:lstStyle>
             <a:lvl1pPr>
-              <a:defRPr sz="2400"/>
+              <a:defRPr sz="3100"/>
             </a:lvl1pPr>
             <a:lvl2pPr>
-              <a:defRPr sz="2000"/>
+              <a:defRPr sz="2600"/>
             </a:lvl2pPr>
             <a:lvl3pPr>
-              <a:defRPr sz="1800"/>
+              <a:defRPr sz="2400"/>
             </a:lvl3pPr>
             <a:lvl4pPr>
-              <a:defRPr sz="1600"/>
+              <a:defRPr sz="2000"/>
             </a:lvl4pPr>
             <a:lvl5pPr>
-              <a:defRPr sz="1600"/>
+              <a:defRPr sz="2000"/>
             </a:lvl5pPr>
             <a:lvl6pPr>
-              <a:defRPr sz="1600"/>
+              <a:defRPr sz="2000"/>
             </a:lvl6pPr>
             <a:lvl7pPr>
-              <a:defRPr sz="1600"/>
+              <a:defRPr sz="2000"/>
             </a:lvl7pPr>
             <a:lvl8pPr>
-              <a:defRPr sz="1600"/>
+              <a:defRPr sz="2000"/>
             </a:lvl8pPr>
             <a:lvl9pPr>
-              <a:defRPr sz="1600"/>
+              <a:defRPr sz="2000"/>
             </a:lvl9pPr>
           </a:lstStyle>
           <a:p>
@@ -2080,8 +2085,8 @@
         </p:nvSpPr>
         <p:spPr>
           <a:xfrm>
-            <a:off x="5032114" y="1668372"/>
-            <a:ext cx="4378590" cy="695298"/>
+            <a:off x="6503040" y="2149162"/>
+            <a:ext cx="5658485" cy="895668"/>
           </a:xfrm>
         </p:spPr>
         <p:txBody>
@@ -2089,39 +2094,39 @@
           <a:lstStyle>
             <a:lvl1pPr marL="0" indent="0">
               <a:buNone/>
+              <a:defRPr sz="3100" b="1"/>
+            </a:lvl1pPr>
+            <a:lvl2pPr marL="589892" indent="0">
+              <a:buNone/>
+              <a:defRPr sz="2600" b="1"/>
+            </a:lvl2pPr>
+            <a:lvl3pPr marL="1179782" indent="0">
+              <a:buNone/>
               <a:defRPr sz="2400" b="1"/>
-            </a:lvl1pPr>
-            <a:lvl2pPr marL="457114" indent="0">
+            </a:lvl3pPr>
+            <a:lvl4pPr marL="1769674" indent="0">
               <a:buNone/>
               <a:defRPr sz="2000" b="1"/>
-            </a:lvl2pPr>
-            <a:lvl3pPr marL="914226" indent="0">
+            </a:lvl4pPr>
+            <a:lvl5pPr marL="2359567" indent="0">
               <a:buNone/>
-              <a:defRPr sz="1800" b="1"/>
-            </a:lvl3pPr>
-            <a:lvl4pPr marL="1371340" indent="0">
+              <a:defRPr sz="2000" b="1"/>
+            </a:lvl5pPr>
+            <a:lvl6pPr marL="2949459" indent="0">
               <a:buNone/>
-              <a:defRPr sz="1600" b="1"/>
-            </a:lvl4pPr>
-            <a:lvl5pPr marL="1828453" indent="0">
+              <a:defRPr sz="2000" b="1"/>
+            </a:lvl6pPr>
+            <a:lvl7pPr marL="3539350" indent="0">
               <a:buNone/>
-              <a:defRPr sz="1600" b="1"/>
-            </a:lvl5pPr>
-            <a:lvl6pPr marL="2285567" indent="0">
+              <a:defRPr sz="2000" b="1"/>
+            </a:lvl7pPr>
+            <a:lvl8pPr marL="4129241" indent="0">
               <a:buNone/>
-              <a:defRPr sz="1600" b="1"/>
-            </a:lvl6pPr>
-            <a:lvl7pPr marL="2742680" indent="0">
+              <a:defRPr sz="2000" b="1"/>
+            </a:lvl8pPr>
+            <a:lvl9pPr marL="4719133" indent="0">
               <a:buNone/>
-              <a:defRPr sz="1600" b="1"/>
-            </a:lvl7pPr>
-            <a:lvl8pPr marL="3199793" indent="0">
-              <a:buNone/>
-              <a:defRPr sz="1600" b="1"/>
-            </a:lvl8pPr>
-            <a:lvl9pPr marL="3656907" indent="0">
-              <a:buNone/>
-              <a:defRPr sz="1600" b="1"/>
+              <a:defRPr sz="2000" b="1"/>
             </a:lvl9pPr>
           </a:lstStyle>
           <a:p>
@@ -2145,39 +2150,39 @@
         </p:nvSpPr>
         <p:spPr>
           <a:xfrm>
-            <a:off x="5032114" y="2363666"/>
-            <a:ext cx="4378590" cy="4294282"/>
+            <a:off x="6503040" y="3044825"/>
+            <a:ext cx="5658485" cy="5531803"/>
           </a:xfrm>
         </p:spPr>
         <p:txBody>
           <a:bodyPr/>
           <a:lstStyle>
             <a:lvl1pPr>
-              <a:defRPr sz="2400"/>
+              <a:defRPr sz="3100"/>
             </a:lvl1pPr>
             <a:lvl2pPr>
-              <a:defRPr sz="2000"/>
+              <a:defRPr sz="2600"/>
             </a:lvl2pPr>
             <a:lvl3pPr>
-              <a:defRPr sz="1800"/>
+              <a:defRPr sz="2400"/>
             </a:lvl3pPr>
             <a:lvl4pPr>
-              <a:defRPr sz="1600"/>
+              <a:defRPr sz="2000"/>
             </a:lvl4pPr>
             <a:lvl5pPr>
-              <a:defRPr sz="1600"/>
+              <a:defRPr sz="2000"/>
             </a:lvl5pPr>
             <a:lvl6pPr>
-              <a:defRPr sz="1600"/>
+              <a:defRPr sz="2000"/>
             </a:lvl6pPr>
             <a:lvl7pPr>
-              <a:defRPr sz="1600"/>
+              <a:defRPr sz="2000"/>
             </a:lvl7pPr>
             <a:lvl8pPr>
-              <a:defRPr sz="1600"/>
+              <a:defRPr sz="2000"/>
             </a:lvl8pPr>
             <a:lvl9pPr>
-              <a:defRPr sz="1600"/>
+              <a:defRPr sz="2000"/>
             </a:lvl9pPr>
           </a:lstStyle>
           <a:p>
@@ -2236,7 +2241,7 @@
             <a:fld id="{F2836247-D755-492A-BA3E-93510ACEE91B}" type="datetimeFigureOut">
               <a:rPr lang="es-AR" smtClean="0"/>
               <a:pPr/>
-              <a:t>27/08/2013</a:t>
+              <a:t>11/11/2013</a:t>
             </a:fld>
             <a:endParaRPr lang="es-AR" dirty="0"/>
           </a:p>
@@ -2288,7 +2293,7 @@
     </p:spTree>
     <p:extLst>
       <p:ext uri="{BB962C8B-B14F-4D97-AF65-F5344CB8AC3E}">
-        <p14:creationId xmlns:p14="http://schemas.microsoft.com/office/powerpoint/2010/main" xmlns="" val="735162974"/>
+        <p14:creationId xmlns="" xmlns:p14="http://schemas.microsoft.com/office/powerpoint/2010/main" val="735162974"/>
       </p:ext>
     </p:extLst>
   </p:cSld>
@@ -2356,7 +2361,7 @@
             <a:fld id="{F2836247-D755-492A-BA3E-93510ACEE91B}" type="datetimeFigureOut">
               <a:rPr lang="es-AR" smtClean="0"/>
               <a:pPr/>
-              <a:t>27/08/2013</a:t>
+              <a:t>11/11/2013</a:t>
             </a:fld>
             <a:endParaRPr lang="es-AR" dirty="0"/>
           </a:p>
@@ -2408,7 +2413,7 @@
     </p:spTree>
     <p:extLst>
       <p:ext uri="{BB962C8B-B14F-4D97-AF65-F5344CB8AC3E}">
-        <p14:creationId xmlns:p14="http://schemas.microsoft.com/office/powerpoint/2010/main" xmlns="" val="2865487179"/>
+        <p14:creationId xmlns="" xmlns:p14="http://schemas.microsoft.com/office/powerpoint/2010/main" val="2865487179"/>
       </p:ext>
     </p:extLst>
   </p:cSld>
@@ -2453,7 +2458,7 @@
             <a:fld id="{F2836247-D755-492A-BA3E-93510ACEE91B}" type="datetimeFigureOut">
               <a:rPr lang="es-AR" smtClean="0"/>
               <a:pPr/>
-              <a:t>27/08/2013</a:t>
+              <a:t>11/11/2013</a:t>
             </a:fld>
             <a:endParaRPr lang="es-AR" dirty="0"/>
           </a:p>
@@ -2505,7 +2510,7 @@
     </p:spTree>
     <p:extLst>
       <p:ext uri="{BB962C8B-B14F-4D97-AF65-F5344CB8AC3E}">
-        <p14:creationId xmlns:p14="http://schemas.microsoft.com/office/powerpoint/2010/main" xmlns="" val="1909442082"/>
+        <p14:creationId xmlns="" xmlns:p14="http://schemas.microsoft.com/office/powerpoint/2010/main" val="1909442082"/>
       </p:ext>
     </p:extLst>
   </p:cSld>
@@ -2544,15 +2549,15 @@
         </p:nvSpPr>
         <p:spPr>
           <a:xfrm>
-            <a:off x="495304" y="296754"/>
-            <a:ext cx="3259006" cy="1262924"/>
+            <a:off x="640085" y="382273"/>
+            <a:ext cx="4211638" cy="1626872"/>
           </a:xfrm>
         </p:spPr>
         <p:txBody>
           <a:bodyPr anchor="b"/>
           <a:lstStyle>
             <a:lvl1pPr algn="l">
-              <a:defRPr sz="2000" b="1"/>
+              <a:defRPr sz="2600" b="1"/>
             </a:lvl1pPr>
           </a:lstStyle>
           <a:p>
@@ -2576,39 +2581,39 @@
         </p:nvSpPr>
         <p:spPr>
           <a:xfrm>
-            <a:off x="3872974" y="296758"/>
-            <a:ext cx="5537729" cy="6361196"/>
+            <a:off x="5005074" y="382278"/>
+            <a:ext cx="7156450" cy="8194358"/>
           </a:xfrm>
         </p:spPr>
         <p:txBody>
           <a:bodyPr/>
           <a:lstStyle>
             <a:lvl1pPr>
-              <a:defRPr sz="3200"/>
+              <a:defRPr sz="4100"/>
             </a:lvl1pPr>
             <a:lvl2pPr>
-              <a:defRPr sz="2800"/>
+              <a:defRPr sz="3700"/>
             </a:lvl2pPr>
             <a:lvl3pPr>
-              <a:defRPr sz="2400"/>
+              <a:defRPr sz="3100"/>
             </a:lvl3pPr>
             <a:lvl4pPr>
-              <a:defRPr sz="2000"/>
+              <a:defRPr sz="2600"/>
             </a:lvl4pPr>
             <a:lvl5pPr>
-              <a:defRPr sz="2000"/>
+              <a:defRPr sz="2600"/>
             </a:lvl5pPr>
             <a:lvl6pPr>
-              <a:defRPr sz="2000"/>
+              <a:defRPr sz="2600"/>
             </a:lvl6pPr>
             <a:lvl7pPr>
-              <a:defRPr sz="2000"/>
+              <a:defRPr sz="2600"/>
             </a:lvl7pPr>
             <a:lvl8pPr>
-              <a:defRPr sz="2000"/>
+              <a:defRPr sz="2600"/>
             </a:lvl8pPr>
             <a:lvl9pPr>
-              <a:defRPr sz="2000"/>
+              <a:defRPr sz="2600"/>
             </a:lvl9pPr>
           </a:lstStyle>
           <a:p>
@@ -2661,8 +2666,8 @@
         </p:nvSpPr>
         <p:spPr>
           <a:xfrm>
-            <a:off x="495304" y="1559678"/>
-            <a:ext cx="3259006" cy="5098274"/>
+            <a:off x="640085" y="2009144"/>
+            <a:ext cx="4211638" cy="6567489"/>
           </a:xfrm>
         </p:spPr>
         <p:txBody>
@@ -2670,39 +2675,39 @@
           <a:lstStyle>
             <a:lvl1pPr marL="0" indent="0">
               <a:buNone/>
-              <a:defRPr sz="1400"/>
+              <a:defRPr sz="1800"/>
             </a:lvl1pPr>
-            <a:lvl2pPr marL="457114" indent="0">
+            <a:lvl2pPr marL="589892" indent="0">
+              <a:buNone/>
+              <a:defRPr sz="1500"/>
+            </a:lvl2pPr>
+            <a:lvl3pPr marL="1179782" indent="0">
+              <a:buNone/>
+              <a:defRPr sz="1300"/>
+            </a:lvl3pPr>
+            <a:lvl4pPr marL="1769674" indent="0">
               <a:buNone/>
               <a:defRPr sz="1200"/>
-            </a:lvl2pPr>
-            <a:lvl3pPr marL="914226" indent="0">
+            </a:lvl4pPr>
+            <a:lvl5pPr marL="2359567" indent="0">
               <a:buNone/>
-              <a:defRPr sz="1000"/>
-            </a:lvl3pPr>
-            <a:lvl4pPr marL="1371340" indent="0">
+              <a:defRPr sz="1200"/>
+            </a:lvl5pPr>
+            <a:lvl6pPr marL="2949459" indent="0">
               <a:buNone/>
-              <a:defRPr sz="900"/>
-            </a:lvl4pPr>
-            <a:lvl5pPr marL="1828453" indent="0">
+              <a:defRPr sz="1200"/>
+            </a:lvl6pPr>
+            <a:lvl7pPr marL="3539350" indent="0">
               <a:buNone/>
-              <a:defRPr sz="900"/>
-            </a:lvl5pPr>
-            <a:lvl6pPr marL="2285567" indent="0">
+              <a:defRPr sz="1200"/>
+            </a:lvl7pPr>
+            <a:lvl8pPr marL="4129241" indent="0">
               <a:buNone/>
-              <a:defRPr sz="900"/>
-            </a:lvl6pPr>
-            <a:lvl7pPr marL="2742680" indent="0">
+              <a:defRPr sz="1200"/>
+            </a:lvl8pPr>
+            <a:lvl9pPr marL="4719133" indent="0">
               <a:buNone/>
-              <a:defRPr sz="900"/>
-            </a:lvl7pPr>
-            <a:lvl8pPr marL="3199793" indent="0">
-              <a:buNone/>
-              <a:defRPr sz="900"/>
-            </a:lvl8pPr>
-            <a:lvl9pPr marL="3656907" indent="0">
-              <a:buNone/>
-              <a:defRPr sz="900"/>
+              <a:defRPr sz="1200"/>
             </a:lvl9pPr>
           </a:lstStyle>
           <a:p>
@@ -2732,7 +2737,7 @@
             <a:fld id="{F2836247-D755-492A-BA3E-93510ACEE91B}" type="datetimeFigureOut">
               <a:rPr lang="es-AR" smtClean="0"/>
               <a:pPr/>
-              <a:t>27/08/2013</a:t>
+              <a:t>11/11/2013</a:t>
             </a:fld>
             <a:endParaRPr lang="es-AR" dirty="0"/>
           </a:p>
@@ -2784,7 +2789,7 @@
     </p:spTree>
     <p:extLst>
       <p:ext uri="{BB962C8B-B14F-4D97-AF65-F5344CB8AC3E}">
-        <p14:creationId xmlns:p14="http://schemas.microsoft.com/office/powerpoint/2010/main" xmlns="" val="3575346930"/>
+        <p14:creationId xmlns="" xmlns:p14="http://schemas.microsoft.com/office/powerpoint/2010/main" val="3575346930"/>
       </p:ext>
     </p:extLst>
   </p:cSld>
@@ -2823,15 +2828,15 @@
         </p:nvSpPr>
         <p:spPr>
           <a:xfrm>
-            <a:off x="1941645" y="5217323"/>
-            <a:ext cx="5943600" cy="615935"/>
+            <a:off x="2509202" y="6720846"/>
+            <a:ext cx="7680960" cy="793435"/>
           </a:xfrm>
         </p:spPr>
         <p:txBody>
           <a:bodyPr anchor="b"/>
           <a:lstStyle>
             <a:lvl1pPr algn="l">
-              <a:defRPr sz="2000" b="1"/>
+              <a:defRPr sz="2600" b="1"/>
             </a:lvl1pPr>
           </a:lstStyle>
           <a:p>
@@ -2855,8 +2860,8 @@
         </p:nvSpPr>
         <p:spPr>
           <a:xfrm>
-            <a:off x="1941645" y="665967"/>
-            <a:ext cx="5943600" cy="4471988"/>
+            <a:off x="2509202" y="857884"/>
+            <a:ext cx="7680960" cy="5760720"/>
           </a:xfrm>
         </p:spPr>
         <p:txBody>
@@ -2864,39 +2869,39 @@
           <a:lstStyle>
             <a:lvl1pPr marL="0" indent="0">
               <a:buNone/>
-              <a:defRPr sz="3200"/>
+              <a:defRPr sz="4100"/>
             </a:lvl1pPr>
-            <a:lvl2pPr marL="457114" indent="0">
+            <a:lvl2pPr marL="589892" indent="0">
               <a:buNone/>
-              <a:defRPr sz="2800"/>
+              <a:defRPr sz="3700"/>
             </a:lvl2pPr>
-            <a:lvl3pPr marL="914226" indent="0">
+            <a:lvl3pPr marL="1179782" indent="0">
               <a:buNone/>
-              <a:defRPr sz="2400"/>
+              <a:defRPr sz="3100"/>
             </a:lvl3pPr>
-            <a:lvl4pPr marL="1371340" indent="0">
+            <a:lvl4pPr marL="1769674" indent="0">
               <a:buNone/>
-              <a:defRPr sz="2000"/>
+              <a:defRPr sz="2600"/>
             </a:lvl4pPr>
-            <a:lvl5pPr marL="1828453" indent="0">
+            <a:lvl5pPr marL="2359567" indent="0">
               <a:buNone/>
-              <a:defRPr sz="2000"/>
+              <a:defRPr sz="2600"/>
             </a:lvl5pPr>
-            <a:lvl6pPr marL="2285567" indent="0">
+            <a:lvl6pPr marL="2949459" indent="0">
               <a:buNone/>
-              <a:defRPr sz="2000"/>
+              <a:defRPr sz="2600"/>
             </a:lvl6pPr>
-            <a:lvl7pPr marL="2742680" indent="0">
+            <a:lvl7pPr marL="3539350" indent="0">
               <a:buNone/>
-              <a:defRPr sz="2000"/>
+              <a:defRPr sz="2600"/>
             </a:lvl7pPr>
-            <a:lvl8pPr marL="3199793" indent="0">
+            <a:lvl8pPr marL="4129241" indent="0">
               <a:buNone/>
-              <a:defRPr sz="2000"/>
+              <a:defRPr sz="2600"/>
             </a:lvl8pPr>
-            <a:lvl9pPr marL="3656907" indent="0">
+            <a:lvl9pPr marL="4719133" indent="0">
               <a:buNone/>
-              <a:defRPr sz="2000"/>
+              <a:defRPr sz="2600"/>
             </a:lvl9pPr>
           </a:lstStyle>
           <a:p>
@@ -2916,8 +2921,8 @@
         </p:nvSpPr>
         <p:spPr>
           <a:xfrm>
-            <a:off x="1941645" y="5833256"/>
-            <a:ext cx="5943600" cy="874730"/>
+            <a:off x="2509202" y="7514278"/>
+            <a:ext cx="7680960" cy="1126809"/>
           </a:xfrm>
         </p:spPr>
         <p:txBody>
@@ -2925,39 +2930,39 @@
           <a:lstStyle>
             <a:lvl1pPr marL="0" indent="0">
               <a:buNone/>
-              <a:defRPr sz="1400"/>
+              <a:defRPr sz="1800"/>
             </a:lvl1pPr>
-            <a:lvl2pPr marL="457114" indent="0">
+            <a:lvl2pPr marL="589892" indent="0">
+              <a:buNone/>
+              <a:defRPr sz="1500"/>
+            </a:lvl2pPr>
+            <a:lvl3pPr marL="1179782" indent="0">
+              <a:buNone/>
+              <a:defRPr sz="1300"/>
+            </a:lvl3pPr>
+            <a:lvl4pPr marL="1769674" indent="0">
               <a:buNone/>
               <a:defRPr sz="1200"/>
-            </a:lvl2pPr>
-            <a:lvl3pPr marL="914226" indent="0">
+            </a:lvl4pPr>
+            <a:lvl5pPr marL="2359567" indent="0">
               <a:buNone/>
-              <a:defRPr sz="1000"/>
-            </a:lvl3pPr>
-            <a:lvl4pPr marL="1371340" indent="0">
+              <a:defRPr sz="1200"/>
+            </a:lvl5pPr>
+            <a:lvl6pPr marL="2949459" indent="0">
               <a:buNone/>
-              <a:defRPr sz="900"/>
-            </a:lvl4pPr>
-            <a:lvl5pPr marL="1828453" indent="0">
+              <a:defRPr sz="1200"/>
+            </a:lvl6pPr>
+            <a:lvl7pPr marL="3539350" indent="0">
               <a:buNone/>
-              <a:defRPr sz="900"/>
-            </a:lvl5pPr>
-            <a:lvl6pPr marL="2285567" indent="0">
+              <a:defRPr sz="1200"/>
+            </a:lvl7pPr>
+            <a:lvl8pPr marL="4129241" indent="0">
               <a:buNone/>
-              <a:defRPr sz="900"/>
-            </a:lvl6pPr>
-            <a:lvl7pPr marL="2742680" indent="0">
+              <a:defRPr sz="1200"/>
+            </a:lvl8pPr>
+            <a:lvl9pPr marL="4719133" indent="0">
               <a:buNone/>
-              <a:defRPr sz="900"/>
-            </a:lvl7pPr>
-            <a:lvl8pPr marL="3199793" indent="0">
-              <a:buNone/>
-              <a:defRPr sz="900"/>
-            </a:lvl8pPr>
-            <a:lvl9pPr marL="3656907" indent="0">
-              <a:buNone/>
-              <a:defRPr sz="900"/>
+              <a:defRPr sz="1200"/>
             </a:lvl9pPr>
           </a:lstStyle>
           <a:p>
@@ -2987,7 +2992,7 @@
             <a:fld id="{F2836247-D755-492A-BA3E-93510ACEE91B}" type="datetimeFigureOut">
               <a:rPr lang="es-AR" smtClean="0"/>
               <a:pPr/>
-              <a:t>27/08/2013</a:t>
+              <a:t>11/11/2013</a:t>
             </a:fld>
             <a:endParaRPr lang="es-AR" dirty="0"/>
           </a:p>
@@ -3039,7 +3044,7 @@
     </p:spTree>
     <p:extLst>
       <p:ext uri="{BB962C8B-B14F-4D97-AF65-F5344CB8AC3E}">
-        <p14:creationId xmlns:p14="http://schemas.microsoft.com/office/powerpoint/2010/main" xmlns="" val="202950242"/>
+        <p14:creationId xmlns="" xmlns:p14="http://schemas.microsoft.com/office/powerpoint/2010/main" val="202950242"/>
       </p:ext>
     </p:extLst>
   </p:cSld>
@@ -3083,15 +3088,15 @@
         </p:nvSpPr>
         <p:spPr>
           <a:xfrm>
-            <a:off x="495301" y="298480"/>
-            <a:ext cx="8915400" cy="1242219"/>
+            <a:off x="640082" y="384497"/>
+            <a:ext cx="11521440" cy="1600200"/>
           </a:xfrm>
           <a:prstGeom prst="rect">
             <a:avLst/>
           </a:prstGeom>
         </p:spPr>
         <p:txBody>
-          <a:bodyPr vert="horz" lIns="91423" tIns="45711" rIns="91423" bIns="45711" rtlCol="0" anchor="ctr">
+          <a:bodyPr vert="horz" lIns="117979" tIns="58989" rIns="117979" bIns="58989" rtlCol="0" anchor="ctr">
             <a:normAutofit/>
           </a:bodyPr>
           <a:lstStyle/>
@@ -3116,15 +3121,15 @@
         </p:nvSpPr>
         <p:spPr>
           <a:xfrm>
-            <a:off x="495301" y="1739109"/>
-            <a:ext cx="8915400" cy="4918842"/>
+            <a:off x="640082" y="2240283"/>
+            <a:ext cx="11521440" cy="6336348"/>
           </a:xfrm>
           <a:prstGeom prst="rect">
             <a:avLst/>
           </a:prstGeom>
         </p:spPr>
         <p:txBody>
-          <a:bodyPr vert="horz" lIns="91423" tIns="45711" rIns="91423" bIns="45711" rtlCol="0">
+          <a:bodyPr vert="horz" lIns="117979" tIns="58989" rIns="117979" bIns="58989" rtlCol="0">
             <a:normAutofit/>
           </a:bodyPr>
           <a:lstStyle/>
@@ -3178,18 +3183,18 @@
         </p:nvSpPr>
         <p:spPr>
           <a:xfrm>
-            <a:off x="495301" y="6908120"/>
-            <a:ext cx="2311400" cy="396820"/>
+            <a:off x="640081" y="8898894"/>
+            <a:ext cx="2987040" cy="511175"/>
           </a:xfrm>
           <a:prstGeom prst="rect">
             <a:avLst/>
           </a:prstGeom>
         </p:spPr>
         <p:txBody>
-          <a:bodyPr vert="horz" lIns="91423" tIns="45711" rIns="91423" bIns="45711" rtlCol="0" anchor="ctr"/>
+          <a:bodyPr vert="horz" lIns="117979" tIns="58989" rIns="117979" bIns="58989" rtlCol="0" anchor="ctr"/>
           <a:lstStyle>
             <a:lvl1pPr algn="l">
-              <a:defRPr sz="1200">
+              <a:defRPr sz="1500">
                 <a:solidFill>
                   <a:schemeClr val="tx1">
                     <a:tint val="75000"/>
@@ -3202,7 +3207,7 @@
             <a:fld id="{F2836247-D755-492A-BA3E-93510ACEE91B}" type="datetimeFigureOut">
               <a:rPr lang="es-AR" smtClean="0"/>
               <a:pPr/>
-              <a:t>27/08/2013</a:t>
+              <a:t>11/11/2013</a:t>
             </a:fld>
             <a:endParaRPr lang="es-AR" dirty="0"/>
           </a:p>
@@ -3220,18 +3225,18 @@
         </p:nvSpPr>
         <p:spPr>
           <a:xfrm>
-            <a:off x="3384551" y="6908120"/>
-            <a:ext cx="3136900" cy="396820"/>
+            <a:off x="4373882" y="8898894"/>
+            <a:ext cx="4053840" cy="511175"/>
           </a:xfrm>
           <a:prstGeom prst="rect">
             <a:avLst/>
           </a:prstGeom>
         </p:spPr>
         <p:txBody>
-          <a:bodyPr vert="horz" lIns="91423" tIns="45711" rIns="91423" bIns="45711" rtlCol="0" anchor="ctr"/>
+          <a:bodyPr vert="horz" lIns="117979" tIns="58989" rIns="117979" bIns="58989" rtlCol="0" anchor="ctr"/>
           <a:lstStyle>
             <a:lvl1pPr algn="ctr">
-              <a:defRPr sz="1200">
+              <a:defRPr sz="1500">
                 <a:solidFill>
                   <a:schemeClr val="tx1">
                     <a:tint val="75000"/>
@@ -3257,18 +3262,18 @@
         </p:nvSpPr>
         <p:spPr>
           <a:xfrm>
-            <a:off x="7099301" y="6908120"/>
-            <a:ext cx="2311400" cy="396820"/>
+            <a:off x="9174482" y="8898894"/>
+            <a:ext cx="2987040" cy="511175"/>
           </a:xfrm>
           <a:prstGeom prst="rect">
             <a:avLst/>
           </a:prstGeom>
         </p:spPr>
         <p:txBody>
-          <a:bodyPr vert="horz" lIns="91423" tIns="45711" rIns="91423" bIns="45711" rtlCol="0" anchor="ctr"/>
+          <a:bodyPr vert="horz" lIns="117979" tIns="58989" rIns="117979" bIns="58989" rtlCol="0" anchor="ctr"/>
           <a:lstStyle>
             <a:lvl1pPr algn="r">
-              <a:defRPr sz="1200">
+              <a:defRPr sz="1500">
                 <a:solidFill>
                   <a:schemeClr val="tx1">
                     <a:tint val="75000"/>
@@ -3290,7 +3295,7 @@
     </p:spTree>
     <p:extLst>
       <p:ext uri="{BB962C8B-B14F-4D97-AF65-F5344CB8AC3E}">
-        <p14:creationId xmlns:p14="http://schemas.microsoft.com/office/powerpoint/2010/main" xmlns="" val="4032027935"/>
+        <p14:creationId xmlns="" xmlns:p14="http://schemas.microsoft.com/office/powerpoint/2010/main" val="4032027935"/>
       </p:ext>
     </p:extLst>
   </p:cSld>
@@ -3310,12 +3315,12 @@
   </p:sldLayoutIdLst>
   <p:txStyles>
     <p:titleStyle>
-      <a:lvl1pPr algn="ctr" defTabSz="914226" rtl="0" eaLnBrk="1" latinLnBrk="0" hangingPunct="1">
+      <a:lvl1pPr algn="ctr" defTabSz="1179782" rtl="0" eaLnBrk="1" latinLnBrk="0" hangingPunct="1">
         <a:spcBef>
           <a:spcPct val="0"/>
         </a:spcBef>
         <a:buNone/>
-        <a:defRPr sz="4400" kern="1200">
+        <a:defRPr sz="5700" kern="1200">
           <a:solidFill>
             <a:schemeClr val="tx1"/>
           </a:solidFill>
@@ -3326,13 +3331,13 @@
       </a:lvl1pPr>
     </p:titleStyle>
     <p:bodyStyle>
-      <a:lvl1pPr marL="342835" indent="-342835" algn="l" defTabSz="914226" rtl="0" eaLnBrk="1" latinLnBrk="0" hangingPunct="1">
+      <a:lvl1pPr marL="442419" indent="-442419" algn="l" defTabSz="1179782" rtl="0" eaLnBrk="1" latinLnBrk="0" hangingPunct="1">
         <a:spcBef>
           <a:spcPct val="20000"/>
         </a:spcBef>
         <a:buFont typeface="Arial" pitchFamily="34" charset="0"/>
         <a:buChar char="•"/>
-        <a:defRPr sz="3200" kern="1200">
+        <a:defRPr sz="4100" kern="1200">
           <a:solidFill>
             <a:schemeClr val="tx1"/>
           </a:solidFill>
@@ -3341,13 +3346,13 @@
           <a:cs typeface="+mn-cs"/>
         </a:defRPr>
       </a:lvl1pPr>
-      <a:lvl2pPr marL="742810" indent="-285695" algn="l" defTabSz="914226" rtl="0" eaLnBrk="1" latinLnBrk="0" hangingPunct="1">
+      <a:lvl2pPr marL="958575" indent="-368682" algn="l" defTabSz="1179782" rtl="0" eaLnBrk="1" latinLnBrk="0" hangingPunct="1">
         <a:spcBef>
           <a:spcPct val="20000"/>
         </a:spcBef>
         <a:buFont typeface="Arial" pitchFamily="34" charset="0"/>
         <a:buChar char="–"/>
-        <a:defRPr sz="2800" kern="1200">
+        <a:defRPr sz="3700" kern="1200">
           <a:solidFill>
             <a:schemeClr val="tx1"/>
           </a:solidFill>
@@ -3356,13 +3361,13 @@
           <a:cs typeface="+mn-cs"/>
         </a:defRPr>
       </a:lvl2pPr>
-      <a:lvl3pPr marL="1142784" indent="-228556" algn="l" defTabSz="914226" rtl="0" eaLnBrk="1" latinLnBrk="0" hangingPunct="1">
+      <a:lvl3pPr marL="1474729" indent="-294945" algn="l" defTabSz="1179782" rtl="0" eaLnBrk="1" latinLnBrk="0" hangingPunct="1">
         <a:spcBef>
           <a:spcPct val="20000"/>
         </a:spcBef>
         <a:buFont typeface="Arial" pitchFamily="34" charset="0"/>
         <a:buChar char="•"/>
-        <a:defRPr sz="2400" kern="1200">
+        <a:defRPr sz="3100" kern="1200">
           <a:solidFill>
             <a:schemeClr val="tx1"/>
           </a:solidFill>
@@ -3371,13 +3376,13 @@
           <a:cs typeface="+mn-cs"/>
         </a:defRPr>
       </a:lvl3pPr>
-      <a:lvl4pPr marL="1599897" indent="-228556" algn="l" defTabSz="914226" rtl="0" eaLnBrk="1" latinLnBrk="0" hangingPunct="1">
+      <a:lvl4pPr marL="2064622" indent="-294945" algn="l" defTabSz="1179782" rtl="0" eaLnBrk="1" latinLnBrk="0" hangingPunct="1">
         <a:spcBef>
           <a:spcPct val="20000"/>
         </a:spcBef>
         <a:buFont typeface="Arial" pitchFamily="34" charset="0"/>
         <a:buChar char="–"/>
-        <a:defRPr sz="2000" kern="1200">
+        <a:defRPr sz="2600" kern="1200">
           <a:solidFill>
             <a:schemeClr val="tx1"/>
           </a:solidFill>
@@ -3386,13 +3391,13 @@
           <a:cs typeface="+mn-cs"/>
         </a:defRPr>
       </a:lvl4pPr>
-      <a:lvl5pPr marL="2057011" indent="-228556" algn="l" defTabSz="914226" rtl="0" eaLnBrk="1" latinLnBrk="0" hangingPunct="1">
+      <a:lvl5pPr marL="2654514" indent="-294945" algn="l" defTabSz="1179782" rtl="0" eaLnBrk="1" latinLnBrk="0" hangingPunct="1">
         <a:spcBef>
           <a:spcPct val="20000"/>
         </a:spcBef>
         <a:buFont typeface="Arial" pitchFamily="34" charset="0"/>
         <a:buChar char="»"/>
-        <a:defRPr sz="2000" kern="1200">
+        <a:defRPr sz="2600" kern="1200">
           <a:solidFill>
             <a:schemeClr val="tx1"/>
           </a:solidFill>
@@ -3401,13 +3406,13 @@
           <a:cs typeface="+mn-cs"/>
         </a:defRPr>
       </a:lvl5pPr>
-      <a:lvl6pPr marL="2514123" indent="-228556" algn="l" defTabSz="914226" rtl="0" eaLnBrk="1" latinLnBrk="0" hangingPunct="1">
+      <a:lvl6pPr marL="3244404" indent="-294945" algn="l" defTabSz="1179782" rtl="0" eaLnBrk="1" latinLnBrk="0" hangingPunct="1">
         <a:spcBef>
           <a:spcPct val="20000"/>
         </a:spcBef>
         <a:buFont typeface="Arial" pitchFamily="34" charset="0"/>
         <a:buChar char="•"/>
-        <a:defRPr sz="2000" kern="1200">
+        <a:defRPr sz="2600" kern="1200">
           <a:solidFill>
             <a:schemeClr val="tx1"/>
           </a:solidFill>
@@ -3416,13 +3421,13 @@
           <a:cs typeface="+mn-cs"/>
         </a:defRPr>
       </a:lvl6pPr>
-      <a:lvl7pPr marL="2971237" indent="-228556" algn="l" defTabSz="914226" rtl="0" eaLnBrk="1" latinLnBrk="0" hangingPunct="1">
+      <a:lvl7pPr marL="3834296" indent="-294945" algn="l" defTabSz="1179782" rtl="0" eaLnBrk="1" latinLnBrk="0" hangingPunct="1">
         <a:spcBef>
           <a:spcPct val="20000"/>
         </a:spcBef>
         <a:buFont typeface="Arial" pitchFamily="34" charset="0"/>
         <a:buChar char="•"/>
-        <a:defRPr sz="2000" kern="1200">
+        <a:defRPr sz="2600" kern="1200">
           <a:solidFill>
             <a:schemeClr val="tx1"/>
           </a:solidFill>
@@ -3431,13 +3436,13 @@
           <a:cs typeface="+mn-cs"/>
         </a:defRPr>
       </a:lvl7pPr>
-      <a:lvl8pPr marL="3428350" indent="-228556" algn="l" defTabSz="914226" rtl="0" eaLnBrk="1" latinLnBrk="0" hangingPunct="1">
+      <a:lvl8pPr marL="4424187" indent="-294945" algn="l" defTabSz="1179782" rtl="0" eaLnBrk="1" latinLnBrk="0" hangingPunct="1">
         <a:spcBef>
           <a:spcPct val="20000"/>
         </a:spcBef>
         <a:buFont typeface="Arial" pitchFamily="34" charset="0"/>
         <a:buChar char="•"/>
-        <a:defRPr sz="2000" kern="1200">
+        <a:defRPr sz="2600" kern="1200">
           <a:solidFill>
             <a:schemeClr val="tx1"/>
           </a:solidFill>
@@ -3446,13 +3451,13 @@
           <a:cs typeface="+mn-cs"/>
         </a:defRPr>
       </a:lvl8pPr>
-      <a:lvl9pPr marL="3885464" indent="-228556" algn="l" defTabSz="914226" rtl="0" eaLnBrk="1" latinLnBrk="0" hangingPunct="1">
+      <a:lvl9pPr marL="5014080" indent="-294945" algn="l" defTabSz="1179782" rtl="0" eaLnBrk="1" latinLnBrk="0" hangingPunct="1">
         <a:spcBef>
           <a:spcPct val="20000"/>
         </a:spcBef>
         <a:buFont typeface="Arial" pitchFamily="34" charset="0"/>
         <a:buChar char="•"/>
-        <a:defRPr sz="2000" kern="1200">
+        <a:defRPr sz="2600" kern="1200">
           <a:solidFill>
             <a:schemeClr val="tx1"/>
           </a:solidFill>
@@ -3466,8 +3471,8 @@
       <a:defPPr>
         <a:defRPr lang="es-AR"/>
       </a:defPPr>
-      <a:lvl1pPr marL="0" algn="l" defTabSz="914226" rtl="0" eaLnBrk="1" latinLnBrk="0" hangingPunct="1">
-        <a:defRPr sz="1800" kern="1200">
+      <a:lvl1pPr marL="0" algn="l" defTabSz="1179782" rtl="0" eaLnBrk="1" latinLnBrk="0" hangingPunct="1">
+        <a:defRPr sz="2400" kern="1200">
           <a:solidFill>
             <a:schemeClr val="tx1"/>
           </a:solidFill>
@@ -3476,8 +3481,8 @@
           <a:cs typeface="+mn-cs"/>
         </a:defRPr>
       </a:lvl1pPr>
-      <a:lvl2pPr marL="457114" algn="l" defTabSz="914226" rtl="0" eaLnBrk="1" latinLnBrk="0" hangingPunct="1">
-        <a:defRPr sz="1800" kern="1200">
+      <a:lvl2pPr marL="589892" algn="l" defTabSz="1179782" rtl="0" eaLnBrk="1" latinLnBrk="0" hangingPunct="1">
+        <a:defRPr sz="2400" kern="1200">
           <a:solidFill>
             <a:schemeClr val="tx1"/>
           </a:solidFill>
@@ -3486,8 +3491,8 @@
           <a:cs typeface="+mn-cs"/>
         </a:defRPr>
       </a:lvl2pPr>
-      <a:lvl3pPr marL="914226" algn="l" defTabSz="914226" rtl="0" eaLnBrk="1" latinLnBrk="0" hangingPunct="1">
-        <a:defRPr sz="1800" kern="1200">
+      <a:lvl3pPr marL="1179782" algn="l" defTabSz="1179782" rtl="0" eaLnBrk="1" latinLnBrk="0" hangingPunct="1">
+        <a:defRPr sz="2400" kern="1200">
           <a:solidFill>
             <a:schemeClr val="tx1"/>
           </a:solidFill>
@@ -3496,8 +3501,8 @@
           <a:cs typeface="+mn-cs"/>
         </a:defRPr>
       </a:lvl3pPr>
-      <a:lvl4pPr marL="1371340" algn="l" defTabSz="914226" rtl="0" eaLnBrk="1" latinLnBrk="0" hangingPunct="1">
-        <a:defRPr sz="1800" kern="1200">
+      <a:lvl4pPr marL="1769674" algn="l" defTabSz="1179782" rtl="0" eaLnBrk="1" latinLnBrk="0" hangingPunct="1">
+        <a:defRPr sz="2400" kern="1200">
           <a:solidFill>
             <a:schemeClr val="tx1"/>
           </a:solidFill>
@@ -3506,8 +3511,8 @@
           <a:cs typeface="+mn-cs"/>
         </a:defRPr>
       </a:lvl4pPr>
-      <a:lvl5pPr marL="1828453" algn="l" defTabSz="914226" rtl="0" eaLnBrk="1" latinLnBrk="0" hangingPunct="1">
-        <a:defRPr sz="1800" kern="1200">
+      <a:lvl5pPr marL="2359567" algn="l" defTabSz="1179782" rtl="0" eaLnBrk="1" latinLnBrk="0" hangingPunct="1">
+        <a:defRPr sz="2400" kern="1200">
           <a:solidFill>
             <a:schemeClr val="tx1"/>
           </a:solidFill>
@@ -3516,8 +3521,8 @@
           <a:cs typeface="+mn-cs"/>
         </a:defRPr>
       </a:lvl5pPr>
-      <a:lvl6pPr marL="2285567" algn="l" defTabSz="914226" rtl="0" eaLnBrk="1" latinLnBrk="0" hangingPunct="1">
-        <a:defRPr sz="1800" kern="1200">
+      <a:lvl6pPr marL="2949459" algn="l" defTabSz="1179782" rtl="0" eaLnBrk="1" latinLnBrk="0" hangingPunct="1">
+        <a:defRPr sz="2400" kern="1200">
           <a:solidFill>
             <a:schemeClr val="tx1"/>
           </a:solidFill>
@@ -3526,8 +3531,8 @@
           <a:cs typeface="+mn-cs"/>
         </a:defRPr>
       </a:lvl6pPr>
-      <a:lvl7pPr marL="2742680" algn="l" defTabSz="914226" rtl="0" eaLnBrk="1" latinLnBrk="0" hangingPunct="1">
-        <a:defRPr sz="1800" kern="1200">
+      <a:lvl7pPr marL="3539350" algn="l" defTabSz="1179782" rtl="0" eaLnBrk="1" latinLnBrk="0" hangingPunct="1">
+        <a:defRPr sz="2400" kern="1200">
           <a:solidFill>
             <a:schemeClr val="tx1"/>
           </a:solidFill>
@@ -3536,8 +3541,8 @@
           <a:cs typeface="+mn-cs"/>
         </a:defRPr>
       </a:lvl7pPr>
-      <a:lvl8pPr marL="3199793" algn="l" defTabSz="914226" rtl="0" eaLnBrk="1" latinLnBrk="0" hangingPunct="1">
-        <a:defRPr sz="1800" kern="1200">
+      <a:lvl8pPr marL="4129241" algn="l" defTabSz="1179782" rtl="0" eaLnBrk="1" latinLnBrk="0" hangingPunct="1">
+        <a:defRPr sz="2400" kern="1200">
           <a:solidFill>
             <a:schemeClr val="tx1"/>
           </a:solidFill>
@@ -3546,8 +3551,8 @@
           <a:cs typeface="+mn-cs"/>
         </a:defRPr>
       </a:lvl8pPr>
-      <a:lvl9pPr marL="3656907" algn="l" defTabSz="914226" rtl="0" eaLnBrk="1" latinLnBrk="0" hangingPunct="1">
-        <a:defRPr sz="1800" kern="1200">
+      <a:lvl9pPr marL="4719133" algn="l" defTabSz="1179782" rtl="0" eaLnBrk="1" latinLnBrk="0" hangingPunct="1">
+        <a:defRPr sz="2400" kern="1200">
           <a:solidFill>
             <a:schemeClr val="tx1"/>
           </a:solidFill>
@@ -3564,17 +3569,6 @@
 <file path=ppt/slides/slide1.xml><?xml version="1.0" encoding="utf-8"?>
 <p:sld xmlns:a="http://schemas.openxmlformats.org/drawingml/2006/main" xmlns:r="http://schemas.openxmlformats.org/officeDocument/2006/relationships" xmlns:p="http://schemas.openxmlformats.org/presentationml/2006/main">
   <p:cSld>
-    <p:bg>
-      <p:bgPr>
-        <a:solidFill>
-          <a:schemeClr val="accent3">
-            <a:lumMod val="20000"/>
-            <a:lumOff val="80000"/>
-          </a:schemeClr>
-        </a:solidFill>
-        <a:effectLst/>
-      </p:bgPr>
-    </p:bg>
     <p:spTree>
       <p:nvGrpSpPr>
         <p:cNvPr id="1" name=""/>
@@ -3597,12 +3591,18 @@
         </p:nvSpPr>
         <p:spPr>
           <a:xfrm>
-            <a:off x="4835134" y="5662331"/>
-            <a:ext cx="474911" cy="224565"/>
+            <a:off x="6248482" y="7294096"/>
+            <a:ext cx="613731" cy="289280"/>
           </a:xfrm>
           <a:prstGeom prst="flowChartTerminator">
             <a:avLst/>
           </a:prstGeom>
+          <a:noFill/>
+          <a:ln w="12700">
+            <a:solidFill>
+              <a:schemeClr val="tx1"/>
+            </a:solidFill>
+          </a:ln>
         </p:spPr>
         <p:style>
           <a:lnRef idx="2">
@@ -3621,15 +3621,23 @@
           </a:fontRef>
         </p:style>
         <p:txBody>
-          <a:bodyPr lIns="91423" tIns="45711" rIns="91423" bIns="45711" rtlCol="0" anchor="ctr"/>
+          <a:bodyPr lIns="117979" tIns="58989" rIns="117979" bIns="58989" rtlCol="0" anchor="ctr"/>
           <a:lstStyle/>
           <a:p>
             <a:pPr algn="ctr"/>
             <a:r>
-              <a:rPr lang="es-AR" sz="1000" dirty="0" smtClean="0"/>
+              <a:rPr lang="es-AR" sz="1300" dirty="0" smtClean="0">
+                <a:solidFill>
+                  <a:schemeClr val="tx1"/>
+                </a:solidFill>
+              </a:rPr>
               <a:t>Fin</a:t>
             </a:r>
-            <a:endParaRPr lang="es-AR" sz="1000" dirty="0"/>
+            <a:endParaRPr lang="es-AR" sz="1300" dirty="0">
+              <a:solidFill>
+                <a:schemeClr val="tx1"/>
+              </a:solidFill>
+            </a:endParaRPr>
           </a:p>
         </p:txBody>
       </p:sp>
@@ -3641,12 +3649,18 @@
         </p:nvSpPr>
         <p:spPr>
           <a:xfrm>
-            <a:off x="4381496" y="1369202"/>
-            <a:ext cx="631870" cy="245311"/>
+            <a:off x="5633063" y="1763777"/>
+            <a:ext cx="952874" cy="250741"/>
           </a:xfrm>
           <a:prstGeom prst="flowChartProcess">
             <a:avLst/>
           </a:prstGeom>
+          <a:noFill/>
+          <a:ln w="12700">
+            <a:solidFill>
+              <a:schemeClr val="tx1"/>
+            </a:solidFill>
+          </a:ln>
         </p:spPr>
         <p:style>
           <a:lnRef idx="2">
@@ -3665,15 +3679,23 @@
           </a:fontRef>
         </p:style>
         <p:txBody>
-          <a:bodyPr lIns="91423" tIns="45711" rIns="91423" bIns="45711" rtlCol="0" anchor="ctr"/>
+          <a:bodyPr lIns="117979" tIns="58989" rIns="117979" bIns="58989" rtlCol="0" anchor="ctr"/>
           <a:lstStyle/>
           <a:p>
             <a:pPr algn="ctr"/>
             <a:r>
-              <a:rPr lang="es-AR" sz="800" dirty="0" smtClean="0"/>
+              <a:rPr lang="es-AR" sz="1100" dirty="0" smtClean="0">
+                <a:solidFill>
+                  <a:schemeClr val="tx1"/>
+                </a:solidFill>
+              </a:rPr>
               <a:t>Derivación</a:t>
             </a:r>
-            <a:endParaRPr lang="es-AR" sz="800" dirty="0"/>
+            <a:endParaRPr lang="es-AR" sz="1100" dirty="0">
+              <a:solidFill>
+                <a:schemeClr val="tx1"/>
+              </a:solidFill>
+            </a:endParaRPr>
           </a:p>
         </p:txBody>
       </p:sp>
@@ -3685,18 +3707,16 @@
         </p:nvSpPr>
         <p:spPr>
           <a:xfrm>
-            <a:off x="4336340" y="654822"/>
-            <a:ext cx="773042" cy="369793"/>
+            <a:off x="5609996" y="843529"/>
+            <a:ext cx="999008" cy="476360"/>
           </a:xfrm>
           <a:prstGeom prst="flowChartProcess">
             <a:avLst/>
           </a:prstGeom>
-          <a:solidFill>
-            <a:schemeClr val="accent2"/>
-          </a:solidFill>
-          <a:ln>
-            <a:solidFill>
-              <a:srgbClr val="C00000"/>
+          <a:noFill/>
+          <a:ln w="12700">
+            <a:solidFill>
+              <a:schemeClr val="tx1"/>
             </a:solidFill>
           </a:ln>
         </p:spPr>
@@ -3717,15 +3737,23 @@
           </a:fontRef>
         </p:style>
         <p:txBody>
-          <a:bodyPr lIns="91423" tIns="45711" rIns="91423" bIns="45711" rtlCol="0" anchor="ctr"/>
+          <a:bodyPr lIns="117979" tIns="58989" rIns="117979" bIns="58989" rtlCol="0" anchor="ctr"/>
           <a:lstStyle/>
           <a:p>
             <a:pPr algn="ctr"/>
             <a:r>
-              <a:rPr lang="es-AR" sz="800" dirty="0" smtClean="0"/>
+              <a:rPr lang="es-AR" sz="1100" dirty="0" smtClean="0">
+                <a:solidFill>
+                  <a:schemeClr val="tx1"/>
+                </a:solidFill>
+              </a:rPr>
               <a:t>Llegada Paciente </a:t>
             </a:r>
-            <a:endParaRPr lang="es-AR" sz="800" dirty="0"/>
+            <a:endParaRPr lang="es-AR" sz="1100" dirty="0">
+              <a:solidFill>
+                <a:schemeClr val="tx1"/>
+              </a:solidFill>
+            </a:endParaRPr>
           </a:p>
         </p:txBody>
       </p:sp>
@@ -3737,12 +3765,18 @@
         </p:nvSpPr>
         <p:spPr>
           <a:xfrm>
-            <a:off x="276488" y="3753845"/>
-            <a:ext cx="707225" cy="362755"/>
+            <a:off x="358636" y="4855893"/>
+            <a:ext cx="913953" cy="467293"/>
           </a:xfrm>
           <a:prstGeom prst="flowChartProcess">
             <a:avLst/>
           </a:prstGeom>
+          <a:noFill/>
+          <a:ln w="12700">
+            <a:solidFill>
+              <a:schemeClr val="tx1"/>
+            </a:solidFill>
+          </a:ln>
         </p:spPr>
         <p:style>
           <a:lnRef idx="2">
@@ -3761,15 +3795,23 @@
           </a:fontRef>
         </p:style>
         <p:txBody>
-          <a:bodyPr lIns="91423" tIns="45711" rIns="91423" bIns="45711" rtlCol="0" anchor="ctr"/>
+          <a:bodyPr lIns="117979" tIns="58989" rIns="117979" bIns="58989" rtlCol="0" anchor="ctr"/>
           <a:lstStyle/>
           <a:p>
             <a:pPr algn="ctr"/>
             <a:r>
-              <a:rPr lang="es-AR" sz="800" dirty="0" smtClean="0"/>
+              <a:rPr lang="es-AR" sz="1100" dirty="0" smtClean="0">
+                <a:solidFill>
+                  <a:schemeClr val="tx1"/>
+                </a:solidFill>
+              </a:rPr>
               <a:t>Consultorio Externo</a:t>
             </a:r>
-            <a:endParaRPr lang="es-AR" sz="800" dirty="0"/>
+            <a:endParaRPr lang="es-AR" sz="1100" dirty="0">
+              <a:solidFill>
+                <a:schemeClr val="tx1"/>
+              </a:solidFill>
+            </a:endParaRPr>
           </a:p>
         </p:txBody>
       </p:sp>
@@ -3781,12 +3823,18 @@
         </p:nvSpPr>
         <p:spPr>
           <a:xfrm>
-            <a:off x="4376936" y="45708"/>
-            <a:ext cx="686590" cy="224565"/>
+            <a:off x="5665857" y="58880"/>
+            <a:ext cx="887286" cy="289280"/>
           </a:xfrm>
           <a:prstGeom prst="flowChartTerminator">
             <a:avLst/>
           </a:prstGeom>
+          <a:noFill/>
+          <a:ln w="12700">
+            <a:solidFill>
+              <a:schemeClr val="tx1"/>
+            </a:solidFill>
+          </a:ln>
         </p:spPr>
         <p:style>
           <a:lnRef idx="2">
@@ -3805,15 +3853,23 @@
           </a:fontRef>
         </p:style>
         <p:txBody>
-          <a:bodyPr lIns="91423" tIns="45711" rIns="91423" bIns="45711" rtlCol="0" anchor="ctr"/>
+          <a:bodyPr lIns="117979" tIns="58989" rIns="117979" bIns="58989" rtlCol="0" anchor="ctr"/>
           <a:lstStyle/>
           <a:p>
             <a:pPr algn="ctr"/>
             <a:r>
-              <a:rPr lang="es-AR" sz="1000" dirty="0" smtClean="0"/>
+              <a:rPr lang="es-AR" sz="1300" dirty="0" smtClean="0">
+                <a:solidFill>
+                  <a:schemeClr val="tx1"/>
+                </a:solidFill>
+              </a:rPr>
               <a:t>Inicio</a:t>
             </a:r>
-            <a:endParaRPr lang="es-AR" sz="1100" dirty="0"/>
+            <a:endParaRPr lang="es-AR" sz="1400" dirty="0">
+              <a:solidFill>
+                <a:schemeClr val="tx1"/>
+              </a:solidFill>
+            </a:endParaRPr>
           </a:p>
         </p:txBody>
       </p:sp>
@@ -3825,12 +3881,18 @@
         </p:nvSpPr>
         <p:spPr>
           <a:xfrm>
-            <a:off x="269696" y="5042554"/>
-            <a:ext cx="707225" cy="362755"/>
+            <a:off x="328570" y="6495713"/>
+            <a:ext cx="1041504" cy="467293"/>
           </a:xfrm>
           <a:prstGeom prst="flowChartProcess">
             <a:avLst/>
           </a:prstGeom>
+          <a:noFill/>
+          <a:ln w="12700">
+            <a:solidFill>
+              <a:schemeClr val="tx1"/>
+            </a:solidFill>
+          </a:ln>
         </p:spPr>
         <p:style>
           <a:lnRef idx="2">
@@ -3849,15 +3911,23 @@
           </a:fontRef>
         </p:style>
         <p:txBody>
-          <a:bodyPr lIns="91423" tIns="45711" rIns="91423" bIns="45711" rtlCol="0" anchor="ctr"/>
+          <a:bodyPr lIns="117979" tIns="58989" rIns="117979" bIns="58989" rtlCol="0" anchor="ctr"/>
           <a:lstStyle/>
           <a:p>
             <a:pPr algn="ctr"/>
             <a:r>
-              <a:rPr lang="es-AR" sz="800" dirty="0" smtClean="0"/>
+              <a:rPr lang="es-AR" sz="1100" dirty="0" smtClean="0">
+                <a:solidFill>
+                  <a:schemeClr val="tx1"/>
+                </a:solidFill>
+              </a:rPr>
               <a:t>Pago del Tratamiento</a:t>
             </a:r>
-            <a:endParaRPr lang="es-AR" sz="800" dirty="0"/>
+            <a:endParaRPr lang="es-AR" sz="1100" dirty="0">
+              <a:solidFill>
+                <a:schemeClr val="tx1"/>
+              </a:solidFill>
+            </a:endParaRPr>
           </a:p>
         </p:txBody>
       </p:sp>
@@ -3869,12 +3939,18 @@
         </p:nvSpPr>
         <p:spPr>
           <a:xfrm>
-            <a:off x="4738686" y="4083846"/>
-            <a:ext cx="707225" cy="504055"/>
+            <a:off x="6174625" y="5260725"/>
+            <a:ext cx="913953" cy="649313"/>
           </a:xfrm>
           <a:prstGeom prst="flowChartProcess">
             <a:avLst/>
           </a:prstGeom>
+          <a:noFill/>
+          <a:ln w="12700">
+            <a:solidFill>
+              <a:schemeClr val="tx1"/>
+            </a:solidFill>
+          </a:ln>
         </p:spPr>
         <p:style>
           <a:lnRef idx="2">
@@ -3893,38 +3969,46 @@
           </a:fontRef>
         </p:style>
         <p:txBody>
-          <a:bodyPr lIns="91423" tIns="45711" rIns="91423" bIns="45711" rtlCol="0" anchor="ctr"/>
+          <a:bodyPr lIns="117979" tIns="58989" rIns="117979" bIns="58989" rtlCol="0" anchor="ctr"/>
           <a:lstStyle/>
           <a:p>
             <a:pPr algn="ctr"/>
             <a:r>
-              <a:rPr lang="es-AR" sz="800" dirty="0" smtClean="0"/>
+              <a:rPr lang="es-AR" sz="1100" dirty="0" smtClean="0">
+                <a:solidFill>
+                  <a:schemeClr val="tx1"/>
+                </a:solidFill>
+              </a:rPr>
               <a:t>Generar/ Actualizar Historia Clínica</a:t>
             </a:r>
-            <a:endParaRPr lang="es-AR" sz="800" dirty="0"/>
+            <a:endParaRPr lang="es-AR" sz="1100" dirty="0">
+              <a:solidFill>
+                <a:schemeClr val="tx1"/>
+              </a:solidFill>
+            </a:endParaRPr>
           </a:p>
         </p:txBody>
       </p:sp>
       <p:cxnSp>
         <p:nvCxnSpPr>
           <p:cNvPr id="91" name="90 Conector angular"/>
-          <p:cNvCxnSpPr>
-            <a:stCxn id="73" idx="2"/>
-            <a:endCxn id="71" idx="0"/>
-          </p:cNvCxnSpPr>
+          <p:cNvCxnSpPr/>
           <p:nvPr/>
         </p:nvCxnSpPr>
         <p:spPr>
-          <a:xfrm rot="16200000" flipH="1">
-            <a:off x="4529272" y="461232"/>
-            <a:ext cx="384549" cy="2630"/>
+          <a:xfrm rot="5400000">
+            <a:off x="5861816" y="595844"/>
+            <a:ext cx="495369" cy="1588"/>
           </a:xfrm>
           <a:prstGeom prst="bentConnector3">
             <a:avLst>
               <a:gd name="adj1" fmla="val 50000"/>
             </a:avLst>
           </a:prstGeom>
-          <a:ln>
+          <a:ln w="9525">
+            <a:solidFill>
+              <a:schemeClr val="tx1"/>
+            </a:solidFill>
             <a:tailEnd type="arrow"/>
           </a:ln>
         </p:spPr>
@@ -3946,23 +4030,23 @@
       <p:cxnSp>
         <p:nvCxnSpPr>
           <p:cNvPr id="95" name="94 Conector angular"/>
-          <p:cNvCxnSpPr>
-            <a:stCxn id="71" idx="2"/>
-            <a:endCxn id="40" idx="0"/>
-          </p:cNvCxnSpPr>
+          <p:cNvCxnSpPr/>
           <p:nvPr/>
         </p:nvCxnSpPr>
         <p:spPr>
           <a:xfrm rot="5400000">
-            <a:off x="4537853" y="1184193"/>
-            <a:ext cx="344587" cy="25430"/>
+            <a:off x="5887556" y="1541833"/>
+            <a:ext cx="443888" cy="1588"/>
           </a:xfrm>
           <a:prstGeom prst="bentConnector3">
             <a:avLst>
               <a:gd name="adj1" fmla="val 50000"/>
             </a:avLst>
           </a:prstGeom>
-          <a:ln>
+          <a:ln w="9525">
+            <a:solidFill>
+              <a:schemeClr val="tx1"/>
+            </a:solidFill>
             <a:tailEnd type="arrow"/>
           </a:ln>
         </p:spPr>
@@ -3992,15 +4076,18 @@
         </p:nvCxnSpPr>
         <p:spPr>
           <a:xfrm flipV="1">
-            <a:off x="3368824" y="5774614"/>
-            <a:ext cx="1466310" cy="148332"/>
+            <a:off x="4353559" y="7438736"/>
+            <a:ext cx="1894923" cy="185082"/>
           </a:xfrm>
           <a:prstGeom prst="bentConnector3">
             <a:avLst>
               <a:gd name="adj1" fmla="val 50000"/>
             </a:avLst>
           </a:prstGeom>
-          <a:ln>
+          <a:ln w="12700">
+            <a:solidFill>
+              <a:schemeClr val="tx1"/>
+            </a:solidFill>
             <a:tailEnd type="arrow"/>
           </a:ln>
         </p:spPr>
@@ -4027,12 +4114,18 @@
         </p:nvSpPr>
         <p:spPr>
           <a:xfrm>
-            <a:off x="4738686" y="2512210"/>
-            <a:ext cx="628187" cy="380642"/>
+            <a:off x="6225696" y="3236176"/>
+            <a:ext cx="811811" cy="490335"/>
           </a:xfrm>
           <a:prstGeom prst="flowChartProcess">
             <a:avLst/>
           </a:prstGeom>
+          <a:noFill/>
+          <a:ln w="12700">
+            <a:solidFill>
+              <a:schemeClr val="tx1"/>
+            </a:solidFill>
+          </a:ln>
         </p:spPr>
         <p:style>
           <a:lnRef idx="2">
@@ -4051,15 +4144,23 @@
           </a:fontRef>
         </p:style>
         <p:txBody>
-          <a:bodyPr lIns="91423" tIns="45711" rIns="91423" bIns="45711" rtlCol="0" anchor="ctr"/>
+          <a:bodyPr lIns="117979" tIns="58989" rIns="117979" bIns="58989" rtlCol="0" anchor="ctr"/>
           <a:lstStyle/>
           <a:p>
             <a:pPr algn="ctr"/>
             <a:r>
-              <a:rPr lang="es-AR" sz="800" dirty="0" smtClean="0"/>
+              <a:rPr lang="es-AR" sz="1100" dirty="0" smtClean="0">
+                <a:solidFill>
+                  <a:schemeClr val="tx1"/>
+                </a:solidFill>
+              </a:rPr>
               <a:t>Registro de Paciente</a:t>
             </a:r>
-            <a:endParaRPr lang="es-AR" sz="800" dirty="0"/>
+            <a:endParaRPr lang="es-AR" sz="1100" dirty="0">
+              <a:solidFill>
+                <a:schemeClr val="tx1"/>
+              </a:solidFill>
+            </a:endParaRPr>
           </a:p>
         </p:txBody>
       </p:sp>
@@ -4071,12 +4172,18 @@
         </p:nvSpPr>
         <p:spPr>
           <a:xfrm>
-            <a:off x="4381496" y="1869268"/>
-            <a:ext cx="628187" cy="308634"/>
+            <a:off x="5703595" y="2407952"/>
+            <a:ext cx="811811" cy="397575"/>
           </a:xfrm>
           <a:prstGeom prst="flowChartProcess">
             <a:avLst/>
           </a:prstGeom>
+          <a:noFill/>
+          <a:ln w="12700">
+            <a:solidFill>
+              <a:schemeClr val="tx1"/>
+            </a:solidFill>
+          </a:ln>
         </p:spPr>
         <p:style>
           <a:lnRef idx="2">
@@ -4095,12 +4202,16 @@
           </a:fontRef>
         </p:style>
         <p:txBody>
-          <a:bodyPr lIns="91423" tIns="45711" rIns="91423" bIns="45711" rtlCol="0" anchor="ctr"/>
+          <a:bodyPr lIns="117979" tIns="58989" rIns="117979" bIns="58989" rtlCol="0" anchor="ctr"/>
           <a:lstStyle/>
           <a:p>
             <a:pPr algn="ctr"/>
             <a:r>
-              <a:rPr lang="es-AR" sz="800" dirty="0" smtClean="0"/>
+              <a:rPr lang="es-AR" sz="1100" dirty="0" smtClean="0">
+                <a:solidFill>
+                  <a:schemeClr val="tx1"/>
+                </a:solidFill>
+              </a:rPr>
               <a:t>Pago $10</a:t>
             </a:r>
           </a:p>
@@ -4109,23 +4220,23 @@
       <p:cxnSp>
         <p:nvCxnSpPr>
           <p:cNvPr id="3" name="2 Conector angular"/>
-          <p:cNvCxnSpPr>
-            <a:stCxn id="40" idx="2"/>
-            <a:endCxn id="225" idx="0"/>
-          </p:cNvCxnSpPr>
+          <p:cNvCxnSpPr/>
           <p:nvPr/>
         </p:nvCxnSpPr>
         <p:spPr>
-          <a:xfrm rot="5400000">
-            <a:off x="4569134" y="1740970"/>
-            <a:ext cx="254755" cy="1841"/>
+          <a:xfrm rot="16200000" flipH="1">
+            <a:off x="5912783" y="2211234"/>
+            <a:ext cx="393434" cy="1"/>
           </a:xfrm>
           <a:prstGeom prst="bentConnector3">
             <a:avLst>
               <a:gd name="adj1" fmla="val 50000"/>
             </a:avLst>
           </a:prstGeom>
-          <a:ln>
+          <a:ln w="9525">
+            <a:solidFill>
+              <a:schemeClr val="tx1"/>
+            </a:solidFill>
             <a:tailEnd type="arrow"/>
           </a:ln>
         </p:spPr>
@@ -4152,12 +4263,18 @@
         </p:nvSpPr>
         <p:spPr>
           <a:xfrm>
-            <a:off x="269696" y="4398241"/>
-            <a:ext cx="707225" cy="362755"/>
+            <a:off x="358636" y="5665721"/>
+            <a:ext cx="913953" cy="467293"/>
           </a:xfrm>
           <a:prstGeom prst="flowChartProcess">
             <a:avLst/>
           </a:prstGeom>
+          <a:noFill/>
+          <a:ln w="12700">
+            <a:solidFill>
+              <a:schemeClr val="tx1"/>
+            </a:solidFill>
+          </a:ln>
         </p:spPr>
         <p:style>
           <a:lnRef idx="2">
@@ -4176,15 +4293,23 @@
           </a:fontRef>
         </p:style>
         <p:txBody>
-          <a:bodyPr lIns="91423" tIns="45711" rIns="91423" bIns="45711" rtlCol="0" anchor="ctr"/>
+          <a:bodyPr lIns="117979" tIns="58989" rIns="117979" bIns="58989" rtlCol="0" anchor="ctr"/>
           <a:lstStyle/>
           <a:p>
             <a:pPr algn="ctr"/>
             <a:r>
-              <a:rPr lang="es-AR" sz="800" dirty="0" smtClean="0"/>
+              <a:rPr lang="es-AR" sz="1100" dirty="0" smtClean="0">
+                <a:solidFill>
+                  <a:schemeClr val="tx1"/>
+                </a:solidFill>
+              </a:rPr>
               <a:t>Turno</a:t>
             </a:r>
-            <a:endParaRPr lang="es-AR" sz="800" dirty="0"/>
+            <a:endParaRPr lang="es-AR" sz="1100" dirty="0">
+              <a:solidFill>
+                <a:schemeClr val="tx1"/>
+              </a:solidFill>
+            </a:endParaRPr>
           </a:p>
         </p:txBody>
       </p:sp>
@@ -4196,12 +4321,18 @@
         </p:nvSpPr>
         <p:spPr>
           <a:xfrm>
-            <a:off x="2661599" y="5598955"/>
-            <a:ext cx="707225" cy="647981"/>
+            <a:off x="3439606" y="7072102"/>
+            <a:ext cx="913953" cy="1103432"/>
           </a:xfrm>
           <a:prstGeom prst="flowChartProcess">
             <a:avLst/>
           </a:prstGeom>
+          <a:noFill/>
+          <a:ln w="12700">
+            <a:solidFill>
+              <a:schemeClr val="tx1"/>
+            </a:solidFill>
+          </a:ln>
         </p:spPr>
         <p:style>
           <a:lnRef idx="2">
@@ -4220,15 +4351,23 @@
           </a:fontRef>
         </p:style>
         <p:txBody>
-          <a:bodyPr lIns="91423" tIns="45711" rIns="91423" bIns="45711" rtlCol="0" anchor="ctr"/>
+          <a:bodyPr lIns="117979" tIns="58989" rIns="117979" bIns="58989" rtlCol="0" anchor="ctr"/>
           <a:lstStyle/>
           <a:p>
             <a:pPr algn="ctr"/>
             <a:r>
-              <a:rPr lang="es-AR" sz="800" dirty="0" smtClean="0"/>
+              <a:rPr lang="es-AR" sz="1100" dirty="0" smtClean="0">
+                <a:solidFill>
+                  <a:schemeClr val="tx1"/>
+                </a:solidFill>
+              </a:rPr>
               <a:t>Atención del Paciente  por parte del  Profesional</a:t>
             </a:r>
-            <a:endParaRPr lang="es-AR" sz="800" dirty="0"/>
+            <a:endParaRPr lang="es-AR" sz="1100" dirty="0">
+              <a:solidFill>
+                <a:schemeClr val="tx1"/>
+              </a:solidFill>
+            </a:endParaRPr>
           </a:p>
         </p:txBody>
       </p:sp>
@@ -4240,12 +4379,18 @@
         </p:nvSpPr>
         <p:spPr>
           <a:xfrm>
-            <a:off x="273107" y="5684019"/>
-            <a:ext cx="719453" cy="490909"/>
+            <a:off x="350735" y="7322034"/>
+            <a:ext cx="929754" cy="632378"/>
           </a:xfrm>
           <a:prstGeom prst="flowChartProcess">
             <a:avLst/>
           </a:prstGeom>
+          <a:noFill/>
+          <a:ln w="12700">
+            <a:solidFill>
+              <a:schemeClr val="tx1"/>
+            </a:solidFill>
+          </a:ln>
         </p:spPr>
         <p:style>
           <a:lnRef idx="2">
@@ -4264,15 +4409,23 @@
           </a:fontRef>
         </p:style>
         <p:txBody>
-          <a:bodyPr lIns="91423" tIns="45711" rIns="91423" bIns="45711" rtlCol="0" anchor="ctr"/>
+          <a:bodyPr lIns="117979" tIns="58989" rIns="117979" bIns="58989" rtlCol="0" anchor="ctr"/>
           <a:lstStyle/>
           <a:p>
             <a:pPr algn="ctr"/>
             <a:r>
-              <a:rPr lang="es-AR" sz="800" dirty="0" smtClean="0"/>
+              <a:rPr lang="es-AR" sz="1100" dirty="0" smtClean="0">
+                <a:solidFill>
+                  <a:schemeClr val="tx1"/>
+                </a:solidFill>
+              </a:rPr>
               <a:t>Analisis Preliminar del Profesional</a:t>
             </a:r>
-            <a:endParaRPr lang="es-AR" sz="800" dirty="0"/>
+            <a:endParaRPr lang="es-AR" sz="1100" dirty="0">
+              <a:solidFill>
+                <a:schemeClr val="tx1"/>
+              </a:solidFill>
+            </a:endParaRPr>
           </a:p>
         </p:txBody>
       </p:sp>
@@ -4284,12 +4437,18 @@
         </p:nvSpPr>
         <p:spPr>
           <a:xfrm>
-            <a:off x="1437463" y="5740165"/>
-            <a:ext cx="707225" cy="362755"/>
+            <a:off x="1857646" y="7394360"/>
+            <a:ext cx="913953" cy="467293"/>
           </a:xfrm>
           <a:prstGeom prst="flowChartProcess">
             <a:avLst/>
           </a:prstGeom>
+          <a:noFill/>
+          <a:ln w="12700">
+            <a:solidFill>
+              <a:schemeClr val="tx1"/>
+            </a:solidFill>
+          </a:ln>
         </p:spPr>
         <p:style>
           <a:lnRef idx="2">
@@ -4308,55 +4467,26 @@
           </a:fontRef>
         </p:style>
         <p:txBody>
-          <a:bodyPr lIns="91423" tIns="45711" rIns="91423" bIns="45711" rtlCol="0" anchor="ctr"/>
+          <a:bodyPr lIns="117979" tIns="58989" rIns="117979" bIns="58989" rtlCol="0" anchor="ctr"/>
           <a:lstStyle/>
           <a:p>
             <a:pPr algn="ctr"/>
             <a:r>
-              <a:rPr lang="es-AR" sz="800" dirty="0" smtClean="0"/>
+              <a:rPr lang="es-AR" sz="1100" dirty="0" smtClean="0">
+                <a:solidFill>
+                  <a:schemeClr val="tx1"/>
+                </a:solidFill>
+              </a:rPr>
               <a:t>Historia Clínica</a:t>
             </a:r>
-            <a:endParaRPr lang="es-AR" sz="800" dirty="0"/>
-          </a:p>
-        </p:txBody>
-      </p:sp>
-      <p:cxnSp>
-        <p:nvCxnSpPr>
-          <p:cNvPr id="75" name="74 Conector recto de flecha"/>
-          <p:cNvCxnSpPr>
-            <a:stCxn id="224" idx="3"/>
-            <a:endCxn id="365" idx="0"/>
-          </p:cNvCxnSpPr>
-          <p:nvPr/>
-        </p:nvCxnSpPr>
-        <p:spPr>
-          <a:xfrm>
-            <a:off x="5366873" y="2702531"/>
-            <a:ext cx="1635730" cy="531673"/>
-          </a:xfrm>
-          <a:prstGeom prst="straightConnector1">
-            <a:avLst/>
-          </a:prstGeom>
-          <a:ln>
-            <a:prstDash val="dash"/>
-            <a:tailEnd type="arrow"/>
-          </a:ln>
-        </p:spPr>
-        <p:style>
-          <a:lnRef idx="1">
-            <a:schemeClr val="accent1"/>
-          </a:lnRef>
-          <a:fillRef idx="0">
-            <a:schemeClr val="accent1"/>
-          </a:fillRef>
-          <a:effectRef idx="0">
-            <a:schemeClr val="accent1"/>
-          </a:effectRef>
-          <a:fontRef idx="minor">
-            <a:schemeClr val="tx1"/>
-          </a:fontRef>
-        </p:style>
-      </p:cxnSp>
+            <a:endParaRPr lang="es-AR" sz="1100" dirty="0">
+              <a:solidFill>
+                <a:schemeClr val="tx1"/>
+              </a:solidFill>
+            </a:endParaRPr>
+          </a:p>
+        </p:txBody>
+      </p:sp>
       <p:grpSp>
         <p:nvGrpSpPr>
           <p:cNvPr id="80" name="79 Grupo"/>
@@ -4365,11 +4495,12 @@
         </p:nvGrpSpPr>
         <p:grpSpPr>
           <a:xfrm>
-            <a:off x="8312866" y="2799123"/>
-            <a:ext cx="1214446" cy="1359581"/>
+            <a:off x="10742781" y="3993569"/>
+            <a:ext cx="1569438" cy="1807163"/>
             <a:chOff x="4738686" y="2012144"/>
-            <a:chExt cx="1214446" cy="1359581"/>
-          </a:xfrm>
+            <a:chExt cx="1214446" cy="1402882"/>
+          </a:xfrm>
+          <a:noFill/>
         </p:grpSpPr>
         <p:pic>
           <p:nvPicPr>
@@ -4394,7 +4525,10 @@
             <a:prstGeom prst="rect">
               <a:avLst/>
             </a:prstGeom>
-            <a:noFill/>
+            <a:grpFill/>
+            <a:ln w="12700">
+              <a:noFill/>
+            </a:ln>
           </p:spPr>
         </p:pic>
         <p:sp>
@@ -4405,13 +4539,16 @@
           </p:nvSpPr>
           <p:spPr>
             <a:xfrm>
-              <a:off x="4738686" y="2940838"/>
-              <a:ext cx="1214446" cy="430887"/>
+              <a:off x="4738686" y="3008856"/>
+              <a:ext cx="1214446" cy="406170"/>
             </a:xfrm>
             <a:prstGeom prst="rect">
               <a:avLst/>
             </a:prstGeom>
-            <a:noFill/>
+            <a:grpFill/>
+            <a:ln w="12700">
+              <a:noFill/>
+            </a:ln>
           </p:spPr>
           <p:txBody>
             <a:bodyPr wrap="square" rtlCol="0">
@@ -4421,10 +4558,10 @@
             <a:p>
               <a:pPr algn="ctr"/>
               <a:r>
-                <a:rPr lang="es-AR" sz="1100" i="1" dirty="0" smtClean="0"/>
+                <a:rPr lang="es-AR" sz="1400" i="1" dirty="0" smtClean="0"/>
                 <a:t>Base de Datos de Pacientes</a:t>
               </a:r>
-              <a:endParaRPr lang="es-AR" sz="1100" i="1" dirty="0"/>
+              <a:endParaRPr lang="es-AR" sz="1400" i="1" dirty="0"/>
             </a:p>
           </p:txBody>
         </p:sp>
@@ -4437,12 +4574,18 @@
         </p:nvSpPr>
         <p:spPr>
           <a:xfrm>
-            <a:off x="2666984" y="2440772"/>
-            <a:ext cx="1357322" cy="531901"/>
+            <a:off x="3446565" y="3144152"/>
+            <a:ext cx="1754077" cy="685183"/>
           </a:xfrm>
           <a:prstGeom prst="flowChartDecision">
             <a:avLst/>
           </a:prstGeom>
+          <a:noFill/>
+          <a:ln w="12700">
+            <a:solidFill>
+              <a:schemeClr val="tx1"/>
+            </a:solidFill>
+          </a:ln>
         </p:spPr>
         <p:style>
           <a:lnRef idx="2">
@@ -4461,15 +4604,23 @@
           </a:fontRef>
         </p:style>
         <p:txBody>
-          <a:bodyPr lIns="91429" tIns="45714" rIns="91429" bIns="45714" rtlCol="0" anchor="ctr"/>
+          <a:bodyPr lIns="117987" tIns="58992" rIns="117987" bIns="58992" rtlCol="0" anchor="ctr"/>
           <a:lstStyle/>
           <a:p>
             <a:pPr algn="ctr"/>
             <a:r>
-              <a:rPr lang="es-AR" sz="800" dirty="0" smtClean="0"/>
+              <a:rPr lang="es-AR" sz="1100" dirty="0" smtClean="0">
+                <a:solidFill>
+                  <a:schemeClr val="tx1"/>
+                </a:solidFill>
+              </a:rPr>
               <a:t>¿Paciente registrado?</a:t>
             </a:r>
-            <a:endParaRPr lang="es-AR" sz="800" dirty="0"/>
+            <a:endParaRPr lang="es-AR" sz="1100" dirty="0">
+              <a:solidFill>
+                <a:schemeClr val="tx1"/>
+              </a:solidFill>
+            </a:endParaRPr>
           </a:p>
         </p:txBody>
       </p:sp>
@@ -4477,21 +4628,24 @@
         <p:nvCxnSpPr>
           <p:cNvPr id="110" name="109 Conector recto de flecha"/>
           <p:cNvCxnSpPr>
-            <a:endCxn id="90" idx="1"/>
+            <a:stCxn id="225" idx="1"/>
           </p:cNvCxnSpPr>
           <p:nvPr/>
         </p:nvCxnSpPr>
         <p:spPr>
           <a:xfrm rot="10800000" flipV="1">
-            <a:off x="2666984" y="2155019"/>
-            <a:ext cx="2046846" cy="551703"/>
+            <a:off x="3446565" y="2606739"/>
+            <a:ext cx="2257030" cy="905511"/>
           </a:xfrm>
           <a:prstGeom prst="bentConnector3">
             <a:avLst>
-              <a:gd name="adj1" fmla="val 111168"/>
+              <a:gd name="adj1" fmla="val 118165"/>
             </a:avLst>
           </a:prstGeom>
-          <a:ln>
+          <a:ln w="9525">
+            <a:solidFill>
+              <a:schemeClr val="tx1"/>
+            </a:solidFill>
             <a:tailEnd type="arrow"/>
           </a:ln>
         </p:spPr>
@@ -4521,13 +4675,16 @@
         </p:nvCxnSpPr>
         <p:spPr>
           <a:xfrm rot="16200000" flipH="1">
-            <a:off x="3337982" y="2980335"/>
-            <a:ext cx="408234" cy="392909"/>
+            <a:off x="4306473" y="3846466"/>
+            <a:ext cx="542021" cy="507758"/>
           </a:xfrm>
           <a:prstGeom prst="bentConnector2">
             <a:avLst/>
           </a:prstGeom>
-          <a:ln>
+          <a:ln w="9525">
+            <a:solidFill>
+              <a:schemeClr val="tx1"/>
+            </a:solidFill>
             <a:tailEnd type="arrow"/>
           </a:ln>
         </p:spPr>
@@ -4554,66 +4711,31 @@
         </p:nvSpPr>
         <p:spPr>
           <a:xfrm>
-            <a:off x="3875730" y="4617186"/>
-            <a:ext cx="357190" cy="261598"/>
+            <a:off x="5186354" y="6300798"/>
+            <a:ext cx="461599" cy="336985"/>
           </a:xfrm>
           <a:prstGeom prst="rect">
             <a:avLst/>
           </a:prstGeom>
           <a:noFill/>
-        </p:spPr>
-        <p:txBody>
-          <a:bodyPr wrap="square" lIns="91429" tIns="45714" rIns="91429" bIns="45714" rtlCol="0">
+          <a:ln w="12700">
+            <a:noFill/>
+          </a:ln>
+        </p:spPr>
+        <p:txBody>
+          <a:bodyPr wrap="square" lIns="117987" tIns="58992" rIns="117987" bIns="58992" rtlCol="0">
             <a:spAutoFit/>
           </a:bodyPr>
           <a:lstStyle/>
           <a:p>
             <a:r>
-              <a:rPr lang="es-AR" sz="1100" dirty="0" smtClean="0"/>
+              <a:rPr lang="es-AR" sz="1400" dirty="0" smtClean="0"/>
               <a:t>SI</a:t>
             </a:r>
             <a:endParaRPr lang="es-AR" dirty="0"/>
           </a:p>
         </p:txBody>
       </p:sp>
-      <p:cxnSp>
-        <p:nvCxnSpPr>
-          <p:cNvPr id="119" name="118 Conector recto de flecha"/>
-          <p:cNvCxnSpPr>
-            <a:stCxn id="90" idx="3"/>
-            <a:endCxn id="224" idx="1"/>
-          </p:cNvCxnSpPr>
-          <p:nvPr/>
-        </p:nvCxnSpPr>
-        <p:spPr>
-          <a:xfrm flipV="1">
-            <a:off x="4024306" y="2702531"/>
-            <a:ext cx="714380" cy="4192"/>
-          </a:xfrm>
-          <a:prstGeom prst="bentConnector3">
-            <a:avLst>
-              <a:gd name="adj1" fmla="val 50000"/>
-            </a:avLst>
-          </a:prstGeom>
-          <a:ln>
-            <a:tailEnd type="arrow"/>
-          </a:ln>
-        </p:spPr>
-        <p:style>
-          <a:lnRef idx="1">
-            <a:schemeClr val="accent1"/>
-          </a:lnRef>
-          <a:fillRef idx="0">
-            <a:schemeClr val="accent1"/>
-          </a:fillRef>
-          <a:effectRef idx="0">
-            <a:schemeClr val="accent1"/>
-          </a:effectRef>
-          <a:fontRef idx="minor">
-            <a:schemeClr val="tx1"/>
-          </a:fontRef>
-        </p:style>
-      </p:cxnSp>
       <p:sp>
         <p:nvSpPr>
           <p:cNvPr id="139" name="138 CuadroTexto"/>
@@ -4622,65 +4744,31 @@
         </p:nvSpPr>
         <p:spPr>
           <a:xfrm>
-            <a:off x="3948308" y="2214488"/>
-            <a:ext cx="428628" cy="261598"/>
+            <a:off x="5114916" y="3086088"/>
+            <a:ext cx="553919" cy="336985"/>
           </a:xfrm>
           <a:prstGeom prst="rect">
             <a:avLst/>
           </a:prstGeom>
           <a:noFill/>
-        </p:spPr>
-        <p:txBody>
-          <a:bodyPr wrap="square" lIns="91429" tIns="45714" rIns="91429" bIns="45714" rtlCol="0">
+          <a:ln w="12700">
+            <a:noFill/>
+          </a:ln>
+        </p:spPr>
+        <p:txBody>
+          <a:bodyPr wrap="square" lIns="117987" tIns="58992" rIns="117987" bIns="58992" rtlCol="0">
             <a:spAutoFit/>
           </a:bodyPr>
           <a:lstStyle/>
           <a:p>
             <a:r>
-              <a:rPr lang="es-AR" sz="1100" dirty="0" smtClean="0"/>
+              <a:rPr lang="es-AR" sz="1400" dirty="0" smtClean="0"/>
               <a:t>NO</a:t>
             </a:r>
             <a:endParaRPr lang="es-AR" dirty="0"/>
           </a:p>
         </p:txBody>
       </p:sp>
-      <p:cxnSp>
-        <p:nvCxnSpPr>
-          <p:cNvPr id="154" name="153 Conector recto de flecha"/>
-          <p:cNvCxnSpPr>
-            <a:stCxn id="58" idx="3"/>
-            <a:endCxn id="365" idx="1"/>
-          </p:cNvCxnSpPr>
-          <p:nvPr/>
-        </p:nvCxnSpPr>
-        <p:spPr>
-          <a:xfrm flipV="1">
-            <a:off x="5445911" y="3552438"/>
-            <a:ext cx="1086014" cy="783436"/>
-          </a:xfrm>
-          <a:prstGeom prst="straightConnector1">
-            <a:avLst/>
-          </a:prstGeom>
-          <a:ln>
-            <a:prstDash val="dash"/>
-            <a:tailEnd type="arrow"/>
-          </a:ln>
-        </p:spPr>
-        <p:style>
-          <a:lnRef idx="1">
-            <a:schemeClr val="accent1"/>
-          </a:lnRef>
-          <a:fillRef idx="0">
-            <a:schemeClr val="accent1"/>
-          </a:fillRef>
-          <a:effectRef idx="0">
-            <a:schemeClr val="accent1"/>
-          </a:effectRef>
-          <a:fontRef idx="minor">
-            <a:schemeClr val="tx1"/>
-          </a:fontRef>
-        </p:style>
-      </p:cxnSp>
       <p:sp>
         <p:nvSpPr>
           <p:cNvPr id="169" name="168 Decisión"/>
@@ -4689,12 +4777,18 @@
         </p:nvSpPr>
         <p:spPr>
           <a:xfrm>
-            <a:off x="4381496" y="4869664"/>
-            <a:ext cx="1432180" cy="571504"/>
+            <a:off x="5662242" y="6272999"/>
+            <a:ext cx="1881566" cy="813617"/>
           </a:xfrm>
           <a:prstGeom prst="flowChartDecision">
             <a:avLst/>
           </a:prstGeom>
+          <a:noFill/>
+          <a:ln w="12700">
+            <a:solidFill>
+              <a:schemeClr val="tx1"/>
+            </a:solidFill>
+          </a:ln>
         </p:spPr>
         <p:style>
           <a:lnRef idx="2">
@@ -4713,15 +4807,23 @@
           </a:fontRef>
         </p:style>
         <p:txBody>
-          <a:bodyPr lIns="91429" tIns="45714" rIns="91429" bIns="45714" rtlCol="0" anchor="ctr"/>
+          <a:bodyPr lIns="117987" tIns="58992" rIns="117987" bIns="58992" rtlCol="0" anchor="ctr"/>
           <a:lstStyle/>
           <a:p>
             <a:pPr algn="ctr"/>
             <a:r>
-              <a:rPr lang="es-AR" sz="800" dirty="0" smtClean="0"/>
+              <a:rPr lang="es-AR" sz="1100" dirty="0" smtClean="0">
+                <a:solidFill>
+                  <a:schemeClr val="tx1"/>
+                </a:solidFill>
+              </a:rPr>
               <a:t>¿Se atiende con profesional?</a:t>
             </a:r>
-            <a:endParaRPr lang="es-AR" sz="800" dirty="0"/>
+            <a:endParaRPr lang="es-AR" sz="1100" dirty="0">
+              <a:solidFill>
+                <a:schemeClr val="tx1"/>
+              </a:solidFill>
+            </a:endParaRPr>
           </a:p>
         </p:txBody>
       </p:sp>
@@ -4736,15 +4838,18 @@
         </p:nvCxnSpPr>
         <p:spPr>
           <a:xfrm rot="10800000">
-            <a:off x="2144688" y="3962246"/>
-            <a:ext cx="2236808" cy="1193171"/>
+            <a:off x="2828900" y="5089540"/>
+            <a:ext cx="2833342" cy="1590269"/>
           </a:xfrm>
           <a:prstGeom prst="bentConnector3">
             <a:avLst>
               <a:gd name="adj1" fmla="val 50000"/>
             </a:avLst>
           </a:prstGeom>
-          <a:ln>
+          <a:ln w="9525">
+            <a:solidFill>
+              <a:schemeClr val="tx1"/>
+            </a:solidFill>
             <a:tailEnd type="arrow"/>
           </a:ln>
         </p:spPr>
@@ -4771,22 +4876,25 @@
         </p:nvSpPr>
         <p:spPr>
           <a:xfrm>
-            <a:off x="5964532" y="4617186"/>
-            <a:ext cx="428628" cy="261598"/>
+            <a:off x="7400932" y="6300798"/>
+            <a:ext cx="553919" cy="336985"/>
           </a:xfrm>
           <a:prstGeom prst="rect">
             <a:avLst/>
           </a:prstGeom>
           <a:noFill/>
-        </p:spPr>
-        <p:txBody>
-          <a:bodyPr wrap="square" lIns="91429" tIns="45714" rIns="91429" bIns="45714" rtlCol="0">
+          <a:ln w="12700">
+            <a:noFill/>
+          </a:ln>
+        </p:spPr>
+        <p:txBody>
+          <a:bodyPr wrap="square" lIns="117987" tIns="58992" rIns="117987" bIns="58992" rtlCol="0">
             <a:spAutoFit/>
           </a:bodyPr>
           <a:lstStyle/>
           <a:p>
             <a:r>
-              <a:rPr lang="es-AR" sz="1100" dirty="0" smtClean="0"/>
+              <a:rPr lang="es-AR" sz="1400" dirty="0" smtClean="0"/>
               <a:t>NO</a:t>
             </a:r>
             <a:endParaRPr lang="es-AR" dirty="0"/>
@@ -4801,22 +4909,25 @@
         </p:nvSpPr>
         <p:spPr>
           <a:xfrm>
-            <a:off x="3299666" y="2862560"/>
-            <a:ext cx="357190" cy="261598"/>
+            <a:off x="4369763" y="3788325"/>
+            <a:ext cx="461599" cy="336985"/>
           </a:xfrm>
           <a:prstGeom prst="rect">
             <a:avLst/>
           </a:prstGeom>
           <a:noFill/>
-        </p:spPr>
-        <p:txBody>
-          <a:bodyPr wrap="square" lIns="91429" tIns="45714" rIns="91429" bIns="45714" rtlCol="0">
+          <a:ln w="12700">
+            <a:noFill/>
+          </a:ln>
+        </p:spPr>
+        <p:txBody>
+          <a:bodyPr wrap="square" lIns="117987" tIns="58992" rIns="117987" bIns="58992" rtlCol="0">
             <a:spAutoFit/>
           </a:bodyPr>
           <a:lstStyle/>
           <a:p>
             <a:r>
-              <a:rPr lang="es-AR" sz="1100" dirty="0" smtClean="0"/>
+              <a:rPr lang="es-AR" sz="1400" dirty="0" smtClean="0"/>
               <a:t>SI</a:t>
             </a:r>
             <a:endParaRPr lang="es-AR" dirty="0"/>
@@ -4833,14 +4944,17 @@
           <p:nvPr/>
         </p:nvCxnSpPr>
         <p:spPr>
-          <a:xfrm>
-            <a:off x="2144688" y="5921543"/>
-            <a:ext cx="516911" cy="1403"/>
+          <a:xfrm flipV="1">
+            <a:off x="2771599" y="7623818"/>
+            <a:ext cx="668007" cy="4189"/>
           </a:xfrm>
           <a:prstGeom prst="straightConnector1">
             <a:avLst/>
           </a:prstGeom>
-          <a:ln>
+          <a:ln w="12700">
+            <a:solidFill>
+              <a:schemeClr val="tx1"/>
+            </a:solidFill>
             <a:tailEnd type="arrow"/>
           </a:ln>
         </p:spPr>
@@ -4870,15 +4984,18 @@
         </p:nvCxnSpPr>
         <p:spPr>
           <a:xfrm flipV="1">
-            <a:off x="992560" y="5921543"/>
-            <a:ext cx="444903" cy="7931"/>
+            <a:off x="1280489" y="7628007"/>
+            <a:ext cx="577157" cy="10216"/>
           </a:xfrm>
           <a:prstGeom prst="bentConnector3">
             <a:avLst>
               <a:gd name="adj1" fmla="val 50000"/>
             </a:avLst>
           </a:prstGeom>
-          <a:ln>
+          <a:ln w="12700">
+            <a:solidFill>
+              <a:schemeClr val="tx1"/>
+            </a:solidFill>
             <a:tailEnd type="arrow"/>
           </a:ln>
         </p:spPr>
@@ -4900,21 +5017,21 @@
       <p:cxnSp>
         <p:nvCxnSpPr>
           <p:cNvPr id="325" name="324 Conector recto de flecha"/>
-          <p:cNvCxnSpPr>
-            <a:stCxn id="55" idx="2"/>
-            <a:endCxn id="51" idx="0"/>
-          </p:cNvCxnSpPr>
+          <p:cNvCxnSpPr/>
           <p:nvPr/>
         </p:nvCxnSpPr>
         <p:spPr>
-          <a:xfrm rot="16200000" flipH="1">
-            <a:off x="488716" y="5539901"/>
-            <a:ext cx="278710" cy="9525"/>
+          <a:xfrm rot="5400000">
+            <a:off x="636098" y="7142520"/>
+            <a:ext cx="359028" cy="1"/>
           </a:xfrm>
           <a:prstGeom prst="straightConnector1">
             <a:avLst/>
           </a:prstGeom>
-          <a:ln>
+          <a:ln w="12700">
+            <a:solidFill>
+              <a:schemeClr val="tx1"/>
+            </a:solidFill>
             <a:tailEnd type="arrow"/>
           </a:ln>
         </p:spPr>
@@ -4936,21 +5053,21 @@
       <p:cxnSp>
         <p:nvCxnSpPr>
           <p:cNvPr id="329" name="328 Conector recto de flecha"/>
-          <p:cNvCxnSpPr>
-            <a:stCxn id="74" idx="2"/>
-            <a:endCxn id="55" idx="0"/>
-          </p:cNvCxnSpPr>
+          <p:cNvCxnSpPr/>
           <p:nvPr/>
         </p:nvCxnSpPr>
         <p:spPr>
           <a:xfrm rot="5400000">
-            <a:off x="482530" y="4901775"/>
-            <a:ext cx="281558" cy="1588"/>
+            <a:off x="634263" y="6314363"/>
+            <a:ext cx="362699" cy="1588"/>
           </a:xfrm>
           <a:prstGeom prst="straightConnector1">
             <a:avLst/>
           </a:prstGeom>
-          <a:ln>
+          <a:ln w="12700">
+            <a:solidFill>
+              <a:schemeClr val="tx1"/>
+            </a:solidFill>
             <a:tailEnd type="arrow"/>
           </a:ln>
         </p:spPr>
@@ -4972,21 +5089,21 @@
       <p:cxnSp>
         <p:nvCxnSpPr>
           <p:cNvPr id="332" name="331 Conector recto de flecha"/>
-          <p:cNvCxnSpPr>
-            <a:stCxn id="78" idx="2"/>
-            <a:endCxn id="74" idx="0"/>
-          </p:cNvCxnSpPr>
+          <p:cNvCxnSpPr/>
           <p:nvPr/>
         </p:nvCxnSpPr>
         <p:spPr>
           <a:xfrm rot="5400000">
-            <a:off x="485885" y="4254024"/>
-            <a:ext cx="281641" cy="6792"/>
+            <a:off x="644345" y="5494453"/>
+            <a:ext cx="342535" cy="1588"/>
           </a:xfrm>
           <a:prstGeom prst="straightConnector1">
             <a:avLst/>
           </a:prstGeom>
-          <a:ln>
+          <a:ln w="12700">
+            <a:solidFill>
+              <a:schemeClr val="tx1"/>
+            </a:solidFill>
             <a:tailEnd type="arrow"/>
           </a:ln>
         </p:spPr>
@@ -5015,16 +5132,19 @@
           <p:nvPr/>
         </p:nvCxnSpPr>
         <p:spPr>
-          <a:xfrm rot="16200000" flipH="1">
-            <a:off x="4954061" y="4726138"/>
-            <a:ext cx="281763" cy="5287"/>
+          <a:xfrm rot="5400000">
+            <a:off x="6435834" y="6077230"/>
+            <a:ext cx="362961" cy="28577"/>
           </a:xfrm>
           <a:prstGeom prst="bentConnector3">
             <a:avLst>
               <a:gd name="adj1" fmla="val 50000"/>
             </a:avLst>
           </a:prstGeom>
-          <a:ln>
+          <a:ln w="9525">
+            <a:solidFill>
+              <a:schemeClr val="tx1"/>
+            </a:solidFill>
             <a:tailEnd type="arrow"/>
           </a:ln>
         </p:spPr>
@@ -5060,13 +5180,16 @@
         </p:blipFill>
         <p:spPr bwMode="auto">
           <a:xfrm>
-            <a:off x="6531925" y="3234204"/>
-            <a:ext cx="941355" cy="636468"/>
+            <a:off x="8441257" y="4222669"/>
+            <a:ext cx="1216521" cy="819884"/>
           </a:xfrm>
           <a:prstGeom prst="rect">
             <a:avLst/>
           </a:prstGeom>
           <a:noFill/>
+          <a:ln w="12700">
+            <a:noFill/>
+          </a:ln>
         </p:spPr>
       </p:pic>
       <p:cxnSp>
@@ -5079,14 +5202,17 @@
           <p:nvPr/>
         </p:nvCxnSpPr>
         <p:spPr>
-          <a:xfrm flipV="1">
-            <a:off x="7473280" y="3299189"/>
-            <a:ext cx="911024" cy="253249"/>
+          <a:xfrm>
+            <a:off x="9657778" y="4632611"/>
+            <a:ext cx="1177323" cy="5133"/>
           </a:xfrm>
           <a:prstGeom prst="straightConnector1">
             <a:avLst/>
           </a:prstGeom>
-          <a:ln>
+          <a:ln w="12700">
+            <a:solidFill>
+              <a:schemeClr val="tx1"/>
+            </a:solidFill>
             <a:prstDash val="dash"/>
             <a:tailEnd type="arrow"/>
           </a:ln>
@@ -5114,12 +5240,18 @@
         </p:nvSpPr>
         <p:spPr>
           <a:xfrm>
-            <a:off x="6773085" y="4657071"/>
-            <a:ext cx="628187" cy="437737"/>
+            <a:off x="8752910" y="5999140"/>
+            <a:ext cx="811811" cy="563884"/>
           </a:xfrm>
           <a:prstGeom prst="flowChartProcess">
             <a:avLst/>
           </a:prstGeom>
+          <a:noFill/>
+          <a:ln w="12700">
+            <a:solidFill>
+              <a:schemeClr val="tx1"/>
+            </a:solidFill>
+          </a:ln>
         </p:spPr>
         <p:style>
           <a:lnRef idx="2">
@@ -5138,18 +5270,26 @@
           </a:fontRef>
         </p:style>
         <p:txBody>
-          <a:bodyPr lIns="91423" tIns="45711" rIns="91423" bIns="45711" rtlCol="0" anchor="t"/>
+          <a:bodyPr lIns="117979" tIns="58989" rIns="117979" bIns="58989" rtlCol="0" anchor="t"/>
           <a:lstStyle/>
           <a:p>
             <a:pPr algn="ctr"/>
             <a:r>
-              <a:rPr lang="es-AR" sz="800" dirty="0" smtClean="0"/>
+              <a:rPr lang="es-AR" sz="1100" dirty="0" smtClean="0">
+                <a:solidFill>
+                  <a:schemeClr val="tx1"/>
+                </a:solidFill>
+              </a:rPr>
               <a:t>Paciente Derivado a Cátedra</a:t>
             </a:r>
           </a:p>
           <a:p>
             <a:pPr algn="ctr"/>
-            <a:endParaRPr lang="es-AR" sz="800" dirty="0" smtClean="0"/>
+            <a:endParaRPr lang="es-AR" sz="1100" dirty="0" smtClean="0">
+              <a:solidFill>
+                <a:schemeClr val="tx1"/>
+              </a:solidFill>
+            </a:endParaRPr>
           </a:p>
         </p:txBody>
       </p:sp>
@@ -5164,15 +5304,18 @@
         </p:nvCxnSpPr>
         <p:spPr>
           <a:xfrm flipV="1">
-            <a:off x="5813676" y="4875940"/>
-            <a:ext cx="959409" cy="279476"/>
+            <a:off x="7543808" y="6281082"/>
+            <a:ext cx="1209102" cy="398726"/>
           </a:xfrm>
           <a:prstGeom prst="bentConnector3">
             <a:avLst>
               <a:gd name="adj1" fmla="val 50000"/>
             </a:avLst>
           </a:prstGeom>
-          <a:ln>
+          <a:ln w="9525">
+            <a:solidFill>
+              <a:schemeClr val="tx1"/>
+            </a:solidFill>
             <a:tailEnd type="arrow"/>
           </a:ln>
         </p:spPr>
@@ -5202,13 +5345,16 @@
         </p:nvCxnSpPr>
         <p:spPr>
           <a:xfrm rot="5400000">
-            <a:off x="5858709" y="4546144"/>
-            <a:ext cx="679806" cy="1777134"/>
+            <a:off x="7572660" y="5852577"/>
+            <a:ext cx="875711" cy="2296604"/>
           </a:xfrm>
           <a:prstGeom prst="bentConnector2">
             <a:avLst/>
           </a:prstGeom>
-          <a:ln>
+          <a:ln w="9525">
+            <a:solidFill>
+              <a:schemeClr val="tx1"/>
+            </a:solidFill>
             <a:tailEnd type="arrow"/>
           </a:ln>
         </p:spPr>
@@ -5235,12 +5381,18 @@
         </p:nvSpPr>
         <p:spPr>
           <a:xfrm>
-            <a:off x="1482125" y="3693778"/>
-            <a:ext cx="662563" cy="536934"/>
+            <a:off x="1915362" y="4729163"/>
+            <a:ext cx="913538" cy="720752"/>
           </a:xfrm>
           <a:prstGeom prst="flowChartProcess">
             <a:avLst/>
           </a:prstGeom>
+          <a:noFill/>
+          <a:ln w="12700">
+            <a:solidFill>
+              <a:schemeClr val="tx1"/>
+            </a:solidFill>
+          </a:ln>
         </p:spPr>
         <p:style>
           <a:lnRef idx="2">
@@ -5259,41 +5411,49 @@
           </a:fontRef>
         </p:style>
         <p:txBody>
-          <a:bodyPr lIns="91423" tIns="45711" rIns="91423" bIns="45711" rtlCol="0" anchor="t"/>
+          <a:bodyPr lIns="117979" tIns="58989" rIns="117979" bIns="58989" rtlCol="0" anchor="t"/>
           <a:lstStyle/>
           <a:p>
             <a:pPr algn="ctr"/>
             <a:r>
-              <a:rPr lang="es-AR" sz="800" dirty="0" smtClean="0"/>
+              <a:rPr lang="es-AR" sz="1100" dirty="0" smtClean="0">
+                <a:solidFill>
+                  <a:schemeClr val="tx1"/>
+                </a:solidFill>
+              </a:rPr>
               <a:t>Paciente Derivado a Consultorio Externo</a:t>
             </a:r>
           </a:p>
           <a:p>
             <a:pPr algn="ctr"/>
-            <a:endParaRPr lang="es-AR" sz="800" dirty="0" smtClean="0"/>
+            <a:endParaRPr lang="es-AR" sz="1100" dirty="0" smtClean="0">
+              <a:solidFill>
+                <a:schemeClr val="tx1"/>
+              </a:solidFill>
+            </a:endParaRPr>
           </a:p>
         </p:txBody>
       </p:sp>
       <p:cxnSp>
         <p:nvCxnSpPr>
           <p:cNvPr id="81" name="189 Conector recto de flecha"/>
-          <p:cNvCxnSpPr>
-            <a:stCxn id="77" idx="1"/>
-            <a:endCxn id="78" idx="3"/>
-          </p:cNvCxnSpPr>
+          <p:cNvCxnSpPr/>
           <p:nvPr/>
         </p:nvCxnSpPr>
         <p:spPr>
-          <a:xfrm rot="10800000">
-            <a:off x="983713" y="3935223"/>
-            <a:ext cx="498412" cy="27022"/>
+          <a:xfrm rot="10800000" flipV="1">
+            <a:off x="1271262" y="5089539"/>
+            <a:ext cx="644100" cy="1"/>
           </a:xfrm>
           <a:prstGeom prst="bentConnector3">
             <a:avLst>
               <a:gd name="adj1" fmla="val 50000"/>
             </a:avLst>
           </a:prstGeom>
-          <a:ln>
+          <a:ln w="12700">
+            <a:solidFill>
+              <a:schemeClr val="tx1"/>
+            </a:solidFill>
             <a:tailEnd type="arrow"/>
           </a:ln>
         </p:spPr>
@@ -5320,12 +5480,18 @@
         </p:nvSpPr>
         <p:spPr>
           <a:xfrm>
-            <a:off x="3738554" y="3226590"/>
-            <a:ext cx="628187" cy="308634"/>
+            <a:off x="4831362" y="4156426"/>
+            <a:ext cx="855058" cy="429860"/>
           </a:xfrm>
           <a:prstGeom prst="flowChartProcess">
             <a:avLst/>
           </a:prstGeom>
+          <a:noFill/>
+          <a:ln w="12700">
+            <a:solidFill>
+              <a:schemeClr val="tx1"/>
+            </a:solidFill>
+          </a:ln>
         </p:spPr>
         <p:style>
           <a:lnRef idx="2">
@@ -5344,12 +5510,16 @@
           </a:fontRef>
         </p:style>
         <p:txBody>
-          <a:bodyPr lIns="91423" tIns="45711" rIns="91423" bIns="45711" rtlCol="0" anchor="ctr"/>
+          <a:bodyPr lIns="117979" tIns="58989" rIns="117979" bIns="58989" rtlCol="0" anchor="ctr"/>
           <a:lstStyle/>
           <a:p>
             <a:pPr algn="ctr"/>
             <a:r>
-              <a:rPr lang="es-AR" sz="800" dirty="0" smtClean="0"/>
+              <a:rPr lang="es-AR" sz="1100" dirty="0" smtClean="0">
+                <a:solidFill>
+                  <a:schemeClr val="tx1"/>
+                </a:solidFill>
+              </a:rPr>
               <a:t>Análisis  Preliminar</a:t>
             </a:r>
           </a:p>
@@ -5366,15 +5536,18 @@
         </p:nvCxnSpPr>
         <p:spPr>
           <a:xfrm>
-            <a:off x="4366741" y="3380907"/>
-            <a:ext cx="371945" cy="954967"/>
+            <a:off x="5686420" y="4371356"/>
+            <a:ext cx="488205" cy="1214026"/>
           </a:xfrm>
           <a:prstGeom prst="bentConnector3">
             <a:avLst>
               <a:gd name="adj1" fmla="val 50000"/>
             </a:avLst>
           </a:prstGeom>
-          <a:ln>
+          <a:ln w="9525">
+            <a:solidFill>
+              <a:schemeClr val="tx1"/>
+            </a:solidFill>
             <a:tailEnd type="triangle"/>
           </a:ln>
         </p:spPr>
@@ -5395,24 +5568,201 @@
       </p:cxnSp>
       <p:cxnSp>
         <p:nvCxnSpPr>
-          <p:cNvPr id="18" name="Conector angular 17"/>
-          <p:cNvCxnSpPr>
-            <a:stCxn id="224" idx="2"/>
-          </p:cNvCxnSpPr>
+          <p:cNvPr id="21" name="Conector angular 20"/>
+          <p:cNvCxnSpPr/>
           <p:nvPr/>
         </p:nvCxnSpPr>
         <p:spPr>
-          <a:xfrm rot="5400000">
-            <a:off x="4871740" y="3045550"/>
-            <a:ext cx="333738" cy="28342"/>
+          <a:xfrm rot="16200000" flipH="1">
+            <a:off x="6355526" y="4984648"/>
+            <a:ext cx="552151" cy="1"/>
           </a:xfrm>
           <a:prstGeom prst="bentConnector3">
             <a:avLst>
               <a:gd name="adj1" fmla="val 50000"/>
             </a:avLst>
           </a:prstGeom>
-          <a:ln>
+          <a:ln w="9525">
+            <a:solidFill>
+              <a:schemeClr val="tx1"/>
+            </a:solidFill>
             <a:tailEnd type="triangle"/>
+          </a:ln>
+        </p:spPr>
+        <p:style>
+          <a:lnRef idx="1">
+            <a:schemeClr val="accent1"/>
+          </a:lnRef>
+          <a:fillRef idx="0">
+            <a:schemeClr val="accent1"/>
+          </a:fillRef>
+          <a:effectRef idx="0">
+            <a:schemeClr val="accent1"/>
+          </a:effectRef>
+          <a:fontRef idx="minor">
+            <a:schemeClr val="tx1"/>
+          </a:fontRef>
+        </p:style>
+      </p:cxnSp>
+      <p:sp>
+        <p:nvSpPr>
+          <p:cNvPr id="24" name="Rectángulo 23"/>
+          <p:cNvSpPr/>
+          <p:nvPr/>
+        </p:nvSpPr>
+        <p:spPr>
+          <a:xfrm>
+            <a:off x="72958" y="4625351"/>
+            <a:ext cx="4688836" cy="4380730"/>
+          </a:xfrm>
+          <a:prstGeom prst="rect">
+            <a:avLst/>
+          </a:prstGeom>
+          <a:noFill/>
+          <a:ln w="12700">
+            <a:solidFill>
+              <a:schemeClr val="tx1"/>
+            </a:solidFill>
+            <a:prstDash val="sysDash"/>
+          </a:ln>
+        </p:spPr>
+        <p:style>
+          <a:lnRef idx="2">
+            <a:schemeClr val="accent1">
+              <a:shade val="50000"/>
+            </a:schemeClr>
+          </a:lnRef>
+          <a:fillRef idx="1">
+            <a:schemeClr val="accent1"/>
+          </a:fillRef>
+          <a:effectRef idx="0">
+            <a:schemeClr val="accent1"/>
+          </a:effectRef>
+          <a:fontRef idx="minor">
+            <a:schemeClr val="lt1"/>
+          </a:fontRef>
+        </p:style>
+        <p:txBody>
+          <a:bodyPr lIns="118001" tIns="59001" rIns="118001" bIns="59001" rtlCol="0" anchor="ctr"/>
+          <a:lstStyle/>
+          <a:p>
+            <a:pPr algn="ctr"/>
+            <a:endParaRPr lang="es-AR" dirty="0">
+              <a:solidFill>
+                <a:schemeClr val="tx1"/>
+              </a:solidFill>
+            </a:endParaRPr>
+          </a:p>
+        </p:txBody>
+      </p:sp>
+      <p:sp>
+        <p:nvSpPr>
+          <p:cNvPr id="27" name="CuadroTexto 26"/>
+          <p:cNvSpPr txBox="1"/>
+          <p:nvPr/>
+        </p:nvSpPr>
+        <p:spPr>
+          <a:xfrm>
+            <a:off x="1520" y="8173491"/>
+            <a:ext cx="5041958" cy="857818"/>
+          </a:xfrm>
+          <a:prstGeom prst="rect">
+            <a:avLst/>
+          </a:prstGeom>
+          <a:noFill/>
+          <a:ln w="12700">
+            <a:noFill/>
+          </a:ln>
+        </p:spPr>
+        <p:txBody>
+          <a:bodyPr wrap="square" lIns="118001" tIns="59001" rIns="118001" bIns="59001" rtlCol="0">
+            <a:spAutoFit/>
+          </a:bodyPr>
+          <a:lstStyle/>
+          <a:p>
+            <a:r>
+              <a:rPr lang="es-AR" dirty="0" smtClean="0"/>
+              <a:t>El módulo dentro del recuadro queda fuera del alcance del proyecto</a:t>
+            </a:r>
+            <a:endParaRPr lang="es-AR" dirty="0"/>
+          </a:p>
+        </p:txBody>
+      </p:sp>
+      <p:sp>
+        <p:nvSpPr>
+          <p:cNvPr id="106" name="105 Proceso"/>
+          <p:cNvSpPr/>
+          <p:nvPr/>
+        </p:nvSpPr>
+        <p:spPr>
+          <a:xfrm>
+            <a:off x="6031522" y="4148649"/>
+            <a:ext cx="1200158" cy="552150"/>
+          </a:xfrm>
+          <a:prstGeom prst="flowChartProcess">
+            <a:avLst/>
+          </a:prstGeom>
+          <a:noFill/>
+          <a:ln w="12700">
+            <a:solidFill>
+              <a:schemeClr val="tx1"/>
+            </a:solidFill>
+          </a:ln>
+        </p:spPr>
+        <p:style>
+          <a:lnRef idx="2">
+            <a:schemeClr val="accent3">
+              <a:shade val="50000"/>
+            </a:schemeClr>
+          </a:lnRef>
+          <a:fillRef idx="1">
+            <a:schemeClr val="accent3"/>
+          </a:fillRef>
+          <a:effectRef idx="0">
+            <a:schemeClr val="accent3"/>
+          </a:effectRef>
+          <a:fontRef idx="minor">
+            <a:schemeClr val="lt1"/>
+          </a:fontRef>
+        </p:style>
+        <p:txBody>
+          <a:bodyPr lIns="117979" tIns="58989" rIns="117979" bIns="58989" rtlCol="0" anchor="ctr"/>
+          <a:lstStyle/>
+          <a:p>
+            <a:pPr algn="ctr"/>
+            <a:r>
+              <a:rPr lang="es-AR" sz="1100" dirty="0" smtClean="0">
+                <a:solidFill>
+                  <a:schemeClr val="tx1"/>
+                </a:solidFill>
+              </a:rPr>
+              <a:t>Proceso Diagnóstico de Paciente</a:t>
+            </a:r>
+          </a:p>
+        </p:txBody>
+      </p:sp>
+      <p:cxnSp>
+        <p:nvCxnSpPr>
+          <p:cNvPr id="60" name="59 Conector recto de flecha"/>
+          <p:cNvCxnSpPr>
+            <a:stCxn id="90" idx="3"/>
+            <a:endCxn id="224" idx="1"/>
+          </p:cNvCxnSpPr>
+          <p:nvPr/>
+        </p:nvCxnSpPr>
+        <p:spPr>
+          <a:xfrm flipV="1">
+            <a:off x="5200642" y="3481344"/>
+            <a:ext cx="1025054" cy="5400"/>
+          </a:xfrm>
+          <a:prstGeom prst="straightConnector1">
+            <a:avLst/>
+          </a:prstGeom>
+          <a:ln w="9525">
+            <a:solidFill>
+              <a:schemeClr val="tx1"/>
+            </a:solidFill>
+            <a:tailEnd type="arrow"/>
           </a:ln>
         </p:spPr>
         <p:style>
@@ -5432,17 +5782,95 @@
       </p:cxnSp>
       <p:cxnSp>
         <p:nvCxnSpPr>
-          <p:cNvPr id="21" name="Conector angular 20"/>
+          <p:cNvPr id="68" name="67 Conector recto de flecha"/>
           <p:cNvCxnSpPr>
-            <a:stCxn id="106" idx="2"/>
-            <a:endCxn id="58" idx="0"/>
+            <a:stCxn id="224" idx="2"/>
+            <a:endCxn id="106" idx="0"/>
           </p:cNvCxnSpPr>
           <p:nvPr/>
         </p:nvCxnSpPr>
         <p:spPr>
           <a:xfrm rot="5400000">
-            <a:off x="4897633" y="3849884"/>
-            <a:ext cx="428628" cy="39296"/>
+            <a:off x="6420533" y="3937580"/>
+            <a:ext cx="422138" cy="1"/>
+          </a:xfrm>
+          <a:prstGeom prst="straightConnector1">
+            <a:avLst/>
+          </a:prstGeom>
+          <a:ln w="9525">
+            <a:solidFill>
+              <a:schemeClr val="tx1"/>
+            </a:solidFill>
+            <a:tailEnd type="arrow"/>
+          </a:ln>
+        </p:spPr>
+        <p:style>
+          <a:lnRef idx="1">
+            <a:schemeClr val="accent1"/>
+          </a:lnRef>
+          <a:fillRef idx="0">
+            <a:schemeClr val="accent1"/>
+          </a:fillRef>
+          <a:effectRef idx="0">
+            <a:schemeClr val="accent1"/>
+          </a:effectRef>
+          <a:fontRef idx="minor">
+            <a:schemeClr val="tx1"/>
+          </a:fontRef>
+        </p:style>
+      </p:cxnSp>
+      <p:cxnSp>
+        <p:nvCxnSpPr>
+          <p:cNvPr id="87" name="86 Forma"/>
+          <p:cNvCxnSpPr>
+            <a:stCxn id="58" idx="3"/>
+            <a:endCxn id="365" idx="2"/>
+          </p:cNvCxnSpPr>
+          <p:nvPr/>
+        </p:nvCxnSpPr>
+        <p:spPr>
+          <a:xfrm flipV="1">
+            <a:off x="7088578" y="5042553"/>
+            <a:ext cx="1960940" cy="542829"/>
+          </a:xfrm>
+          <a:prstGeom prst="bentConnector2">
+            <a:avLst/>
+          </a:prstGeom>
+          <a:ln>
+            <a:solidFill>
+              <a:schemeClr val="tx1"/>
+            </a:solidFill>
+            <a:tailEnd type="arrow"/>
+          </a:ln>
+        </p:spPr>
+        <p:style>
+          <a:lnRef idx="1">
+            <a:schemeClr val="accent1"/>
+          </a:lnRef>
+          <a:fillRef idx="0">
+            <a:schemeClr val="accent1"/>
+          </a:fillRef>
+          <a:effectRef idx="0">
+            <a:schemeClr val="accent1"/>
+          </a:effectRef>
+          <a:fontRef idx="minor">
+            <a:schemeClr val="tx1"/>
+          </a:fontRef>
+        </p:style>
+      </p:cxnSp>
+      <p:cxnSp>
+        <p:nvCxnSpPr>
+          <p:cNvPr id="89" name="88 Conector angular"/>
+          <p:cNvCxnSpPr>
+            <a:stCxn id="106" idx="3"/>
+            <a:endCxn id="365" idx="1"/>
+          </p:cNvCxnSpPr>
+          <p:nvPr/>
+        </p:nvCxnSpPr>
+        <p:spPr>
+          <a:xfrm>
+            <a:off x="7231680" y="4424724"/>
+            <a:ext cx="1209577" cy="207887"/>
           </a:xfrm>
           <a:prstGeom prst="bentConnector3">
             <a:avLst>
@@ -5450,7 +5878,10 @@
             </a:avLst>
           </a:prstGeom>
           <a:ln>
-            <a:tailEnd type="triangle"/>
+            <a:solidFill>
+              <a:schemeClr val="tx1"/>
+            </a:solidFill>
+            <a:tailEnd type="arrow"/>
           </a:ln>
         </p:spPr>
         <p:style>
@@ -5468,143 +5899,10 @@
           </a:fontRef>
         </p:style>
       </p:cxnSp>
-      <p:sp>
-        <p:nvSpPr>
-          <p:cNvPr id="24" name="Rectángulo 23"/>
-          <p:cNvSpPr/>
-          <p:nvPr/>
-        </p:nvSpPr>
-        <p:spPr>
-          <a:xfrm>
-            <a:off x="56455" y="3590612"/>
-            <a:ext cx="3628266" cy="3400716"/>
-          </a:xfrm>
-          <a:prstGeom prst="rect">
-            <a:avLst/>
-          </a:prstGeom>
-          <a:solidFill>
-            <a:schemeClr val="bg2">
-              <a:lumMod val="90000"/>
-              <a:alpha val="18000"/>
-            </a:schemeClr>
-          </a:solidFill>
-          <a:ln>
-            <a:solidFill>
-              <a:schemeClr val="tx1"/>
-            </a:solidFill>
-            <a:prstDash val="sysDash"/>
-          </a:ln>
-        </p:spPr>
-        <p:style>
-          <a:lnRef idx="2">
-            <a:schemeClr val="accent1">
-              <a:shade val="50000"/>
-            </a:schemeClr>
-          </a:lnRef>
-          <a:fillRef idx="1">
-            <a:schemeClr val="accent1"/>
-          </a:fillRef>
-          <a:effectRef idx="0">
-            <a:schemeClr val="accent1"/>
-          </a:effectRef>
-          <a:fontRef idx="minor">
-            <a:schemeClr val="lt1"/>
-          </a:fontRef>
-        </p:style>
-        <p:txBody>
-          <a:bodyPr rtlCol="0" anchor="ctr"/>
-          <a:lstStyle/>
-          <a:p>
-            <a:pPr algn="ctr"/>
-            <a:endParaRPr lang="es-AR" dirty="0"/>
-          </a:p>
-        </p:txBody>
-      </p:sp>
-      <p:sp>
-        <p:nvSpPr>
-          <p:cNvPr id="27" name="CuadroTexto 26"/>
-          <p:cNvSpPr txBox="1"/>
-          <p:nvPr/>
-        </p:nvSpPr>
-        <p:spPr>
-          <a:xfrm>
-            <a:off x="56456" y="6344997"/>
-            <a:ext cx="3672408" cy="646331"/>
-          </a:xfrm>
-          <a:prstGeom prst="rect">
-            <a:avLst/>
-          </a:prstGeom>
-          <a:noFill/>
-        </p:spPr>
-        <p:txBody>
-          <a:bodyPr wrap="square" rtlCol="0">
-            <a:spAutoFit/>
-          </a:bodyPr>
-          <a:lstStyle/>
-          <a:p>
-            <a:r>
-              <a:rPr lang="es-AR" dirty="0" smtClean="0"/>
-              <a:t>El módulo dentro del recuadro queda fuera del alcance del proyecto</a:t>
-            </a:r>
-            <a:endParaRPr lang="es-AR" dirty="0"/>
-          </a:p>
-        </p:txBody>
-      </p:sp>
-      <p:sp>
-        <p:nvSpPr>
-          <p:cNvPr id="106" name="105 Proceso"/>
-          <p:cNvSpPr/>
-          <p:nvPr/>
-        </p:nvSpPr>
-        <p:spPr>
-          <a:xfrm>
-            <a:off x="4667248" y="3226590"/>
-            <a:ext cx="928694" cy="428628"/>
-          </a:xfrm>
-          <a:prstGeom prst="flowChartProcess">
-            <a:avLst/>
-          </a:prstGeom>
-          <a:solidFill>
-            <a:schemeClr val="accent2"/>
-          </a:solidFill>
-          <a:ln>
-            <a:solidFill>
-              <a:srgbClr val="C00000"/>
-            </a:solidFill>
-          </a:ln>
-        </p:spPr>
-        <p:style>
-          <a:lnRef idx="2">
-            <a:schemeClr val="accent3">
-              <a:shade val="50000"/>
-            </a:schemeClr>
-          </a:lnRef>
-          <a:fillRef idx="1">
-            <a:schemeClr val="accent3"/>
-          </a:fillRef>
-          <a:effectRef idx="0">
-            <a:schemeClr val="accent3"/>
-          </a:effectRef>
-          <a:fontRef idx="minor">
-            <a:schemeClr val="lt1"/>
-          </a:fontRef>
-        </p:style>
-        <p:txBody>
-          <a:bodyPr lIns="91423" tIns="45711" rIns="91423" bIns="45711" rtlCol="0" anchor="ctr"/>
-          <a:lstStyle/>
-          <a:p>
-            <a:pPr algn="ctr"/>
-            <a:r>
-              <a:rPr lang="es-AR" sz="800" dirty="0" smtClean="0"/>
-              <a:t>Proceso Diagnóstico de Paciente</a:t>
-            </a:r>
-          </a:p>
-        </p:txBody>
-      </p:sp>
     </p:spTree>
     <p:extLst>
       <p:ext uri="{BB962C8B-B14F-4D97-AF65-F5344CB8AC3E}">
-        <p14:creationId xmlns:p14="http://schemas.microsoft.com/office/powerpoint/2010/main" xmlns="" val="688460289"/>
+        <p14:creationId xmlns="" xmlns:p14="http://schemas.microsoft.com/office/powerpoint/2010/main" val="688460289"/>
       </p:ext>
     </p:extLst>
   </p:cSld>
@@ -5624,17 +5922,6 @@
 <file path=ppt/slides/slide2.xml><?xml version="1.0" encoding="utf-8"?>
 <p:sld xmlns:a="http://schemas.openxmlformats.org/drawingml/2006/main" xmlns:r="http://schemas.openxmlformats.org/officeDocument/2006/relationships" xmlns:p="http://schemas.openxmlformats.org/presentationml/2006/main">
   <p:cSld>
-    <p:bg>
-      <p:bgPr>
-        <a:solidFill>
-          <a:schemeClr val="accent3">
-            <a:lumMod val="20000"/>
-            <a:lumOff val="80000"/>
-          </a:schemeClr>
-        </a:solidFill>
-        <a:effectLst/>
-      </p:bgPr>
-    </p:bg>
     <p:spTree>
       <p:nvGrpSpPr>
         <p:cNvPr id="1" name=""/>
@@ -5657,12 +5944,18 @@
         </p:nvSpPr>
         <p:spPr>
           <a:xfrm>
-            <a:off x="2512510" y="284488"/>
-            <a:ext cx="686590" cy="224565"/>
+            <a:off x="3246935" y="366472"/>
+            <a:ext cx="887286" cy="289280"/>
           </a:xfrm>
           <a:prstGeom prst="flowChartTerminator">
             <a:avLst/>
           </a:prstGeom>
+          <a:noFill/>
+          <a:ln w="12700">
+            <a:solidFill>
+              <a:schemeClr val="tx1"/>
+            </a:solidFill>
+          </a:ln>
         </p:spPr>
         <p:style>
           <a:lnRef idx="2">
@@ -5681,15 +5974,23 @@
           </a:fontRef>
         </p:style>
         <p:txBody>
-          <a:bodyPr lIns="91423" tIns="45711" rIns="91423" bIns="45711" rtlCol="0" anchor="ctr"/>
+          <a:bodyPr lIns="117979" tIns="58989" rIns="117979" bIns="58989" rtlCol="0" anchor="ctr"/>
           <a:lstStyle/>
           <a:p>
             <a:pPr algn="ctr"/>
             <a:r>
-              <a:rPr lang="es-AR" sz="1000" dirty="0" smtClean="0"/>
+              <a:rPr lang="es-AR" sz="1300" dirty="0" smtClean="0">
+                <a:solidFill>
+                  <a:schemeClr val="tx1"/>
+                </a:solidFill>
+              </a:rPr>
               <a:t>Inicio</a:t>
             </a:r>
-            <a:endParaRPr lang="es-AR" sz="1100" dirty="0"/>
+            <a:endParaRPr lang="es-AR" sz="1400" dirty="0">
+              <a:solidFill>
+                <a:schemeClr val="tx1"/>
+              </a:solidFill>
+            </a:endParaRPr>
           </a:p>
         </p:txBody>
       </p:sp>
@@ -5701,12 +6002,18 @@
         </p:nvSpPr>
         <p:spPr>
           <a:xfrm>
-            <a:off x="5667381" y="6226986"/>
-            <a:ext cx="474911" cy="224565"/>
+            <a:off x="7324002" y="8021472"/>
+            <a:ext cx="613731" cy="289280"/>
           </a:xfrm>
           <a:prstGeom prst="flowChartTerminator">
             <a:avLst/>
           </a:prstGeom>
+          <a:noFill/>
+          <a:ln w="12700">
+            <a:solidFill>
+              <a:schemeClr val="tx1"/>
+            </a:solidFill>
+          </a:ln>
         </p:spPr>
         <p:style>
           <a:lnRef idx="2">
@@ -5725,15 +6032,23 @@
           </a:fontRef>
         </p:style>
         <p:txBody>
-          <a:bodyPr lIns="91423" tIns="45711" rIns="91423" bIns="45711" rtlCol="0" anchor="ctr"/>
+          <a:bodyPr lIns="117979" tIns="58989" rIns="117979" bIns="58989" rtlCol="0" anchor="ctr"/>
           <a:lstStyle/>
           <a:p>
             <a:pPr algn="ctr"/>
             <a:r>
-              <a:rPr lang="es-AR" sz="1000" dirty="0" smtClean="0"/>
+              <a:rPr lang="es-AR" sz="1300" dirty="0" smtClean="0">
+                <a:solidFill>
+                  <a:schemeClr val="tx1"/>
+                </a:solidFill>
+              </a:rPr>
               <a:t>Fin</a:t>
             </a:r>
-            <a:endParaRPr lang="es-AR" sz="1000" dirty="0"/>
+            <a:endParaRPr lang="es-AR" sz="1300" dirty="0">
+              <a:solidFill>
+                <a:schemeClr val="tx1"/>
+              </a:solidFill>
+            </a:endParaRPr>
           </a:p>
         </p:txBody>
       </p:sp>
@@ -5745,12 +6060,18 @@
         </p:nvSpPr>
         <p:spPr>
           <a:xfrm>
-            <a:off x="2414794" y="1062360"/>
-            <a:ext cx="882022" cy="428628"/>
+            <a:off x="3120657" y="1368509"/>
+            <a:ext cx="1139844" cy="552150"/>
           </a:xfrm>
           <a:prstGeom prst="flowChartProcess">
             <a:avLst/>
           </a:prstGeom>
+          <a:noFill/>
+          <a:ln w="12700">
+            <a:solidFill>
+              <a:schemeClr val="tx1"/>
+            </a:solidFill>
+          </a:ln>
         </p:spPr>
         <p:style>
           <a:lnRef idx="2">
@@ -5769,12 +6090,16 @@
           </a:fontRef>
         </p:style>
         <p:txBody>
-          <a:bodyPr lIns="91423" tIns="45711" rIns="91423" bIns="45711" rtlCol="0" anchor="ctr"/>
+          <a:bodyPr lIns="117979" tIns="58989" rIns="117979" bIns="58989" rtlCol="0" anchor="ctr"/>
           <a:lstStyle/>
           <a:p>
             <a:pPr algn="ctr"/>
             <a:r>
-              <a:rPr lang="es-AR" sz="800" dirty="0" smtClean="0"/>
+              <a:rPr lang="es-AR" sz="1100" dirty="0" smtClean="0">
+                <a:solidFill>
+                  <a:schemeClr val="tx1"/>
+                </a:solidFill>
+              </a:rPr>
               <a:t>Llegada del alumno</a:t>
             </a:r>
           </a:p>
@@ -5788,12 +6113,18 @@
         </p:nvSpPr>
         <p:spPr>
           <a:xfrm>
-            <a:off x="2164405" y="1970619"/>
-            <a:ext cx="1420443" cy="531901"/>
+            <a:off x="2797078" y="2538511"/>
+            <a:ext cx="1835649" cy="685183"/>
           </a:xfrm>
           <a:prstGeom prst="flowChartDecision">
             <a:avLst/>
           </a:prstGeom>
+          <a:noFill/>
+          <a:ln w="12700">
+            <a:solidFill>
+              <a:schemeClr val="tx1"/>
+            </a:solidFill>
+          </a:ln>
         </p:spPr>
         <p:style>
           <a:lnRef idx="2">
@@ -5812,15 +6143,23 @@
           </a:fontRef>
         </p:style>
         <p:txBody>
-          <a:bodyPr lIns="91429" tIns="45714" rIns="91429" bIns="45714" rtlCol="0" anchor="ctr"/>
+          <a:bodyPr lIns="117987" tIns="58992" rIns="117987" bIns="58992" rtlCol="0" anchor="ctr"/>
           <a:lstStyle/>
           <a:p>
             <a:pPr algn="ctr"/>
             <a:r>
-              <a:rPr lang="es-AR" sz="800" dirty="0" smtClean="0"/>
+              <a:rPr lang="es-AR" sz="1100" dirty="0" smtClean="0">
+                <a:solidFill>
+                  <a:schemeClr val="tx1"/>
+                </a:solidFill>
+              </a:rPr>
               <a:t>¿Tiene paciente?</a:t>
             </a:r>
-            <a:endParaRPr lang="es-AR" sz="800" dirty="0"/>
+            <a:endParaRPr lang="es-AR" sz="1100" dirty="0">
+              <a:solidFill>
+                <a:schemeClr val="tx1"/>
+              </a:solidFill>
+            </a:endParaRPr>
           </a:p>
         </p:txBody>
       </p:sp>
@@ -5835,15 +6174,18 @@
         </p:nvCxnSpPr>
         <p:spPr>
           <a:xfrm rot="5400000">
-            <a:off x="2579152" y="785706"/>
-            <a:ext cx="553307" cy="12700"/>
+            <a:off x="3334202" y="1012104"/>
+            <a:ext cx="712758" cy="16412"/>
           </a:xfrm>
           <a:prstGeom prst="bentConnector3">
             <a:avLst>
               <a:gd name="adj1" fmla="val 50000"/>
             </a:avLst>
           </a:prstGeom>
-          <a:ln>
+          <a:ln w="12700">
+            <a:solidFill>
+              <a:schemeClr val="tx1"/>
+            </a:solidFill>
             <a:tailEnd type="arrow"/>
           </a:ln>
         </p:spPr>
@@ -5873,15 +6215,18 @@
         </p:nvCxnSpPr>
         <p:spPr>
           <a:xfrm rot="16200000" flipH="1">
-            <a:off x="2625401" y="1721392"/>
-            <a:ext cx="479631" cy="18822"/>
+            <a:off x="3393818" y="2217423"/>
+            <a:ext cx="617850" cy="24323"/>
           </a:xfrm>
           <a:prstGeom prst="bentConnector3">
             <a:avLst>
               <a:gd name="adj1" fmla="val 50000"/>
             </a:avLst>
           </a:prstGeom>
-          <a:ln>
+          <a:ln w="12700">
+            <a:solidFill>
+              <a:schemeClr val="tx1"/>
+            </a:solidFill>
             <a:tailEnd type="arrow"/>
           </a:ln>
         </p:spPr>
@@ -5908,12 +6253,18 @@
         </p:nvSpPr>
         <p:spPr>
           <a:xfrm>
-            <a:off x="6415832" y="2396680"/>
-            <a:ext cx="1656096" cy="720081"/>
+            <a:off x="8291228" y="3087354"/>
+            <a:ext cx="2140186" cy="927593"/>
           </a:xfrm>
           <a:prstGeom prst="flowChartDecision">
             <a:avLst/>
           </a:prstGeom>
+          <a:noFill/>
+          <a:ln w="12700">
+            <a:solidFill>
+              <a:schemeClr val="tx1"/>
+            </a:solidFill>
+          </a:ln>
         </p:spPr>
         <p:style>
           <a:lnRef idx="2">
@@ -5932,23 +6283,39 @@
           </a:fontRef>
         </p:style>
         <p:txBody>
-          <a:bodyPr lIns="91429" tIns="45714" rIns="91429" bIns="45714" rtlCol="0" anchor="ctr"/>
+          <a:bodyPr lIns="117987" tIns="58992" rIns="117987" bIns="58992" rtlCol="0" anchor="ctr"/>
           <a:lstStyle/>
           <a:p>
             <a:pPr algn="ctr"/>
             <a:r>
-              <a:rPr lang="es-AR" sz="800" dirty="0" smtClean="0"/>
+              <a:rPr lang="es-AR" sz="1100" dirty="0" smtClean="0">
+                <a:solidFill>
+                  <a:schemeClr val="tx1"/>
+                </a:solidFill>
+              </a:rPr>
               <a:t>¿Existe paciente para </a:t>
             </a:r>
             <a:r>
-              <a:rPr lang="es-AR" sz="800" dirty="0" err="1" smtClean="0"/>
+              <a:rPr lang="es-AR" sz="1100" dirty="0" err="1" smtClean="0">
+                <a:solidFill>
+                  <a:schemeClr val="tx1"/>
+                </a:solidFill>
+              </a:rPr>
               <a:t>reasingnar</a:t>
             </a:r>
             <a:r>
-              <a:rPr lang="es-AR" sz="800" dirty="0" smtClean="0"/>
+              <a:rPr lang="es-AR" sz="1100" dirty="0" smtClean="0">
+                <a:solidFill>
+                  <a:schemeClr val="tx1"/>
+                </a:solidFill>
+              </a:rPr>
               <a:t>?</a:t>
             </a:r>
-            <a:endParaRPr lang="es-AR" sz="800" dirty="0"/>
+            <a:endParaRPr lang="es-AR" sz="1100" dirty="0">
+              <a:solidFill>
+                <a:schemeClr val="tx1"/>
+              </a:solidFill>
+            </a:endParaRPr>
           </a:p>
         </p:txBody>
       </p:sp>
@@ -5960,12 +6327,18 @@
         </p:nvSpPr>
         <p:spPr>
           <a:xfrm>
-            <a:off x="1300309" y="2676129"/>
-            <a:ext cx="1420443" cy="531901"/>
+            <a:off x="1614455" y="3371841"/>
+            <a:ext cx="1901596" cy="760678"/>
           </a:xfrm>
           <a:prstGeom prst="flowChartDecision">
             <a:avLst/>
           </a:prstGeom>
+          <a:noFill/>
+          <a:ln w="12700">
+            <a:solidFill>
+              <a:schemeClr val="tx1"/>
+            </a:solidFill>
+          </a:ln>
         </p:spPr>
         <p:style>
           <a:lnRef idx="2">
@@ -5984,15 +6357,23 @@
           </a:fontRef>
         </p:style>
         <p:txBody>
-          <a:bodyPr lIns="91429" tIns="45714" rIns="91429" bIns="45714" rtlCol="0" anchor="ctr"/>
+          <a:bodyPr lIns="117987" tIns="58992" rIns="117987" bIns="58992" rtlCol="0" anchor="ctr"/>
           <a:lstStyle/>
           <a:p>
             <a:pPr algn="ctr"/>
             <a:r>
-              <a:rPr lang="es-AR" sz="800" dirty="0" smtClean="0"/>
+              <a:rPr lang="es-AR" sz="1100" dirty="0" smtClean="0">
+                <a:solidFill>
+                  <a:schemeClr val="tx1"/>
+                </a:solidFill>
+              </a:rPr>
               <a:t>¿Está registrado el paciente?</a:t>
             </a:r>
-            <a:endParaRPr lang="es-AR" sz="800" dirty="0"/>
+            <a:endParaRPr lang="es-AR" sz="1100" dirty="0">
+              <a:solidFill>
+                <a:schemeClr val="tx1"/>
+              </a:solidFill>
+            </a:endParaRPr>
           </a:p>
         </p:txBody>
       </p:sp>
@@ -6004,11 +6385,12 @@
         </p:nvGrpSpPr>
         <p:grpSpPr>
           <a:xfrm>
-            <a:off x="1931514" y="1970618"/>
-            <a:ext cx="357190" cy="705510"/>
+            <a:off x="2496111" y="2538509"/>
+            <a:ext cx="461599" cy="833332"/>
             <a:chOff x="1931514" y="1970618"/>
-            <a:chExt cx="357190" cy="705510"/>
-          </a:xfrm>
+            <a:chExt cx="357190" cy="646907"/>
+          </a:xfrm>
+          <a:noFill/>
         </p:grpSpPr>
         <p:cxnSp>
           <p:nvCxnSpPr>
@@ -6021,13 +6403,17 @@
           </p:nvCxnSpPr>
           <p:spPr>
             <a:xfrm rot="10800000" flipV="1">
-              <a:off x="2010531" y="2236569"/>
-              <a:ext cx="153874" cy="439559"/>
+              <a:off x="1985018" y="2236570"/>
+              <a:ext cx="179389" cy="380955"/>
             </a:xfrm>
             <a:prstGeom prst="bentConnector2">
               <a:avLst/>
             </a:prstGeom>
-            <a:ln>
+            <a:grpFill/>
+            <a:ln w="12700">
+              <a:solidFill>
+                <a:schemeClr val="tx1"/>
+              </a:solidFill>
               <a:tailEnd type="arrow"/>
             </a:ln>
           </p:spPr>
@@ -6055,12 +6441,15 @@
           <p:spPr>
             <a:xfrm>
               <a:off x="1931514" y="1970618"/>
-              <a:ext cx="357190" cy="261598"/>
+              <a:ext cx="357190" cy="238914"/>
             </a:xfrm>
             <a:prstGeom prst="rect">
               <a:avLst/>
             </a:prstGeom>
-            <a:noFill/>
+            <a:grpFill/>
+            <a:ln w="12700">
+              <a:noFill/>
+            </a:ln>
           </p:spPr>
           <p:txBody>
             <a:bodyPr wrap="square" lIns="91429" tIns="45714" rIns="91429" bIns="45714" rtlCol="0">
@@ -6069,7 +6458,7 @@
             <a:lstStyle/>
             <a:p>
               <a:r>
-                <a:rPr lang="es-AR" sz="1100" dirty="0" smtClean="0"/>
+                <a:rPr lang="es-AR" sz="1400" dirty="0" smtClean="0"/>
                 <a:t>SI</a:t>
               </a:r>
               <a:endParaRPr lang="es-AR" dirty="0"/>
@@ -6085,11 +6474,12 @@
         </p:nvGrpSpPr>
         <p:grpSpPr>
           <a:xfrm>
-            <a:off x="3584848" y="1970618"/>
-            <a:ext cx="3659032" cy="426062"/>
+            <a:off x="4632727" y="2538508"/>
+            <a:ext cx="4728595" cy="548844"/>
             <a:chOff x="436214" y="1818218"/>
             <a:chExt cx="3659032" cy="426062"/>
           </a:xfrm>
+          <a:noFill/>
         </p:grpSpPr>
         <p:cxnSp>
           <p:nvCxnSpPr>
@@ -6108,7 +6498,11 @@
             <a:prstGeom prst="bentConnector2">
               <a:avLst/>
             </a:prstGeom>
-            <a:ln>
+            <a:grpFill/>
+            <a:ln w="12700">
+              <a:solidFill>
+                <a:schemeClr val="tx1"/>
+              </a:solidFill>
               <a:tailEnd type="arrow"/>
             </a:ln>
           </p:spPr>
@@ -6136,12 +6530,15 @@
           <p:spPr>
             <a:xfrm>
               <a:off x="1544012" y="1818218"/>
-              <a:ext cx="366242" cy="261598"/>
+              <a:ext cx="366242" cy="238914"/>
             </a:xfrm>
             <a:prstGeom prst="rect">
               <a:avLst/>
             </a:prstGeom>
-            <a:noFill/>
+            <a:grpFill/>
+            <a:ln w="12700">
+              <a:noFill/>
+            </a:ln>
           </p:spPr>
           <p:txBody>
             <a:bodyPr wrap="square" lIns="91429" tIns="45714" rIns="91429" bIns="45714" rtlCol="0">
@@ -6150,7 +6547,7 @@
             <a:lstStyle/>
             <a:p>
               <a:r>
-                <a:rPr lang="es-AR" sz="1100" dirty="0" smtClean="0"/>
+                <a:rPr lang="es-AR" sz="1400" dirty="0" smtClean="0"/>
                 <a:t>NO</a:t>
               </a:r>
               <a:endParaRPr lang="es-AR" dirty="0"/>
@@ -6166,12 +6563,18 @@
         </p:nvSpPr>
         <p:spPr>
           <a:xfrm>
-            <a:off x="7958486" y="3549510"/>
-            <a:ext cx="882022" cy="428628"/>
+            <a:off x="10284813" y="4572404"/>
+            <a:ext cx="1139844" cy="552150"/>
           </a:xfrm>
           <a:prstGeom prst="flowChartProcess">
             <a:avLst/>
           </a:prstGeom>
+          <a:noFill/>
+          <a:ln w="12700">
+            <a:solidFill>
+              <a:schemeClr val="tx1"/>
+            </a:solidFill>
+          </a:ln>
         </p:spPr>
         <p:style>
           <a:lnRef idx="2">
@@ -6190,12 +6593,16 @@
           </a:fontRef>
         </p:style>
         <p:txBody>
-          <a:bodyPr lIns="91423" tIns="45711" rIns="91423" bIns="45711" rtlCol="0" anchor="ctr"/>
+          <a:bodyPr lIns="117979" tIns="58989" rIns="117979" bIns="58989" rtlCol="0" anchor="ctr"/>
           <a:lstStyle/>
           <a:p>
             <a:pPr algn="ctr"/>
             <a:r>
-              <a:rPr lang="es-AR" sz="800" dirty="0" smtClean="0"/>
+              <a:rPr lang="es-AR" sz="1100" dirty="0" smtClean="0">
+                <a:solidFill>
+                  <a:schemeClr val="tx1"/>
+                </a:solidFill>
+              </a:rPr>
               <a:t>No  puede realizar practica</a:t>
             </a:r>
           </a:p>
@@ -6209,11 +6616,12 @@
         </p:nvGrpSpPr>
         <p:grpSpPr>
           <a:xfrm>
-            <a:off x="7958486" y="2526671"/>
-            <a:ext cx="441011" cy="1022839"/>
+            <a:off x="10284814" y="3254806"/>
+            <a:ext cx="569921" cy="1317600"/>
             <a:chOff x="4657452" y="2221871"/>
             <a:chExt cx="441011" cy="1022839"/>
           </a:xfrm>
+          <a:noFill/>
         </p:grpSpPr>
         <p:cxnSp>
           <p:nvCxnSpPr>
@@ -6232,7 +6640,11 @@
             <a:prstGeom prst="bentConnector2">
               <a:avLst/>
             </a:prstGeom>
-            <a:ln>
+            <a:grpFill/>
+            <a:ln w="12700">
+              <a:solidFill>
+                <a:schemeClr val="tx1"/>
+              </a:solidFill>
               <a:tailEnd type="arrow"/>
             </a:ln>
           </p:spPr>
@@ -6260,12 +6672,15 @@
           <p:spPr>
             <a:xfrm>
               <a:off x="4657452" y="2221871"/>
-              <a:ext cx="366242" cy="261598"/>
+              <a:ext cx="366242" cy="238914"/>
             </a:xfrm>
             <a:prstGeom prst="rect">
               <a:avLst/>
             </a:prstGeom>
-            <a:noFill/>
+            <a:grpFill/>
+            <a:ln w="12700">
+              <a:noFill/>
+            </a:ln>
           </p:spPr>
           <p:txBody>
             <a:bodyPr wrap="square" lIns="91429" tIns="45714" rIns="91429" bIns="45714" rtlCol="0">
@@ -6274,7 +6689,7 @@
             <a:lstStyle/>
             <a:p>
               <a:r>
-                <a:rPr lang="es-AR" sz="1100" dirty="0" smtClean="0"/>
+                <a:rPr lang="es-AR" sz="1400" dirty="0" smtClean="0"/>
                 <a:t>NO</a:t>
               </a:r>
               <a:endParaRPr lang="es-AR" dirty="0"/>
@@ -6293,13 +6708,16 @@
         </p:nvCxnSpPr>
         <p:spPr>
           <a:xfrm rot="5400000">
-            <a:off x="6090330" y="4030101"/>
-            <a:ext cx="2361131" cy="2257205"/>
+            <a:off x="7875455" y="5186832"/>
+            <a:ext cx="3041559" cy="2917003"/>
           </a:xfrm>
           <a:prstGeom prst="bentConnector2">
             <a:avLst/>
           </a:prstGeom>
-          <a:ln>
+          <a:ln w="12700">
+            <a:solidFill>
+              <a:schemeClr val="tx1"/>
+            </a:solidFill>
             <a:tailEnd type="arrow"/>
           </a:ln>
         </p:spPr>
@@ -6326,11 +6744,12 @@
         </p:nvGrpSpPr>
         <p:grpSpPr>
           <a:xfrm>
-            <a:off x="954369" y="2718544"/>
-            <a:ext cx="398231" cy="565016"/>
+            <a:off x="1233339" y="3501970"/>
+            <a:ext cx="514637" cy="727843"/>
             <a:chOff x="2096640" y="1826602"/>
-            <a:chExt cx="398231" cy="565016"/>
-          </a:xfrm>
+            <a:chExt cx="398231" cy="565017"/>
+          </a:xfrm>
+          <a:noFill/>
         </p:grpSpPr>
         <p:cxnSp>
           <p:nvCxnSpPr>
@@ -6343,13 +6762,17 @@
           </p:nvCxnSpPr>
           <p:spPr>
             <a:xfrm rot="10800000" flipV="1">
-              <a:off x="2096640" y="2050138"/>
-              <a:ext cx="345941" cy="341480"/>
+              <a:off x="2096640" y="2020837"/>
+              <a:ext cx="294912" cy="370782"/>
             </a:xfrm>
             <a:prstGeom prst="bentConnector2">
               <a:avLst/>
             </a:prstGeom>
-            <a:ln>
+            <a:grpFill/>
+            <a:ln w="12700">
+              <a:solidFill>
+                <a:schemeClr val="tx1"/>
+              </a:solidFill>
               <a:tailEnd type="arrow"/>
             </a:ln>
           </p:spPr>
@@ -6377,12 +6800,15 @@
           <p:spPr>
             <a:xfrm>
               <a:off x="2137681" y="1826602"/>
-              <a:ext cx="357190" cy="261598"/>
+              <a:ext cx="357190" cy="238914"/>
             </a:xfrm>
             <a:prstGeom prst="rect">
               <a:avLst/>
             </a:prstGeom>
-            <a:noFill/>
+            <a:grpFill/>
+            <a:ln w="12700">
+              <a:noFill/>
+            </a:ln>
           </p:spPr>
           <p:txBody>
             <a:bodyPr wrap="square" lIns="91429" tIns="45714" rIns="91429" bIns="45714" rtlCol="0">
@@ -6391,7 +6817,7 @@
             <a:lstStyle/>
             <a:p>
               <a:r>
-                <a:rPr lang="es-AR" sz="1100" dirty="0" smtClean="0"/>
+                <a:rPr lang="es-AR" sz="1400" dirty="0" smtClean="0"/>
                 <a:t>SI</a:t>
               </a:r>
               <a:endParaRPr lang="es-AR" dirty="0"/>
@@ -6409,12 +6835,18 @@
         </p:nvSpPr>
         <p:spPr>
           <a:xfrm>
-            <a:off x="418287" y="4606917"/>
-            <a:ext cx="882022" cy="428628"/>
+            <a:off x="540556" y="5934532"/>
+            <a:ext cx="1139844" cy="552150"/>
           </a:xfrm>
           <a:prstGeom prst="flowChartProcess">
             <a:avLst/>
           </a:prstGeom>
+          <a:noFill/>
+          <a:ln w="12700">
+            <a:solidFill>
+              <a:schemeClr val="tx1"/>
+            </a:solidFill>
+          </a:ln>
         </p:spPr>
         <p:style>
           <a:lnRef idx="2">
@@ -6433,12 +6865,16 @@
           </a:fontRef>
         </p:style>
         <p:txBody>
-          <a:bodyPr lIns="91423" tIns="45711" rIns="91423" bIns="45711" rtlCol="0" anchor="ctr"/>
+          <a:bodyPr lIns="117979" tIns="58989" rIns="117979" bIns="58989" rtlCol="0" anchor="ctr"/>
           <a:lstStyle/>
           <a:p>
             <a:pPr algn="ctr"/>
             <a:r>
-              <a:rPr lang="es-AR" sz="800" dirty="0" smtClean="0"/>
+              <a:rPr lang="es-AR" sz="1100" dirty="0" smtClean="0">
+                <a:solidFill>
+                  <a:schemeClr val="tx1"/>
+                </a:solidFill>
+              </a:rPr>
               <a:t>Autorización de la práctica</a:t>
             </a:r>
           </a:p>
@@ -6452,12 +6888,18 @@
         </p:nvSpPr>
         <p:spPr>
           <a:xfrm>
-            <a:off x="244146" y="3283560"/>
-            <a:ext cx="1420443" cy="531901"/>
+            <a:off x="315513" y="4229814"/>
+            <a:ext cx="1835649" cy="685183"/>
           </a:xfrm>
           <a:prstGeom prst="flowChartDecision">
             <a:avLst/>
           </a:prstGeom>
+          <a:noFill/>
+          <a:ln w="12700">
+            <a:solidFill>
+              <a:schemeClr val="tx1"/>
+            </a:solidFill>
+          </a:ln>
         </p:spPr>
         <p:style>
           <a:lnRef idx="2">
@@ -6476,15 +6918,23 @@
           </a:fontRef>
         </p:style>
         <p:txBody>
-          <a:bodyPr lIns="91429" tIns="45714" rIns="91429" bIns="45714" rtlCol="0" anchor="ctr"/>
+          <a:bodyPr lIns="117987" tIns="58992" rIns="117987" bIns="58992" rtlCol="0" anchor="ctr"/>
           <a:lstStyle/>
           <a:p>
             <a:pPr algn="ctr"/>
             <a:r>
-              <a:rPr lang="es-AR" sz="800" dirty="0" smtClean="0"/>
+              <a:rPr lang="es-AR" sz="1100" dirty="0" smtClean="0">
+                <a:solidFill>
+                  <a:schemeClr val="tx1"/>
+                </a:solidFill>
+              </a:rPr>
               <a:t>¿Está asignado el paciente?</a:t>
             </a:r>
-            <a:endParaRPr lang="es-AR" sz="800" dirty="0"/>
+            <a:endParaRPr lang="es-AR" sz="1100" dirty="0">
+              <a:solidFill>
+                <a:schemeClr val="tx1"/>
+              </a:solidFill>
+            </a:endParaRPr>
           </a:p>
         </p:txBody>
       </p:sp>
@@ -6496,11 +6946,12 @@
         </p:nvGrpSpPr>
         <p:grpSpPr>
           <a:xfrm>
-            <a:off x="336726" y="3815462"/>
-            <a:ext cx="617642" cy="1005770"/>
+            <a:off x="435154" y="4914997"/>
+            <a:ext cx="798183" cy="1295612"/>
             <a:chOff x="1901188" y="1699384"/>
             <a:chExt cx="617642" cy="1005770"/>
           </a:xfrm>
+          <a:noFill/>
         </p:grpSpPr>
         <p:cxnSp>
           <p:nvCxnSpPr>
@@ -6522,7 +6973,11 @@
                 <a:gd name="adj2" fmla="val 142643"/>
               </a:avLst>
             </a:prstGeom>
-            <a:ln>
+            <a:grpFill/>
+            <a:ln w="12700">
+              <a:solidFill>
+                <a:schemeClr val="tx1"/>
+              </a:solidFill>
               <a:tailEnd type="arrow"/>
             </a:ln>
           </p:spPr>
@@ -6550,12 +7005,15 @@
           <p:spPr>
             <a:xfrm>
               <a:off x="1901188" y="1856667"/>
-              <a:ext cx="357190" cy="261598"/>
+              <a:ext cx="357190" cy="238914"/>
             </a:xfrm>
             <a:prstGeom prst="rect">
               <a:avLst/>
             </a:prstGeom>
-            <a:noFill/>
+            <a:grpFill/>
+            <a:ln w="12700">
+              <a:noFill/>
+            </a:ln>
           </p:spPr>
           <p:txBody>
             <a:bodyPr wrap="square" lIns="91429" tIns="45714" rIns="91429" bIns="45714" rtlCol="0">
@@ -6564,7 +7022,7 @@
             <a:lstStyle/>
             <a:p>
               <a:r>
-                <a:rPr lang="es-AR" sz="1100" dirty="0" smtClean="0"/>
+                <a:rPr lang="es-AR" sz="1400" dirty="0" smtClean="0"/>
                 <a:t>SI</a:t>
               </a:r>
               <a:endParaRPr lang="es-AR" dirty="0"/>
@@ -6580,12 +7038,18 @@
         </p:nvSpPr>
         <p:spPr>
           <a:xfrm>
-            <a:off x="573219" y="5323628"/>
-            <a:ext cx="1420443" cy="531901"/>
+            <a:off x="740777" y="6857787"/>
+            <a:ext cx="1835649" cy="685183"/>
           </a:xfrm>
           <a:prstGeom prst="flowChartDecision">
             <a:avLst/>
           </a:prstGeom>
+          <a:noFill/>
+          <a:ln w="12700">
+            <a:solidFill>
+              <a:schemeClr val="tx1"/>
+            </a:solidFill>
+          </a:ln>
         </p:spPr>
         <p:style>
           <a:lnRef idx="2">
@@ -6604,15 +7068,23 @@
           </a:fontRef>
         </p:style>
         <p:txBody>
-          <a:bodyPr lIns="91429" tIns="45714" rIns="91429" bIns="45714" rtlCol="0" anchor="ctr"/>
+          <a:bodyPr lIns="117987" tIns="58992" rIns="117987" bIns="58992" rtlCol="0" anchor="ctr"/>
           <a:lstStyle/>
           <a:p>
             <a:pPr algn="ctr"/>
             <a:r>
-              <a:rPr lang="es-AR" sz="800" dirty="0" smtClean="0"/>
+              <a:rPr lang="es-AR" sz="1100" dirty="0" smtClean="0">
+                <a:solidFill>
+                  <a:schemeClr val="tx1"/>
+                </a:solidFill>
+              </a:rPr>
               <a:t>¿Práctica autorizada?</a:t>
             </a:r>
-            <a:endParaRPr lang="es-AR" sz="800" dirty="0"/>
+            <a:endParaRPr lang="es-AR" sz="1100" dirty="0">
+              <a:solidFill>
+                <a:schemeClr val="tx1"/>
+              </a:solidFill>
+            </a:endParaRPr>
           </a:p>
         </p:txBody>
       </p:sp>
@@ -6627,15 +7099,18 @@
         </p:nvCxnSpPr>
         <p:spPr>
           <a:xfrm rot="16200000" flipH="1">
-            <a:off x="927328" y="4967514"/>
-            <a:ext cx="288083" cy="424143"/>
+            <a:off x="1198988" y="6398172"/>
+            <a:ext cx="371102" cy="548124"/>
           </a:xfrm>
           <a:prstGeom prst="bentConnector3">
             <a:avLst>
               <a:gd name="adj1" fmla="val 50000"/>
             </a:avLst>
           </a:prstGeom>
-          <a:ln>
+          <a:ln w="12700">
+            <a:solidFill>
+              <a:schemeClr val="tx1"/>
+            </a:solidFill>
             <a:tailEnd type="arrow"/>
           </a:ln>
         </p:spPr>
@@ -6662,11 +7137,12 @@
         </p:nvGrpSpPr>
         <p:grpSpPr>
           <a:xfrm>
-            <a:off x="923402" y="5855528"/>
-            <a:ext cx="360040" cy="607431"/>
+            <a:off x="1193320" y="7542968"/>
+            <a:ext cx="465282" cy="782480"/>
             <a:chOff x="2137681" y="1679063"/>
             <a:chExt cx="360040" cy="607431"/>
           </a:xfrm>
+          <a:noFill/>
         </p:grpSpPr>
         <p:cxnSp>
           <p:nvCxnSpPr>
@@ -6687,7 +7163,11 @@
                 <a:gd name="adj1" fmla="val 50000"/>
               </a:avLst>
             </a:prstGeom>
-            <a:ln>
+            <a:grpFill/>
+            <a:ln w="12700">
+              <a:solidFill>
+                <a:schemeClr val="tx1"/>
+              </a:solidFill>
               <a:tailEnd type="arrow"/>
             </a:ln>
           </p:spPr>
@@ -6715,12 +7195,15 @@
           <p:spPr>
             <a:xfrm>
               <a:off x="2137681" y="1826602"/>
-              <a:ext cx="357190" cy="261598"/>
+              <a:ext cx="357190" cy="238914"/>
             </a:xfrm>
             <a:prstGeom prst="rect">
               <a:avLst/>
             </a:prstGeom>
-            <a:noFill/>
+            <a:grpFill/>
+            <a:ln w="12700">
+              <a:noFill/>
+            </a:ln>
           </p:spPr>
           <p:txBody>
             <a:bodyPr wrap="square" lIns="91429" tIns="45714" rIns="91429" bIns="45714" rtlCol="0">
@@ -6729,7 +7212,7 @@
             <a:lstStyle/>
             <a:p>
               <a:r>
-                <a:rPr lang="es-AR" sz="1100" dirty="0" smtClean="0"/>
+                <a:rPr lang="es-AR" sz="1400" dirty="0" smtClean="0"/>
                 <a:t>SI</a:t>
               </a:r>
               <a:endParaRPr lang="es-AR" dirty="0"/>
@@ -6745,12 +7228,18 @@
         </p:nvSpPr>
         <p:spPr>
           <a:xfrm>
-            <a:off x="776536" y="6462960"/>
-            <a:ext cx="882022" cy="428628"/>
+            <a:off x="1003524" y="8325448"/>
+            <a:ext cx="1139844" cy="552150"/>
           </a:xfrm>
           <a:prstGeom prst="flowChartProcess">
             <a:avLst/>
           </a:prstGeom>
+          <a:noFill/>
+          <a:ln w="12700">
+            <a:solidFill>
+              <a:schemeClr val="tx1"/>
+            </a:solidFill>
+          </a:ln>
         </p:spPr>
         <p:style>
           <a:lnRef idx="2">
@@ -6769,12 +7258,16 @@
           </a:fontRef>
         </p:style>
         <p:txBody>
-          <a:bodyPr lIns="91423" tIns="45711" rIns="91423" bIns="45711" rtlCol="0" anchor="ctr"/>
+          <a:bodyPr lIns="117979" tIns="58989" rIns="117979" bIns="58989" rtlCol="0" anchor="ctr"/>
           <a:lstStyle/>
           <a:p>
             <a:pPr algn="ctr"/>
             <a:r>
-              <a:rPr lang="es-AR" sz="800" dirty="0" smtClean="0"/>
+              <a:rPr lang="es-AR" sz="1100" dirty="0" smtClean="0">
+                <a:solidFill>
+                  <a:schemeClr val="tx1"/>
+                </a:solidFill>
+              </a:rPr>
               <a:t>Autorización de la práctica</a:t>
             </a:r>
           </a:p>
@@ -6788,12 +7281,18 @@
         </p:nvSpPr>
         <p:spPr>
           <a:xfrm>
-            <a:off x="2198770" y="6462960"/>
-            <a:ext cx="882022" cy="428628"/>
+            <a:off x="2841488" y="8325448"/>
+            <a:ext cx="1139844" cy="552150"/>
           </a:xfrm>
           <a:prstGeom prst="flowChartProcess">
             <a:avLst/>
           </a:prstGeom>
+          <a:noFill/>
+          <a:ln w="12700">
+            <a:solidFill>
+              <a:schemeClr val="tx1"/>
+            </a:solidFill>
+          </a:ln>
         </p:spPr>
         <p:style>
           <a:lnRef idx="2">
@@ -6812,12 +7311,16 @@
           </a:fontRef>
         </p:style>
         <p:txBody>
-          <a:bodyPr lIns="91423" tIns="45711" rIns="91423" bIns="45711" rtlCol="0" anchor="ctr"/>
+          <a:bodyPr lIns="117979" tIns="58989" rIns="117979" bIns="58989" rtlCol="0" anchor="ctr"/>
           <a:lstStyle/>
           <a:p>
             <a:pPr algn="ctr"/>
             <a:r>
-              <a:rPr lang="es-AR" sz="800" dirty="0" smtClean="0"/>
+              <a:rPr lang="es-AR" sz="1100" dirty="0" smtClean="0">
+                <a:solidFill>
+                  <a:schemeClr val="tx1"/>
+                </a:solidFill>
+              </a:rPr>
               <a:t>Actualizar HC</a:t>
             </a:r>
           </a:p>
@@ -6834,15 +7337,18 @@
         </p:nvCxnSpPr>
         <p:spPr>
           <a:xfrm>
-            <a:off x="1658558" y="6677274"/>
-            <a:ext cx="540212" cy="12700"/>
+            <a:off x="2143368" y="8601523"/>
+            <a:ext cx="698120" cy="16360"/>
           </a:xfrm>
           <a:prstGeom prst="bentConnector3">
             <a:avLst>
               <a:gd name="adj1" fmla="val 50000"/>
             </a:avLst>
           </a:prstGeom>
-          <a:ln>
+          <a:ln w="12700">
+            <a:solidFill>
+              <a:schemeClr val="tx1"/>
+            </a:solidFill>
             <a:tailEnd type="arrow"/>
           </a:ln>
         </p:spPr>
@@ -6869,12 +7375,18 @@
         </p:nvSpPr>
         <p:spPr>
           <a:xfrm>
-            <a:off x="3705255" y="6451551"/>
-            <a:ext cx="914400" cy="612648"/>
+            <a:off x="4788330" y="8310751"/>
+            <a:ext cx="1181686" cy="789201"/>
           </a:xfrm>
           <a:prstGeom prst="flowChartDocument">
             <a:avLst/>
           </a:prstGeom>
+          <a:noFill/>
+          <a:ln w="12700">
+            <a:solidFill>
+              <a:schemeClr val="tx1"/>
+            </a:solidFill>
+          </a:ln>
         </p:spPr>
         <p:style>
           <a:lnRef idx="2">
@@ -6893,12 +7405,16 @@
           </a:fontRef>
         </p:style>
         <p:txBody>
-          <a:bodyPr lIns="91423" tIns="45711" rIns="91423" bIns="45711" rtlCol="0" anchor="ctr"/>
+          <a:bodyPr lIns="117979" tIns="58989" rIns="117979" bIns="58989" rtlCol="0" anchor="ctr"/>
           <a:lstStyle/>
           <a:p>
             <a:pPr algn="ctr"/>
             <a:r>
-              <a:rPr lang="es-AR" sz="800" dirty="0"/>
+              <a:rPr lang="es-AR" sz="1100" dirty="0">
+                <a:solidFill>
+                  <a:schemeClr val="tx1"/>
+                </a:solidFill>
+              </a:rPr>
               <a:t>HC Actualizada</a:t>
             </a:r>
           </a:p>
@@ -6915,15 +7431,18 @@
         </p:nvCxnSpPr>
         <p:spPr>
           <a:xfrm>
-            <a:off x="3080792" y="6677274"/>
-            <a:ext cx="624463" cy="80601"/>
+            <a:off x="3981332" y="8601525"/>
+            <a:ext cx="806998" cy="103828"/>
           </a:xfrm>
           <a:prstGeom prst="bentConnector3">
             <a:avLst>
               <a:gd name="adj1" fmla="val 50000"/>
             </a:avLst>
           </a:prstGeom>
-          <a:ln>
+          <a:ln w="12700">
+            <a:solidFill>
+              <a:schemeClr val="tx1"/>
+            </a:solidFill>
             <a:tailEnd type="arrow"/>
           </a:ln>
         </p:spPr>
@@ -6953,15 +7472,18 @@
         </p:nvCxnSpPr>
         <p:spPr>
           <a:xfrm flipV="1">
-            <a:off x="4619655" y="6339269"/>
-            <a:ext cx="1047726" cy="418606"/>
+            <a:off x="5970016" y="8166113"/>
+            <a:ext cx="1353985" cy="539239"/>
           </a:xfrm>
           <a:prstGeom prst="bentConnector3">
             <a:avLst>
               <a:gd name="adj1" fmla="val 50000"/>
             </a:avLst>
           </a:prstGeom>
-          <a:ln>
+          <a:ln w="12700">
+            <a:solidFill>
+              <a:schemeClr val="tx1"/>
+            </a:solidFill>
             <a:tailEnd type="arrow"/>
           </a:ln>
         </p:spPr>
@@ -6988,12 +7510,18 @@
         </p:nvSpPr>
         <p:spPr>
           <a:xfrm>
-            <a:off x="3326899" y="2720878"/>
-            <a:ext cx="882022" cy="428628"/>
+            <a:off x="4299378" y="3504977"/>
+            <a:ext cx="1139844" cy="552150"/>
           </a:xfrm>
           <a:prstGeom prst="flowChartProcess">
             <a:avLst/>
           </a:prstGeom>
+          <a:noFill/>
+          <a:ln w="12700">
+            <a:solidFill>
+              <a:schemeClr val="tx1"/>
+            </a:solidFill>
+          </a:ln>
         </p:spPr>
         <p:style>
           <a:lnRef idx="2">
@@ -7012,12 +7540,16 @@
           </a:fontRef>
         </p:style>
         <p:txBody>
-          <a:bodyPr lIns="91423" tIns="45711" rIns="91423" bIns="45711" rtlCol="0" anchor="ctr"/>
+          <a:bodyPr lIns="117979" tIns="58989" rIns="117979" bIns="58989" rtlCol="0" anchor="ctr"/>
           <a:lstStyle/>
           <a:p>
             <a:pPr algn="ctr"/>
             <a:r>
-              <a:rPr lang="es-AR" sz="800" dirty="0" smtClean="0"/>
+              <a:rPr lang="es-AR" sz="1100" dirty="0" smtClean="0">
+                <a:solidFill>
+                  <a:schemeClr val="tx1"/>
+                </a:solidFill>
+              </a:rPr>
               <a:t>Proceso de Registro de Paciente</a:t>
             </a:r>
           </a:p>
@@ -7031,11 +7563,12 @@
         </p:nvGrpSpPr>
         <p:grpSpPr>
           <a:xfrm>
-            <a:off x="2720752" y="2690698"/>
-            <a:ext cx="606147" cy="261598"/>
-            <a:chOff x="-580282" y="2385898"/>
-            <a:chExt cx="606147" cy="261598"/>
-          </a:xfrm>
+            <a:off x="3516051" y="3466100"/>
+            <a:ext cx="783327" cy="314952"/>
+            <a:chOff x="-580281" y="2385898"/>
+            <a:chExt cx="606146" cy="244494"/>
+          </a:xfrm>
+          <a:noFill/>
         </p:grpSpPr>
         <p:cxnSp>
           <p:nvCxnSpPr>
@@ -7047,16 +7580,20 @@
             <p:nvPr/>
           </p:nvCxnSpPr>
           <p:spPr>
-            <a:xfrm flipV="1">
-              <a:off x="-580282" y="2630392"/>
-              <a:ext cx="606147" cy="6888"/>
+            <a:xfrm>
+              <a:off x="-580281" y="2607979"/>
+              <a:ext cx="606146" cy="22413"/>
             </a:xfrm>
             <a:prstGeom prst="bentConnector3">
               <a:avLst>
                 <a:gd name="adj1" fmla="val 50000"/>
               </a:avLst>
             </a:prstGeom>
-            <a:ln>
+            <a:grpFill/>
+            <a:ln w="12700">
+              <a:solidFill>
+                <a:schemeClr val="tx1"/>
+              </a:solidFill>
               <a:tailEnd type="arrow"/>
             </a:ln>
           </p:spPr>
@@ -7084,12 +7621,15 @@
           <p:spPr>
             <a:xfrm>
               <a:off x="-486460" y="2385898"/>
-              <a:ext cx="366242" cy="261598"/>
+              <a:ext cx="366242" cy="238914"/>
             </a:xfrm>
             <a:prstGeom prst="rect">
               <a:avLst/>
             </a:prstGeom>
-            <a:noFill/>
+            <a:grpFill/>
+            <a:ln w="12700">
+              <a:noFill/>
+            </a:ln>
           </p:spPr>
           <p:txBody>
             <a:bodyPr wrap="square" lIns="91429" tIns="45714" rIns="91429" bIns="45714" rtlCol="0">
@@ -7098,7 +7638,7 @@
             <a:lstStyle/>
             <a:p>
               <a:r>
-                <a:rPr lang="es-AR" sz="1100" dirty="0" smtClean="0"/>
+                <a:rPr lang="es-AR" sz="1400" dirty="0" smtClean="0"/>
                 <a:t>NO</a:t>
               </a:r>
               <a:endParaRPr lang="es-AR" dirty="0"/>
@@ -7114,12 +7654,18 @@
         </p:nvSpPr>
         <p:spPr>
           <a:xfrm>
-            <a:off x="4687488" y="4643674"/>
-            <a:ext cx="1436375" cy="588590"/>
+            <a:off x="6057678" y="5981884"/>
+            <a:ext cx="1856238" cy="758209"/>
           </a:xfrm>
           <a:prstGeom prst="flowChartDecision">
             <a:avLst/>
           </a:prstGeom>
+          <a:noFill/>
+          <a:ln w="12700">
+            <a:solidFill>
+              <a:schemeClr val="tx1"/>
+            </a:solidFill>
+          </a:ln>
         </p:spPr>
         <p:style>
           <a:lnRef idx="2">
@@ -7138,15 +7684,23 @@
           </a:fontRef>
         </p:style>
         <p:txBody>
-          <a:bodyPr lIns="91429" tIns="45714" rIns="91429" bIns="45714" rtlCol="0" anchor="ctr"/>
+          <a:bodyPr lIns="117987" tIns="58992" rIns="117987" bIns="58992" rtlCol="0" anchor="ctr"/>
           <a:lstStyle/>
           <a:p>
             <a:pPr algn="ctr"/>
             <a:r>
-              <a:rPr lang="es-AR" sz="800" dirty="0" smtClean="0"/>
+              <a:rPr lang="es-AR" sz="1100" dirty="0" smtClean="0">
+                <a:solidFill>
+                  <a:schemeClr val="tx1"/>
+                </a:solidFill>
+              </a:rPr>
               <a:t>¿Se registró y se asigno?</a:t>
             </a:r>
-            <a:endParaRPr lang="es-AR" sz="800" dirty="0"/>
+            <a:endParaRPr lang="es-AR" sz="1100" dirty="0">
+              <a:solidFill>
+                <a:schemeClr val="tx1"/>
+              </a:solidFill>
+            </a:endParaRPr>
           </a:p>
         </p:txBody>
       </p:sp>
@@ -7161,13 +7715,16 @@
         </p:nvCxnSpPr>
         <p:spPr>
           <a:xfrm>
-            <a:off x="4208921" y="2935192"/>
-            <a:ext cx="1196755" cy="1708482"/>
+            <a:off x="5439221" y="3781053"/>
+            <a:ext cx="1546576" cy="2200830"/>
           </a:xfrm>
           <a:prstGeom prst="bentConnector2">
             <a:avLst/>
           </a:prstGeom>
-          <a:ln>
+          <a:ln w="12700">
+            <a:solidFill>
+              <a:schemeClr val="tx1"/>
+            </a:solidFill>
             <a:tailEnd type="arrow"/>
           </a:ln>
         </p:spPr>
@@ -7194,11 +7751,12 @@
         </p:nvGrpSpPr>
         <p:grpSpPr>
           <a:xfrm>
-            <a:off x="3296816" y="1276674"/>
-            <a:ext cx="3119016" cy="3665910"/>
+            <a:off x="4260501" y="1644585"/>
+            <a:ext cx="4030729" cy="4716403"/>
             <a:chOff x="-4218" y="-1469101"/>
-            <a:chExt cx="3119016" cy="3665910"/>
-          </a:xfrm>
+            <a:chExt cx="3119016" cy="3661295"/>
+          </a:xfrm>
+          <a:noFill/>
         </p:grpSpPr>
         <p:cxnSp>
           <p:nvCxnSpPr>
@@ -7219,7 +7777,11 @@
                 <a:gd name="adj1" fmla="val -8086"/>
               </a:avLst>
             </a:prstGeom>
-            <a:ln>
+            <a:grpFill/>
+            <a:ln w="12700">
+              <a:solidFill>
+                <a:schemeClr val="tx1"/>
+              </a:solidFill>
               <a:tailEnd type="arrow"/>
             </a:ln>
           </p:spPr>
@@ -7247,12 +7809,15 @@
           <p:spPr>
             <a:xfrm>
               <a:off x="2748556" y="1935211"/>
-              <a:ext cx="366242" cy="261598"/>
+              <a:ext cx="366242" cy="238914"/>
             </a:xfrm>
             <a:prstGeom prst="rect">
               <a:avLst/>
             </a:prstGeom>
-            <a:noFill/>
+            <a:grpFill/>
+            <a:ln w="12700">
+              <a:noFill/>
+            </a:ln>
           </p:spPr>
           <p:txBody>
             <a:bodyPr wrap="square" lIns="91429" tIns="45714" rIns="91429" bIns="45714" rtlCol="0">
@@ -7261,7 +7826,7 @@
             <a:lstStyle/>
             <a:p>
               <a:r>
-                <a:rPr lang="es-AR" sz="1100" dirty="0" smtClean="0"/>
+                <a:rPr lang="es-AR" sz="1400" dirty="0" smtClean="0"/>
                 <a:t>NO</a:t>
               </a:r>
               <a:endParaRPr lang="es-AR" dirty="0"/>
@@ -7277,11 +7842,12 @@
         </p:nvGrpSpPr>
         <p:grpSpPr>
           <a:xfrm>
-            <a:off x="1300310" y="4720329"/>
-            <a:ext cx="3478500" cy="261598"/>
+            <a:off x="1680401" y="6080629"/>
+            <a:ext cx="4495292" cy="307764"/>
             <a:chOff x="-859930" y="3453777"/>
-            <a:chExt cx="3478500" cy="261598"/>
-          </a:xfrm>
+            <a:chExt cx="3478500" cy="238914"/>
+          </a:xfrm>
+          <a:noFill/>
         </p:grpSpPr>
         <p:cxnSp>
           <p:nvCxnSpPr>
@@ -7302,7 +7868,11 @@
                 <a:gd name="adj1" fmla="val 50000"/>
               </a:avLst>
             </a:prstGeom>
-            <a:ln>
+            <a:grpFill/>
+            <a:ln w="12700">
+              <a:solidFill>
+                <a:schemeClr val="tx1"/>
+              </a:solidFill>
               <a:tailEnd type="arrow"/>
             </a:ln>
           </p:spPr>
@@ -7330,12 +7900,15 @@
           <p:spPr>
             <a:xfrm>
               <a:off x="2261380" y="3453777"/>
-              <a:ext cx="357190" cy="261598"/>
+              <a:ext cx="357190" cy="238914"/>
             </a:xfrm>
             <a:prstGeom prst="rect">
               <a:avLst/>
             </a:prstGeom>
-            <a:noFill/>
+            <a:grpFill/>
+            <a:ln w="12700">
+              <a:noFill/>
+            </a:ln>
           </p:spPr>
           <p:txBody>
             <a:bodyPr wrap="square" lIns="91429" tIns="45714" rIns="91429" bIns="45714" rtlCol="0">
@@ -7344,7 +7917,7 @@
             <a:lstStyle/>
             <a:p>
               <a:r>
-                <a:rPr lang="es-AR" sz="1100" dirty="0" smtClean="0"/>
+                <a:rPr lang="es-AR" sz="1400" dirty="0" smtClean="0"/>
                 <a:t>SI</a:t>
               </a:r>
               <a:endParaRPr lang="es-AR" dirty="0"/>
@@ -7360,12 +7933,18 @@
         </p:nvSpPr>
         <p:spPr>
           <a:xfrm>
-            <a:off x="2054754" y="3798664"/>
-            <a:ext cx="882022" cy="428628"/>
+            <a:off x="2655375" y="4893358"/>
+            <a:ext cx="1139844" cy="552150"/>
           </a:xfrm>
           <a:prstGeom prst="flowChartProcess">
             <a:avLst/>
           </a:prstGeom>
+          <a:noFill/>
+          <a:ln w="12700">
+            <a:solidFill>
+              <a:schemeClr val="tx1"/>
+            </a:solidFill>
+          </a:ln>
         </p:spPr>
         <p:style>
           <a:lnRef idx="2">
@@ -7384,12 +7963,16 @@
           </a:fontRef>
         </p:style>
         <p:txBody>
-          <a:bodyPr lIns="91423" tIns="45711" rIns="91423" bIns="45711" rtlCol="0" anchor="ctr"/>
+          <a:bodyPr lIns="117979" tIns="58989" rIns="117979" bIns="58989" rtlCol="0" anchor="ctr"/>
           <a:lstStyle/>
           <a:p>
             <a:pPr algn="ctr"/>
             <a:r>
-              <a:rPr lang="es-AR" sz="800" dirty="0" smtClean="0"/>
+              <a:rPr lang="es-AR" sz="1100" dirty="0" smtClean="0">
+                <a:solidFill>
+                  <a:schemeClr val="tx1"/>
+                </a:solidFill>
+              </a:rPr>
               <a:t>Asignación de Paciente</a:t>
             </a:r>
           </a:p>
@@ -7406,13 +7989,16 @@
         </p:nvCxnSpPr>
         <p:spPr>
           <a:xfrm>
-            <a:off x="1664589" y="3549511"/>
-            <a:ext cx="831176" cy="249153"/>
+            <a:off x="2151161" y="4572407"/>
+            <a:ext cx="1074135" cy="320953"/>
           </a:xfrm>
           <a:prstGeom prst="bentConnector2">
             <a:avLst/>
           </a:prstGeom>
-          <a:ln>
+          <a:ln w="12700">
+            <a:solidFill>
+              <a:schemeClr val="tx1"/>
+            </a:solidFill>
             <a:tailEnd type="arrow"/>
           </a:ln>
         </p:spPr>
@@ -7442,15 +8028,18 @@
         </p:nvCxnSpPr>
         <p:spPr>
           <a:xfrm rot="5400000">
-            <a:off x="1487720" y="3598871"/>
-            <a:ext cx="379625" cy="1636467"/>
+            <a:off x="1923377" y="4632612"/>
+            <a:ext cx="489025" cy="2114819"/>
           </a:xfrm>
           <a:prstGeom prst="bentConnector3">
             <a:avLst>
               <a:gd name="adj1" fmla="val 50000"/>
             </a:avLst>
           </a:prstGeom>
-          <a:ln>
+          <a:ln w="12700">
+            <a:solidFill>
+              <a:schemeClr val="tx1"/>
+            </a:solidFill>
             <a:tailEnd type="arrow"/>
           </a:ln>
         </p:spPr>
@@ -7477,11 +8066,12 @@
         </p:nvGrpSpPr>
         <p:grpSpPr>
           <a:xfrm>
-            <a:off x="2936777" y="3116760"/>
-            <a:ext cx="4357258" cy="896217"/>
+            <a:off x="3795219" y="4014945"/>
+            <a:ext cx="5630919" cy="1154488"/>
             <a:chOff x="-1778756" y="1666491"/>
             <a:chExt cx="4357258" cy="896217"/>
           </a:xfrm>
+          <a:noFill/>
         </p:grpSpPr>
         <p:cxnSp>
           <p:nvCxnSpPr>
@@ -7500,7 +8090,11 @@
             <a:prstGeom prst="bentConnector2">
               <a:avLst/>
             </a:prstGeom>
-            <a:ln>
+            <a:grpFill/>
+            <a:ln w="12700">
+              <a:solidFill>
+                <a:schemeClr val="tx1"/>
+              </a:solidFill>
               <a:tailEnd type="arrow"/>
             </a:ln>
           </p:spPr>
@@ -7528,12 +8122,15 @@
           <p:spPr>
             <a:xfrm>
               <a:off x="2273602" y="1767775"/>
-              <a:ext cx="304900" cy="261598"/>
+              <a:ext cx="304900" cy="238914"/>
             </a:xfrm>
             <a:prstGeom prst="rect">
               <a:avLst/>
             </a:prstGeom>
-            <a:noFill/>
+            <a:grpFill/>
+            <a:ln w="12700">
+              <a:noFill/>
+            </a:ln>
           </p:spPr>
           <p:txBody>
             <a:bodyPr wrap="square" lIns="91429" tIns="45714" rIns="91429" bIns="45714" rtlCol="0">
@@ -7542,7 +8139,7 @@
             <a:lstStyle/>
             <a:p>
               <a:r>
-                <a:rPr lang="es-AR" sz="1100" dirty="0" smtClean="0"/>
+                <a:rPr lang="es-AR" sz="1400" dirty="0" smtClean="0"/>
                 <a:t>SI</a:t>
               </a:r>
               <a:endParaRPr lang="es-AR" dirty="0"/>
@@ -7558,11 +8155,12 @@
         </p:nvGrpSpPr>
         <p:grpSpPr>
           <a:xfrm>
-            <a:off x="201684" y="1276675"/>
-            <a:ext cx="2213109" cy="4377452"/>
+            <a:off x="260639" y="1644586"/>
+            <a:ext cx="2860018" cy="5609720"/>
             <a:chOff x="1544012" y="-2297636"/>
-            <a:chExt cx="2213109" cy="4377452"/>
-          </a:xfrm>
+            <a:chExt cx="2213109" cy="4354768"/>
+          </a:xfrm>
+          <a:noFill/>
         </p:grpSpPr>
         <p:cxnSp>
           <p:nvCxnSpPr>
@@ -7583,7 +8181,11 @@
                 <a:gd name="adj1" fmla="val -24665"/>
               </a:avLst>
             </a:prstGeom>
-            <a:ln>
+            <a:grpFill/>
+            <a:ln w="12700">
+              <a:solidFill>
+                <a:schemeClr val="tx1"/>
+              </a:solidFill>
               <a:tailEnd type="arrow"/>
             </a:ln>
           </p:spPr>
@@ -7611,12 +8213,15 @@
           <p:spPr>
             <a:xfrm>
               <a:off x="1544012" y="1818218"/>
-              <a:ext cx="366242" cy="261598"/>
+              <a:ext cx="366242" cy="238914"/>
             </a:xfrm>
             <a:prstGeom prst="rect">
               <a:avLst/>
             </a:prstGeom>
-            <a:noFill/>
+            <a:grpFill/>
+            <a:ln w="12700">
+              <a:noFill/>
+            </a:ln>
           </p:spPr>
           <p:txBody>
             <a:bodyPr wrap="square" lIns="91429" tIns="45714" rIns="91429" bIns="45714" rtlCol="0">
@@ -7625,7 +8230,7 @@
             <a:lstStyle/>
             <a:p>
               <a:r>
-                <a:rPr lang="es-AR" sz="1100" dirty="0" smtClean="0"/>
+                <a:rPr lang="es-AR" sz="1400" dirty="0" smtClean="0"/>
                 <a:t>NO</a:t>
               </a:r>
               <a:endParaRPr lang="es-AR" dirty="0"/>
@@ -7636,7 +8241,7 @@
     </p:spTree>
     <p:extLst>
       <p:ext uri="{BB962C8B-B14F-4D97-AF65-F5344CB8AC3E}">
-        <p14:creationId xmlns:p14="http://schemas.microsoft.com/office/powerpoint/2010/main" xmlns="" val="1085024855"/>
+        <p14:creationId xmlns="" xmlns:p14="http://schemas.microsoft.com/office/powerpoint/2010/main" val="1085024855"/>
       </p:ext>
     </p:extLst>
   </p:cSld>
@@ -7656,17 +8261,6 @@
 <file path=ppt/slides/slide3.xml><?xml version="1.0" encoding="utf-8"?>
 <p:sld xmlns:a="http://schemas.openxmlformats.org/drawingml/2006/main" xmlns:r="http://schemas.openxmlformats.org/officeDocument/2006/relationships" xmlns:p="http://schemas.openxmlformats.org/presentationml/2006/main">
   <p:cSld>
-    <p:bg>
-      <p:bgPr>
-        <a:solidFill>
-          <a:schemeClr val="accent3">
-            <a:lumMod val="20000"/>
-            <a:lumOff val="80000"/>
-          </a:schemeClr>
-        </a:solidFill>
-        <a:effectLst/>
-      </p:bgPr>
-    </p:bg>
     <p:spTree>
       <p:nvGrpSpPr>
         <p:cNvPr id="1" name=""/>
@@ -7689,12 +8283,18 @@
         </p:nvSpPr>
         <p:spPr>
           <a:xfrm>
-            <a:off x="1951732" y="1393557"/>
-            <a:ext cx="882022" cy="428628"/>
+            <a:off x="2522239" y="1795150"/>
+            <a:ext cx="1139844" cy="552150"/>
           </a:xfrm>
           <a:prstGeom prst="flowChartProcess">
             <a:avLst/>
           </a:prstGeom>
+          <a:noFill/>
+          <a:ln w="12700">
+            <a:solidFill>
+              <a:schemeClr val="tx1"/>
+            </a:solidFill>
+          </a:ln>
         </p:spPr>
         <p:style>
           <a:lnRef idx="2">
@@ -7713,12 +8313,16 @@
           </a:fontRef>
         </p:style>
         <p:txBody>
-          <a:bodyPr lIns="91423" tIns="45711" rIns="91423" bIns="45711" rtlCol="0" anchor="ctr"/>
+          <a:bodyPr lIns="117979" tIns="58989" rIns="117979" bIns="58989" rtlCol="0" anchor="ctr"/>
           <a:lstStyle/>
           <a:p>
             <a:pPr algn="ctr"/>
             <a:r>
-              <a:rPr lang="es-AR" sz="800" dirty="0" smtClean="0"/>
+              <a:rPr lang="es-AR" sz="1100" dirty="0" smtClean="0">
+                <a:solidFill>
+                  <a:schemeClr val="tx1"/>
+                </a:solidFill>
+              </a:rPr>
               <a:t>Alumno Busca Paciente en el Sistema</a:t>
             </a:r>
           </a:p>
@@ -7732,12 +8336,18 @@
         </p:nvSpPr>
         <p:spPr>
           <a:xfrm>
-            <a:off x="3309610" y="2163391"/>
-            <a:ext cx="719453" cy="411137"/>
+            <a:off x="4277036" y="2786835"/>
+            <a:ext cx="929754" cy="529618"/>
           </a:xfrm>
           <a:prstGeom prst="flowChartProcess">
             <a:avLst/>
           </a:prstGeom>
+          <a:noFill/>
+          <a:ln w="12700">
+            <a:solidFill>
+              <a:schemeClr val="tx1"/>
+            </a:solidFill>
+          </a:ln>
         </p:spPr>
         <p:style>
           <a:lnRef idx="2">
@@ -7756,15 +8366,23 @@
           </a:fontRef>
         </p:style>
         <p:txBody>
-          <a:bodyPr lIns="91423" tIns="45711" rIns="91423" bIns="45711" rtlCol="0" anchor="ctr"/>
+          <a:bodyPr lIns="117979" tIns="58989" rIns="117979" bIns="58989" rtlCol="0" anchor="ctr"/>
           <a:lstStyle/>
           <a:p>
             <a:pPr algn="ctr"/>
             <a:r>
-              <a:rPr lang="es-AR" sz="800" dirty="0" smtClean="0"/>
+              <a:rPr lang="es-AR" sz="1100" dirty="0" smtClean="0">
+                <a:solidFill>
+                  <a:schemeClr val="tx1"/>
+                </a:solidFill>
+              </a:rPr>
               <a:t>Alumno Contacta Paciente</a:t>
             </a:r>
-            <a:endParaRPr lang="es-AR" sz="800" dirty="0"/>
+            <a:endParaRPr lang="es-AR" sz="1100" dirty="0">
+              <a:solidFill>
+                <a:schemeClr val="tx1"/>
+              </a:solidFill>
+            </a:endParaRPr>
           </a:p>
         </p:txBody>
       </p:sp>
@@ -7776,12 +8394,18 @@
         </p:nvSpPr>
         <p:spPr>
           <a:xfrm>
-            <a:off x="3881431" y="5012540"/>
-            <a:ext cx="1420443" cy="531901"/>
+            <a:off x="5016005" y="6457050"/>
+            <a:ext cx="1835649" cy="685183"/>
           </a:xfrm>
           <a:prstGeom prst="flowChartDecision">
             <a:avLst/>
           </a:prstGeom>
+          <a:noFill/>
+          <a:ln w="12700">
+            <a:solidFill>
+              <a:schemeClr val="tx1"/>
+            </a:solidFill>
+          </a:ln>
         </p:spPr>
         <p:style>
           <a:lnRef idx="2">
@@ -7800,15 +8424,23 @@
           </a:fontRef>
         </p:style>
         <p:txBody>
-          <a:bodyPr lIns="91429" tIns="45714" rIns="91429" bIns="45714" rtlCol="0" anchor="ctr"/>
+          <a:bodyPr lIns="117987" tIns="58992" rIns="117987" bIns="58992" rtlCol="0" anchor="ctr"/>
           <a:lstStyle/>
           <a:p>
             <a:pPr algn="ctr"/>
             <a:r>
-              <a:rPr lang="es-AR" sz="800" dirty="0" smtClean="0"/>
+              <a:rPr lang="es-AR" sz="1100" dirty="0" smtClean="0">
+                <a:solidFill>
+                  <a:schemeClr val="tx1"/>
+                </a:solidFill>
+              </a:rPr>
               <a:t>¿Profesor autoriza?</a:t>
             </a:r>
-            <a:endParaRPr lang="es-AR" sz="800" dirty="0"/>
+            <a:endParaRPr lang="es-AR" sz="1100" dirty="0">
+              <a:solidFill>
+                <a:schemeClr val="tx1"/>
+              </a:solidFill>
+            </a:endParaRPr>
           </a:p>
         </p:txBody>
       </p:sp>
@@ -7820,12 +8452,18 @@
         </p:nvSpPr>
         <p:spPr>
           <a:xfrm>
-            <a:off x="2738423" y="5441168"/>
-            <a:ext cx="767323" cy="205569"/>
+            <a:off x="3538886" y="7009198"/>
+            <a:ext cx="991618" cy="264810"/>
           </a:xfrm>
           <a:prstGeom prst="flowChartProcess">
             <a:avLst/>
           </a:prstGeom>
+          <a:noFill/>
+          <a:ln w="12700">
+            <a:solidFill>
+              <a:schemeClr val="tx1"/>
+            </a:solidFill>
+          </a:ln>
         </p:spPr>
         <p:style>
           <a:lnRef idx="2">
@@ -7844,15 +8482,23 @@
           </a:fontRef>
         </p:style>
         <p:txBody>
-          <a:bodyPr lIns="91423" tIns="45711" rIns="91423" bIns="45711" rtlCol="0" anchor="ctr"/>
+          <a:bodyPr lIns="117979" tIns="58989" rIns="117979" bIns="58989" rtlCol="0" anchor="ctr"/>
           <a:lstStyle/>
           <a:p>
             <a:pPr algn="ctr"/>
             <a:r>
-              <a:rPr lang="es-AR" sz="800" dirty="0" smtClean="0"/>
+              <a:rPr lang="es-AR" sz="1100" dirty="0" smtClean="0">
+                <a:solidFill>
+                  <a:schemeClr val="tx1"/>
+                </a:solidFill>
+              </a:rPr>
               <a:t>Atención</a:t>
             </a:r>
-            <a:endParaRPr lang="es-AR" sz="800" dirty="0"/>
+            <a:endParaRPr lang="es-AR" sz="1100" dirty="0">
+              <a:solidFill>
+                <a:schemeClr val="tx1"/>
+              </a:solidFill>
+            </a:endParaRPr>
           </a:p>
         </p:txBody>
       </p:sp>
@@ -7864,12 +8510,18 @@
         </p:nvSpPr>
         <p:spPr>
           <a:xfrm>
-            <a:off x="2720752" y="5961753"/>
-            <a:ext cx="771954" cy="377515"/>
+            <a:off x="3516048" y="7679805"/>
+            <a:ext cx="997602" cy="486306"/>
           </a:xfrm>
           <a:prstGeom prst="flowChartProcess">
             <a:avLst/>
           </a:prstGeom>
+          <a:noFill/>
+          <a:ln w="12700">
+            <a:solidFill>
+              <a:schemeClr val="tx1"/>
+            </a:solidFill>
+          </a:ln>
         </p:spPr>
         <p:style>
           <a:lnRef idx="2">
@@ -7888,12 +8540,16 @@
           </a:fontRef>
         </p:style>
         <p:txBody>
-          <a:bodyPr lIns="91423" tIns="45711" rIns="91423" bIns="45711" rtlCol="0" anchor="ctr"/>
+          <a:bodyPr lIns="117979" tIns="58989" rIns="117979" bIns="58989" rtlCol="0" anchor="ctr"/>
           <a:lstStyle/>
           <a:p>
             <a:pPr algn="ctr"/>
             <a:r>
-              <a:rPr lang="es-AR" sz="800" dirty="0" smtClean="0"/>
+              <a:rPr lang="es-AR" sz="1100" dirty="0" smtClean="0">
+                <a:solidFill>
+                  <a:schemeClr val="tx1"/>
+                </a:solidFill>
+              </a:rPr>
               <a:t>Actualizar Historia Clínica</a:t>
             </a:r>
           </a:p>
@@ -7910,12 +8566,17 @@
         </p:nvCxnSpPr>
         <p:spPr>
           <a:xfrm rot="10800000" flipV="1">
-            <a:off x="3122085" y="5278490"/>
-            <a:ext cx="759346" cy="162677"/>
+            <a:off x="4034695" y="6799639"/>
+            <a:ext cx="981308" cy="209558"/>
           </a:xfrm>
           <a:prstGeom prst="bentConnector2">
             <a:avLst/>
           </a:prstGeom>
+          <a:ln w="12700">
+            <a:solidFill>
+              <a:schemeClr val="tx1"/>
+            </a:solidFill>
+          </a:ln>
         </p:spPr>
         <p:style>
           <a:lnRef idx="1">
@@ -7943,15 +8604,18 @@
         </p:nvCxnSpPr>
         <p:spPr>
           <a:xfrm rot="16200000" flipH="1">
-            <a:off x="4449642" y="4996355"/>
-            <a:ext cx="112283" cy="2798108"/>
+            <a:off x="5750540" y="6430423"/>
+            <a:ext cx="144640" cy="3616017"/>
           </a:xfrm>
           <a:prstGeom prst="bentConnector3">
             <a:avLst>
               <a:gd name="adj1" fmla="val 303593"/>
             </a:avLst>
           </a:prstGeom>
-          <a:ln>
+          <a:ln w="12700">
+            <a:solidFill>
+              <a:schemeClr val="tx1"/>
+            </a:solidFill>
             <a:tailEnd type="arrow"/>
           </a:ln>
         </p:spPr>
@@ -7978,12 +8642,18 @@
         </p:nvSpPr>
         <p:spPr>
           <a:xfrm>
-            <a:off x="4810125" y="3953192"/>
-            <a:ext cx="707225" cy="560475"/>
+            <a:off x="6216162" y="5092420"/>
+            <a:ext cx="913953" cy="721992"/>
           </a:xfrm>
           <a:prstGeom prst="flowChartProcess">
             <a:avLst/>
           </a:prstGeom>
+          <a:noFill/>
+          <a:ln w="12700">
+            <a:solidFill>
+              <a:schemeClr val="tx1"/>
+            </a:solidFill>
+          </a:ln>
         </p:spPr>
         <p:style>
           <a:lnRef idx="2">
@@ -8002,15 +8672,23 @@
           </a:fontRef>
         </p:style>
         <p:txBody>
-          <a:bodyPr lIns="91423" tIns="45711" rIns="91423" bIns="45711" rtlCol="0" anchor="ctr"/>
+          <a:bodyPr lIns="117979" tIns="58989" rIns="117979" bIns="58989" rtlCol="0" anchor="ctr"/>
           <a:lstStyle/>
           <a:p>
             <a:pPr algn="ctr"/>
             <a:r>
-              <a:rPr lang="es-AR" sz="800" dirty="0" smtClean="0"/>
+              <a:rPr lang="es-AR" sz="1100" dirty="0" smtClean="0">
+                <a:solidFill>
+                  <a:schemeClr val="tx1"/>
+                </a:solidFill>
+              </a:rPr>
               <a:t>Revisación Previa por parte del Alumno</a:t>
             </a:r>
-            <a:endParaRPr lang="es-AR" sz="800" dirty="0"/>
+            <a:endParaRPr lang="es-AR" sz="1100" dirty="0">
+              <a:solidFill>
+                <a:schemeClr val="tx1"/>
+              </a:solidFill>
+            </a:endParaRPr>
           </a:p>
         </p:txBody>
       </p:sp>
@@ -8022,12 +8700,18 @@
         </p:nvSpPr>
         <p:spPr>
           <a:xfrm>
-            <a:off x="4810125" y="3343301"/>
-            <a:ext cx="707225" cy="362755"/>
+            <a:off x="6216162" y="4306771"/>
+            <a:ext cx="913953" cy="467293"/>
           </a:xfrm>
           <a:prstGeom prst="flowChartProcess">
             <a:avLst/>
           </a:prstGeom>
+          <a:noFill/>
+          <a:ln w="12700">
+            <a:solidFill>
+              <a:schemeClr val="tx1"/>
+            </a:solidFill>
+          </a:ln>
         </p:spPr>
         <p:style>
           <a:lnRef idx="2">
@@ -8046,15 +8730,23 @@
           </a:fontRef>
         </p:style>
         <p:txBody>
-          <a:bodyPr lIns="91423" tIns="45711" rIns="91423" bIns="45711" rtlCol="0" anchor="ctr"/>
+          <a:bodyPr lIns="117979" tIns="58989" rIns="117979" bIns="58989" rtlCol="0" anchor="ctr"/>
           <a:lstStyle/>
           <a:p>
             <a:pPr algn="ctr"/>
             <a:r>
-              <a:rPr lang="es-AR" sz="800" dirty="0" smtClean="0"/>
+              <a:rPr lang="es-AR" sz="1100" dirty="0" smtClean="0">
+                <a:solidFill>
+                  <a:schemeClr val="tx1"/>
+                </a:solidFill>
+              </a:rPr>
               <a:t>Consultorio Cátedra</a:t>
             </a:r>
-            <a:endParaRPr lang="es-AR" sz="800" dirty="0"/>
+            <a:endParaRPr lang="es-AR" sz="1100" dirty="0">
+              <a:solidFill>
+                <a:schemeClr val="tx1"/>
+              </a:solidFill>
+            </a:endParaRPr>
           </a:p>
         </p:txBody>
       </p:sp>
@@ -8062,20 +8754,25 @@
         <p:nvCxnSpPr>
           <p:cNvPr id="14" name="13 Conector angular"/>
           <p:cNvCxnSpPr>
-            <a:stCxn id="6" idx="2"/>
+            <a:stCxn id="6" idx="3"/>
             <a:endCxn id="40" idx="1"/>
           </p:cNvCxnSpPr>
           <p:nvPr/>
         </p:nvCxnSpPr>
         <p:spPr>
-          <a:xfrm rot="16200000" flipH="1">
-            <a:off x="4732103" y="5403991"/>
-            <a:ext cx="794828" cy="1075728"/>
-          </a:xfrm>
-          <a:prstGeom prst="bentConnector2">
-            <a:avLst/>
-          </a:prstGeom>
-          <a:ln>
+          <a:xfrm>
+            <a:off x="6851654" y="6799642"/>
+            <a:ext cx="472348" cy="1366470"/>
+          </a:xfrm>
+          <a:prstGeom prst="bentConnector3">
+            <a:avLst>
+              <a:gd name="adj1" fmla="val 50000"/>
+            </a:avLst>
+          </a:prstGeom>
+          <a:ln w="12700">
+            <a:solidFill>
+              <a:schemeClr val="tx1"/>
+            </a:solidFill>
             <a:tailEnd type="arrow"/>
           </a:ln>
         </p:spPr>
@@ -8111,13 +8808,16 @@
         </p:blipFill>
         <p:spPr bwMode="auto">
           <a:xfrm>
-            <a:off x="1452790" y="3240041"/>
-            <a:ext cx="941355" cy="636468"/>
+            <a:off x="1877452" y="4173752"/>
+            <a:ext cx="1216521" cy="819884"/>
           </a:xfrm>
           <a:prstGeom prst="rect">
             <a:avLst/>
           </a:prstGeom>
           <a:noFill/>
+          <a:ln w="3175">
+            <a:noFill/>
+          </a:ln>
         </p:spPr>
       </p:pic>
       <p:cxnSp>
@@ -8131,13 +8831,16 @@
         </p:nvCxnSpPr>
         <p:spPr>
           <a:xfrm rot="10800000" flipV="1">
-            <a:off x="738158" y="3558274"/>
-            <a:ext cx="714632" cy="739885"/>
+            <a:off x="953928" y="4583694"/>
+            <a:ext cx="923524" cy="953104"/>
           </a:xfrm>
           <a:prstGeom prst="bentConnector2">
             <a:avLst/>
           </a:prstGeom>
-          <a:ln>
+          <a:ln w="12700">
+            <a:solidFill>
+              <a:schemeClr val="tx1"/>
+            </a:solidFill>
             <a:prstDash val="dash"/>
             <a:tailEnd type="arrow"/>
           </a:ln>
@@ -8168,15 +8871,18 @@
         </p:nvCxnSpPr>
         <p:spPr>
           <a:xfrm>
-            <a:off x="2833754" y="1607871"/>
-            <a:ext cx="404735" cy="65466"/>
+            <a:off x="3662083" y="2071225"/>
+            <a:ext cx="523043" cy="84331"/>
           </a:xfrm>
           <a:prstGeom prst="bentConnector3">
             <a:avLst>
               <a:gd name="adj1" fmla="val 50000"/>
             </a:avLst>
           </a:prstGeom>
-          <a:ln>
+          <a:ln w="12700">
+            <a:solidFill>
+              <a:schemeClr val="tx1"/>
+            </a:solidFill>
             <a:tailEnd type="arrow"/>
           </a:ln>
         </p:spPr>
@@ -8206,15 +8912,18 @@
         </p:nvCxnSpPr>
         <p:spPr>
           <a:xfrm flipV="1">
-            <a:off x="4029063" y="2119301"/>
-            <a:ext cx="352434" cy="249659"/>
+            <a:off x="5206789" y="2730039"/>
+            <a:ext cx="455453" cy="321606"/>
           </a:xfrm>
           <a:prstGeom prst="bentConnector3">
             <a:avLst>
               <a:gd name="adj1" fmla="val 50000"/>
             </a:avLst>
           </a:prstGeom>
-          <a:ln>
+          <a:ln w="12700">
+            <a:solidFill>
+              <a:schemeClr val="tx1"/>
+            </a:solidFill>
             <a:tailEnd type="arrow"/>
           </a:ln>
         </p:spPr>
@@ -8244,13 +8953,16 @@
         </p:nvCxnSpPr>
         <p:spPr>
           <a:xfrm rot="5400000">
-            <a:off x="5040170" y="3829624"/>
-            <a:ext cx="247136" cy="1588"/>
+            <a:off x="6513961" y="4933237"/>
+            <a:ext cx="318355" cy="2053"/>
           </a:xfrm>
           <a:prstGeom prst="straightConnector1">
             <a:avLst/>
           </a:prstGeom>
-          <a:ln>
+          <a:ln w="12700">
+            <a:solidFill>
+              <a:schemeClr val="tx1"/>
+            </a:solidFill>
             <a:tailEnd type="arrow"/>
           </a:ln>
         </p:spPr>
@@ -8277,22 +8989,25 @@
         </p:nvSpPr>
         <p:spPr>
           <a:xfrm>
-            <a:off x="3524241" y="5036694"/>
-            <a:ext cx="357190" cy="261598"/>
+            <a:off x="4554404" y="6488163"/>
+            <a:ext cx="461599" cy="336985"/>
           </a:xfrm>
           <a:prstGeom prst="rect">
             <a:avLst/>
           </a:prstGeom>
           <a:noFill/>
-        </p:spPr>
-        <p:txBody>
-          <a:bodyPr wrap="square" lIns="91429" tIns="45714" rIns="91429" bIns="45714" rtlCol="0">
+          <a:ln w="12700">
+            <a:noFill/>
+          </a:ln>
+        </p:spPr>
+        <p:txBody>
+          <a:bodyPr wrap="square" lIns="117987" tIns="58992" rIns="117987" bIns="58992" rtlCol="0">
             <a:spAutoFit/>
           </a:bodyPr>
           <a:lstStyle/>
           <a:p>
             <a:r>
-              <a:rPr lang="es-AR" sz="1100" dirty="0" smtClean="0"/>
+              <a:rPr lang="es-AR" sz="1400" dirty="0" smtClean="0"/>
               <a:t>SI</a:t>
             </a:r>
             <a:endParaRPr lang="es-AR" dirty="0"/>
@@ -8307,22 +9022,25 @@
         </p:nvSpPr>
         <p:spPr>
           <a:xfrm>
-            <a:off x="4595811" y="5584044"/>
-            <a:ext cx="428628" cy="261598"/>
+            <a:off x="6775575" y="6535317"/>
+            <a:ext cx="553919" cy="336985"/>
           </a:xfrm>
           <a:prstGeom prst="rect">
             <a:avLst/>
           </a:prstGeom>
           <a:noFill/>
-        </p:spPr>
-        <p:txBody>
-          <a:bodyPr wrap="square" lIns="91429" tIns="45714" rIns="91429" bIns="45714" rtlCol="0">
+          <a:ln w="12700">
+            <a:noFill/>
+          </a:ln>
+        </p:spPr>
+        <p:txBody>
+          <a:bodyPr wrap="square" lIns="117987" tIns="58992" rIns="117987" bIns="58992" rtlCol="0">
             <a:spAutoFit/>
           </a:bodyPr>
           <a:lstStyle/>
           <a:p>
             <a:r>
-              <a:rPr lang="es-AR" sz="1100" dirty="0" smtClean="0"/>
+              <a:rPr lang="es-AR" sz="1400" dirty="0" smtClean="0"/>
               <a:t>NO</a:t>
             </a:r>
             <a:endParaRPr lang="es-AR" dirty="0"/>
@@ -8340,15 +9058,18 @@
         </p:nvCxnSpPr>
         <p:spPr>
           <a:xfrm rot="5400000">
-            <a:off x="4628260" y="4477061"/>
-            <a:ext cx="498873" cy="572085"/>
+            <a:off x="5982167" y="5766074"/>
+            <a:ext cx="642638" cy="739310"/>
           </a:xfrm>
           <a:prstGeom prst="bentConnector3">
             <a:avLst>
               <a:gd name="adj1" fmla="val 50000"/>
             </a:avLst>
           </a:prstGeom>
-          <a:ln>
+          <a:ln w="12700">
+            <a:solidFill>
+              <a:schemeClr val="tx1"/>
+            </a:solidFill>
             <a:tailEnd type="arrow"/>
           </a:ln>
         </p:spPr>
@@ -8375,12 +9096,18 @@
         </p:nvSpPr>
         <p:spPr>
           <a:xfrm>
-            <a:off x="2480461" y="297632"/>
-            <a:ext cx="686590" cy="224565"/>
+            <a:off x="3205519" y="383404"/>
+            <a:ext cx="887286" cy="289280"/>
           </a:xfrm>
           <a:prstGeom prst="flowChartTerminator">
             <a:avLst/>
           </a:prstGeom>
+          <a:noFill/>
+          <a:ln w="12700">
+            <a:solidFill>
+              <a:schemeClr val="tx1"/>
+            </a:solidFill>
+          </a:ln>
         </p:spPr>
         <p:style>
           <a:lnRef idx="2">
@@ -8399,15 +9126,23 @@
           </a:fontRef>
         </p:style>
         <p:txBody>
-          <a:bodyPr lIns="91423" tIns="45711" rIns="91423" bIns="45711" rtlCol="0" anchor="ctr"/>
+          <a:bodyPr lIns="117979" tIns="58989" rIns="117979" bIns="58989" rtlCol="0" anchor="ctr"/>
           <a:lstStyle/>
           <a:p>
             <a:pPr algn="ctr"/>
             <a:r>
-              <a:rPr lang="es-AR" sz="1000" dirty="0" smtClean="0"/>
+              <a:rPr lang="es-AR" sz="1300" dirty="0" smtClean="0">
+                <a:solidFill>
+                  <a:schemeClr val="tx1"/>
+                </a:solidFill>
+              </a:rPr>
               <a:t>Inicio</a:t>
             </a:r>
-            <a:endParaRPr lang="es-AR" sz="1100" dirty="0"/>
+            <a:endParaRPr lang="es-AR" sz="1400" dirty="0">
+              <a:solidFill>
+                <a:schemeClr val="tx1"/>
+              </a:solidFill>
+            </a:endParaRPr>
           </a:p>
         </p:txBody>
       </p:sp>
@@ -8419,18 +9154,16 @@
         </p:nvSpPr>
         <p:spPr>
           <a:xfrm>
-            <a:off x="6705597" y="1870979"/>
-            <a:ext cx="857256" cy="500066"/>
+            <a:off x="8665695" y="2157394"/>
+            <a:ext cx="1107839" cy="896936"/>
           </a:xfrm>
           <a:prstGeom prst="flowChartProcess">
             <a:avLst/>
           </a:prstGeom>
-          <a:solidFill>
-            <a:schemeClr val="accent2"/>
-          </a:solidFill>
-          <a:ln>
-            <a:solidFill>
-              <a:srgbClr val="C00000"/>
+          <a:noFill/>
+          <a:ln w="12700">
+            <a:solidFill>
+              <a:schemeClr val="tx1"/>
             </a:solidFill>
           </a:ln>
         </p:spPr>
@@ -8451,72 +9184,39 @@
           </a:fontRef>
         </p:style>
         <p:txBody>
-          <a:bodyPr lIns="91423" tIns="45711" rIns="91423" bIns="45711" rtlCol="0" anchor="ctr"/>
+          <a:bodyPr lIns="117979" tIns="58989" rIns="117979" bIns="58989" rtlCol="0" anchor="ctr"/>
           <a:lstStyle/>
           <a:p>
             <a:pPr algn="ctr"/>
             <a:r>
-              <a:rPr lang="es-AR" sz="800" dirty="0" smtClean="0"/>
+              <a:rPr lang="es-AR" sz="1100" dirty="0" smtClean="0">
+                <a:solidFill>
+                  <a:schemeClr val="tx1"/>
+                </a:solidFill>
+              </a:rPr>
               <a:t>Llegada Alumno con Paciente Sin Registrar</a:t>
             </a:r>
           </a:p>
           <a:p>
             <a:pPr algn="ctr"/>
-            <a:endParaRPr lang="es-AR" sz="800" dirty="0" smtClean="0"/>
-          </a:p>
-        </p:txBody>
-      </p:sp>
-      <p:cxnSp>
-        <p:nvCxnSpPr>
-          <p:cNvPr id="27" name="26 Conector angular"/>
-          <p:cNvCxnSpPr>
-            <a:stCxn id="25" idx="2"/>
-            <a:endCxn id="26" idx="0"/>
-          </p:cNvCxnSpPr>
-          <p:nvPr/>
-        </p:nvCxnSpPr>
-        <p:spPr>
-          <a:xfrm rot="16200000" flipH="1">
-            <a:off x="4304599" y="-958647"/>
-            <a:ext cx="1348782" cy="4310469"/>
-          </a:xfrm>
-          <a:prstGeom prst="bentConnector3">
-            <a:avLst>
-              <a:gd name="adj1" fmla="val 9747"/>
-            </a:avLst>
-          </a:prstGeom>
-          <a:ln>
-            <a:tailEnd type="arrow"/>
-          </a:ln>
-        </p:spPr>
-        <p:style>
-          <a:lnRef idx="1">
-            <a:schemeClr val="accent1"/>
-          </a:lnRef>
-          <a:fillRef idx="0">
-            <a:schemeClr val="accent1"/>
-          </a:fillRef>
-          <a:effectRef idx="0">
-            <a:schemeClr val="accent1"/>
-          </a:effectRef>
-          <a:fontRef idx="minor">
-            <a:schemeClr val="tx1"/>
-          </a:fontRef>
-        </p:style>
-      </p:cxnSp>
+            <a:endParaRPr lang="es-AR" sz="1100" dirty="0" smtClean="0">
+              <a:solidFill>
+                <a:schemeClr val="tx1"/>
+              </a:solidFill>
+            </a:endParaRPr>
+          </a:p>
+        </p:txBody>
+      </p:sp>
       <p:cxnSp>
         <p:nvCxnSpPr>
           <p:cNvPr id="28" name="27 Conector angular"/>
-          <p:cNvCxnSpPr>
-            <a:stCxn id="25" idx="2"/>
-            <a:endCxn id="4" idx="1"/>
-          </p:cNvCxnSpPr>
+          <p:cNvCxnSpPr/>
           <p:nvPr/>
         </p:nvCxnSpPr>
         <p:spPr>
           <a:xfrm rot="5400000">
-            <a:off x="1844907" y="629022"/>
-            <a:ext cx="1085674" cy="872024"/>
+            <a:off x="2370017" y="808493"/>
+            <a:ext cx="1398542" cy="1126924"/>
           </a:xfrm>
           <a:prstGeom prst="bentConnector4">
             <a:avLst>
@@ -8524,7 +9224,10 @@
               <a:gd name="adj2" fmla="val 126215"/>
             </a:avLst>
           </a:prstGeom>
-          <a:ln>
+          <a:ln w="12700">
+            <a:solidFill>
+              <a:schemeClr val="tx1"/>
+            </a:solidFill>
             <a:tailEnd type="arrow"/>
           </a:ln>
         </p:spPr>
@@ -8551,11 +9254,12 @@
         </p:nvGrpSpPr>
         <p:grpSpPr>
           <a:xfrm>
-            <a:off x="166654" y="4298160"/>
-            <a:ext cx="1214446" cy="1359581"/>
+            <a:off x="215368" y="5536799"/>
+            <a:ext cx="1569438" cy="1719544"/>
             <a:chOff x="4738686" y="2012144"/>
-            <a:chExt cx="1214446" cy="1359581"/>
-          </a:xfrm>
+            <a:chExt cx="1214446" cy="1334864"/>
+          </a:xfrm>
+          <a:noFill/>
         </p:grpSpPr>
         <p:pic>
           <p:nvPicPr>
@@ -8580,7 +9284,10 @@
             <a:prstGeom prst="rect">
               <a:avLst/>
             </a:prstGeom>
-            <a:noFill/>
+            <a:grpFill/>
+            <a:ln w="3175">
+              <a:noFill/>
+            </a:ln>
           </p:spPr>
         </p:pic>
         <p:sp>
@@ -8592,12 +9299,15 @@
           <p:spPr>
             <a:xfrm>
               <a:off x="4738686" y="2940838"/>
-              <a:ext cx="1214446" cy="430887"/>
+              <a:ext cx="1214446" cy="406170"/>
             </a:xfrm>
             <a:prstGeom prst="rect">
               <a:avLst/>
             </a:prstGeom>
-            <a:noFill/>
+            <a:grpFill/>
+            <a:ln w="3175">
+              <a:noFill/>
+            </a:ln>
           </p:spPr>
           <p:txBody>
             <a:bodyPr wrap="square" rtlCol="0">
@@ -8607,10 +9317,10 @@
             <a:p>
               <a:pPr algn="ctr"/>
               <a:r>
-                <a:rPr lang="es-AR" sz="1100" i="1" dirty="0" smtClean="0"/>
+                <a:rPr lang="es-AR" sz="1400" i="1" dirty="0" smtClean="0"/>
                 <a:t>Base de Datos de Pacientes</a:t>
               </a:r>
-              <a:endParaRPr lang="es-AR" sz="1100" i="1" dirty="0"/>
+              <a:endParaRPr lang="es-AR" sz="1400" i="1" dirty="0"/>
             </a:p>
           </p:txBody>
         </p:sp>
@@ -8623,12 +9333,18 @@
         </p:nvSpPr>
         <p:spPr>
           <a:xfrm>
-            <a:off x="5667381" y="6226986"/>
-            <a:ext cx="474911" cy="224565"/>
+            <a:off x="7324002" y="8021472"/>
+            <a:ext cx="613731" cy="289280"/>
           </a:xfrm>
           <a:prstGeom prst="flowChartTerminator">
             <a:avLst/>
           </a:prstGeom>
+          <a:noFill/>
+          <a:ln w="12700">
+            <a:solidFill>
+              <a:schemeClr val="tx1"/>
+            </a:solidFill>
+          </a:ln>
         </p:spPr>
         <p:style>
           <a:lnRef idx="2">
@@ -8647,15 +9363,23 @@
           </a:fontRef>
         </p:style>
         <p:txBody>
-          <a:bodyPr lIns="91423" tIns="45711" rIns="91423" bIns="45711" rtlCol="0" anchor="ctr"/>
+          <a:bodyPr lIns="117979" tIns="58989" rIns="117979" bIns="58989" rtlCol="0" anchor="ctr"/>
           <a:lstStyle/>
           <a:p>
             <a:pPr algn="ctr"/>
             <a:r>
-              <a:rPr lang="es-AR" sz="1000" dirty="0" smtClean="0"/>
+              <a:rPr lang="es-AR" sz="1300" dirty="0" smtClean="0">
+                <a:solidFill>
+                  <a:schemeClr val="tx1"/>
+                </a:solidFill>
+              </a:rPr>
               <a:t>Fin</a:t>
             </a:r>
-            <a:endParaRPr lang="es-AR" sz="1000" dirty="0"/>
+            <a:endParaRPr lang="es-AR" sz="1300" dirty="0">
+              <a:solidFill>
+                <a:schemeClr val="tx1"/>
+              </a:solidFill>
+            </a:endParaRPr>
           </a:p>
         </p:txBody>
       </p:sp>
@@ -8667,12 +9391,18 @@
         </p:nvSpPr>
         <p:spPr>
           <a:xfrm>
-            <a:off x="6711581" y="2656796"/>
-            <a:ext cx="852510" cy="566743"/>
+            <a:off x="8673428" y="3422429"/>
+            <a:ext cx="1101706" cy="730066"/>
           </a:xfrm>
           <a:prstGeom prst="flowChartProcess">
             <a:avLst/>
           </a:prstGeom>
+          <a:noFill/>
+          <a:ln w="12700">
+            <a:solidFill>
+              <a:schemeClr val="tx1"/>
+            </a:solidFill>
+          </a:ln>
         </p:spPr>
         <p:style>
           <a:lnRef idx="2">
@@ -8691,18 +9421,26 @@
           </a:fontRef>
         </p:style>
         <p:txBody>
-          <a:bodyPr lIns="91423" tIns="45711" rIns="91423" bIns="45711" rtlCol="0" anchor="t"/>
+          <a:bodyPr lIns="117979" tIns="58989" rIns="117979" bIns="58989" rtlCol="0" anchor="t"/>
           <a:lstStyle/>
           <a:p>
             <a:pPr algn="ctr"/>
             <a:r>
-              <a:rPr lang="es-AR" sz="1000" b="1" i="1" dirty="0" smtClean="0"/>
+              <a:rPr lang="es-AR" sz="1300" b="1" i="1" dirty="0" smtClean="0">
+                <a:solidFill>
+                  <a:schemeClr val="tx1"/>
+                </a:solidFill>
+              </a:rPr>
               <a:t>Proceso de Registro de Pacientes</a:t>
             </a:r>
           </a:p>
           <a:p>
             <a:pPr algn="ctr"/>
-            <a:endParaRPr lang="es-AR" sz="800" dirty="0" smtClean="0"/>
+            <a:endParaRPr lang="es-AR" sz="1100" dirty="0" smtClean="0">
+              <a:solidFill>
+                <a:schemeClr val="tx1"/>
+              </a:solidFill>
+            </a:endParaRPr>
           </a:p>
         </p:txBody>
       </p:sp>
@@ -8717,13 +9455,16 @@
         </p:nvCxnSpPr>
         <p:spPr>
           <a:xfrm rot="16200000" flipH="1">
-            <a:off x="6993155" y="2512114"/>
-            <a:ext cx="285751" cy="3611"/>
+            <a:off x="9037899" y="3236046"/>
+            <a:ext cx="368099" cy="4666"/>
           </a:xfrm>
           <a:prstGeom prst="straightConnector1">
             <a:avLst/>
           </a:prstGeom>
-          <a:ln>
+          <a:ln w="12700">
+            <a:solidFill>
+              <a:schemeClr val="tx1"/>
+            </a:solidFill>
             <a:tailEnd type="arrow"/>
           </a:ln>
         </p:spPr>
@@ -8750,12 +9491,18 @@
         </p:nvSpPr>
         <p:spPr>
           <a:xfrm>
-            <a:off x="6705597" y="3502666"/>
-            <a:ext cx="859754" cy="564848"/>
+            <a:off x="8665695" y="4512059"/>
+            <a:ext cx="1111067" cy="727626"/>
           </a:xfrm>
           <a:prstGeom prst="flowChartProcess">
             <a:avLst/>
           </a:prstGeom>
+          <a:noFill/>
+          <a:ln w="12700">
+            <a:solidFill>
+              <a:schemeClr val="tx1"/>
+            </a:solidFill>
+          </a:ln>
         </p:spPr>
         <p:style>
           <a:lnRef idx="2">
@@ -8774,22 +9521,34 @@
           </a:fontRef>
         </p:style>
         <p:txBody>
-          <a:bodyPr lIns="91423" tIns="45711" rIns="91423" bIns="45711" rtlCol="0" anchor="t"/>
+          <a:bodyPr lIns="117979" tIns="58989" rIns="117979" bIns="58989" rtlCol="0" anchor="t"/>
           <a:lstStyle/>
           <a:p>
             <a:pPr algn="ctr"/>
             <a:r>
-              <a:rPr lang="es-AR" sz="800" dirty="0" smtClean="0"/>
+              <a:rPr lang="es-AR" sz="1100" dirty="0" smtClean="0">
+                <a:solidFill>
+                  <a:schemeClr val="tx1"/>
+                </a:solidFill>
+              </a:rPr>
               <a:t>Asignar Paciente al Alumno y lo Confirma</a:t>
             </a:r>
           </a:p>
           <a:p>
             <a:pPr algn="ctr"/>
-            <a:endParaRPr lang="es-AR" sz="800" dirty="0" smtClean="0"/>
+            <a:endParaRPr lang="es-AR" sz="1100" dirty="0" smtClean="0">
+              <a:solidFill>
+                <a:schemeClr val="tx1"/>
+              </a:solidFill>
+            </a:endParaRPr>
           </a:p>
           <a:p>
             <a:pPr algn="ctr"/>
-            <a:endParaRPr lang="es-AR" sz="800" dirty="0"/>
+            <a:endParaRPr lang="es-AR" sz="1100" dirty="0">
+              <a:solidFill>
+                <a:schemeClr val="tx1"/>
+              </a:solidFill>
+            </a:endParaRPr>
           </a:p>
         </p:txBody>
       </p:sp>
@@ -8804,13 +9563,16 @@
         </p:nvCxnSpPr>
         <p:spPr>
           <a:xfrm flipH="1">
-            <a:off x="7135474" y="3223539"/>
-            <a:ext cx="2362" cy="279127"/>
+            <a:off x="9221228" y="4152495"/>
+            <a:ext cx="3053" cy="359566"/>
           </a:xfrm>
           <a:prstGeom prst="straightConnector1">
             <a:avLst/>
           </a:prstGeom>
-          <a:ln>
+          <a:ln w="12700">
+            <a:solidFill>
+              <a:schemeClr val="tx1"/>
+            </a:solidFill>
             <a:tailEnd type="arrow"/>
           </a:ln>
         </p:spPr>
@@ -8840,13 +9602,16 @@
         </p:nvCxnSpPr>
         <p:spPr>
           <a:xfrm flipH="1">
-            <a:off x="3106729" y="5646737"/>
-            <a:ext cx="15356" cy="315016"/>
+            <a:off x="4014851" y="7274008"/>
+            <a:ext cx="19844" cy="405797"/>
           </a:xfrm>
           <a:prstGeom prst="straightConnector1">
             <a:avLst/>
           </a:prstGeom>
-          <a:ln>
+          <a:ln w="12700">
+            <a:solidFill>
+              <a:schemeClr val="tx1"/>
+            </a:solidFill>
             <a:tailEnd type="arrow"/>
           </a:ln>
         </p:spPr>
@@ -8876,15 +9641,18 @@
         </p:nvCxnSpPr>
         <p:spPr>
           <a:xfrm rot="10800000">
-            <a:off x="5517351" y="3524680"/>
-            <a:ext cx="1188247" cy="260411"/>
+            <a:off x="7130116" y="4540419"/>
+            <a:ext cx="1535581" cy="335456"/>
           </a:xfrm>
           <a:prstGeom prst="bentConnector3">
             <a:avLst>
               <a:gd name="adj1" fmla="val 50000"/>
             </a:avLst>
           </a:prstGeom>
-          <a:ln>
+          <a:ln w="12700">
+            <a:solidFill>
+              <a:schemeClr val="tx1"/>
+            </a:solidFill>
             <a:tailEnd type="arrow"/>
           </a:ln>
         </p:spPr>
@@ -8914,13 +9682,16 @@
         </p:nvCxnSpPr>
         <p:spPr>
           <a:xfrm rot="5400000" flipH="1" flipV="1">
-            <a:off x="3538282" y="24098"/>
-            <a:ext cx="223921" cy="2514999"/>
+            <a:off x="4573012" y="25851"/>
+            <a:ext cx="288450" cy="3250153"/>
           </a:xfrm>
           <a:prstGeom prst="bentConnector2">
             <a:avLst/>
           </a:prstGeom>
-          <a:ln>
+          <a:ln w="12700">
+            <a:solidFill>
+              <a:schemeClr val="tx1"/>
+            </a:solidFill>
             <a:prstDash val="dash"/>
             <a:tailEnd type="arrow"/>
           </a:ln>
@@ -8948,12 +9719,18 @@
         </p:nvSpPr>
         <p:spPr>
           <a:xfrm>
-            <a:off x="4773463" y="2700292"/>
-            <a:ext cx="785776" cy="411137"/>
+            <a:off x="6168783" y="3478459"/>
+            <a:ext cx="1015465" cy="529618"/>
           </a:xfrm>
           <a:prstGeom prst="flowChartProcess">
             <a:avLst/>
           </a:prstGeom>
+          <a:noFill/>
+          <a:ln w="12700">
+            <a:solidFill>
+              <a:schemeClr val="tx1"/>
+            </a:solidFill>
+          </a:ln>
         </p:spPr>
         <p:style>
           <a:lnRef idx="2">
@@ -8972,12 +9749,16 @@
           </a:fontRef>
         </p:style>
         <p:txBody>
-          <a:bodyPr lIns="91423" tIns="45711" rIns="91423" bIns="45711" rtlCol="0" anchor="t"/>
+          <a:bodyPr lIns="117979" tIns="58989" rIns="117979" bIns="58989" rtlCol="0" anchor="t"/>
           <a:lstStyle/>
           <a:p>
             <a:pPr algn="ctr"/>
             <a:r>
-              <a:rPr lang="es-AR" sz="800" dirty="0" smtClean="0"/>
+              <a:rPr lang="es-AR" sz="1100" dirty="0" smtClean="0">
+                <a:solidFill>
+                  <a:schemeClr val="tx1"/>
+                </a:solidFill>
+              </a:rPr>
               <a:t>Confirmación de contacto del Paciente</a:t>
             </a:r>
           </a:p>
@@ -8994,15 +9775,18 @@
         </p:nvCxnSpPr>
         <p:spPr>
           <a:xfrm rot="5400000">
-            <a:off x="5072792" y="2605769"/>
-            <a:ext cx="188082" cy="964"/>
+            <a:off x="6555997" y="3356694"/>
+            <a:ext cx="242283" cy="1246"/>
           </a:xfrm>
           <a:prstGeom prst="bentConnector3">
             <a:avLst>
               <a:gd name="adj1" fmla="val 50000"/>
             </a:avLst>
           </a:prstGeom>
-          <a:ln>
+          <a:ln w="12700">
+            <a:solidFill>
+              <a:schemeClr val="tx1"/>
+            </a:solidFill>
             <a:tailEnd type="arrow"/>
           </a:ln>
         </p:spPr>
@@ -9029,12 +9813,18 @@
         </p:nvSpPr>
         <p:spPr>
           <a:xfrm>
-            <a:off x="4381497" y="1726392"/>
-            <a:ext cx="1571636" cy="785818"/>
+            <a:off x="5662242" y="2223903"/>
+            <a:ext cx="2031038" cy="1012274"/>
           </a:xfrm>
           <a:prstGeom prst="flowChartDecision">
             <a:avLst/>
           </a:prstGeom>
+          <a:noFill/>
+          <a:ln w="12700">
+            <a:solidFill>
+              <a:schemeClr val="tx1"/>
+            </a:solidFill>
+          </a:ln>
         </p:spPr>
         <p:style>
           <a:lnRef idx="2">
@@ -9053,22 +9843,34 @@
           </a:fontRef>
         </p:style>
         <p:txBody>
-          <a:bodyPr lIns="91429" tIns="45714" rIns="91429" bIns="45714" rtlCol="0" anchor="ctr"/>
+          <a:bodyPr lIns="117987" tIns="58992" rIns="117987" bIns="58992" rtlCol="0" anchor="ctr"/>
           <a:lstStyle/>
           <a:p>
             <a:pPr algn="ctr"/>
             <a:r>
-              <a:rPr lang="es-AR" sz="800" dirty="0" smtClean="0"/>
+              <a:rPr lang="es-AR" sz="1100" dirty="0" smtClean="0">
+                <a:solidFill>
+                  <a:schemeClr val="tx1"/>
+                </a:solidFill>
+              </a:rPr>
               <a:t>¿Confirma  contacto con Paciente</a:t>
             </a:r>
           </a:p>
           <a:p>
             <a:pPr algn="ctr"/>
             <a:r>
-              <a:rPr lang="es-AR" sz="800" dirty="0" smtClean="0"/>
+              <a:rPr lang="es-AR" sz="1100" dirty="0" smtClean="0">
+                <a:solidFill>
+                  <a:schemeClr val="tx1"/>
+                </a:solidFill>
+              </a:rPr>
               <a:t>?</a:t>
             </a:r>
-            <a:endParaRPr lang="es-AR" sz="800" dirty="0"/>
+            <a:endParaRPr lang="es-AR" sz="1100" dirty="0">
+              <a:solidFill>
+                <a:schemeClr val="tx1"/>
+              </a:solidFill>
+            </a:endParaRPr>
           </a:p>
         </p:txBody>
       </p:sp>
@@ -9083,13 +9885,16 @@
         </p:nvCxnSpPr>
         <p:spPr>
           <a:xfrm>
-            <a:off x="5953133" y="2119301"/>
-            <a:ext cx="464326" cy="2678925"/>
+            <a:off x="7693280" y="2730041"/>
+            <a:ext cx="600053" cy="3450934"/>
           </a:xfrm>
           <a:prstGeom prst="bentConnector2">
             <a:avLst/>
           </a:prstGeom>
-          <a:ln>
+          <a:ln w="12700">
+            <a:solidFill>
+              <a:schemeClr val="tx1"/>
+            </a:solidFill>
             <a:tailEnd type="arrow"/>
           </a:ln>
         </p:spPr>
@@ -9116,12 +9921,18 @@
         </p:nvSpPr>
         <p:spPr>
           <a:xfrm>
-            <a:off x="6024571" y="4798226"/>
-            <a:ext cx="785776" cy="411137"/>
+            <a:off x="7785600" y="6180974"/>
+            <a:ext cx="1015465" cy="529618"/>
           </a:xfrm>
           <a:prstGeom prst="flowChartProcess">
             <a:avLst/>
           </a:prstGeom>
+          <a:noFill/>
+          <a:ln w="12700">
+            <a:solidFill>
+              <a:schemeClr val="tx1"/>
+            </a:solidFill>
+          </a:ln>
         </p:spPr>
         <p:style>
           <a:lnRef idx="2">
@@ -9140,12 +9951,16 @@
           </a:fontRef>
         </p:style>
         <p:txBody>
-          <a:bodyPr lIns="91423" tIns="45711" rIns="91423" bIns="45711" rtlCol="0" anchor="t"/>
+          <a:bodyPr lIns="117979" tIns="58989" rIns="117979" bIns="58989" rtlCol="0" anchor="t"/>
           <a:lstStyle/>
           <a:p>
             <a:pPr algn="ctr"/>
             <a:r>
-              <a:rPr lang="es-AR" sz="800" dirty="0" smtClean="0"/>
+              <a:rPr lang="es-AR" sz="1100" dirty="0" smtClean="0">
+                <a:solidFill>
+                  <a:schemeClr val="tx1"/>
+                </a:solidFill>
+              </a:rPr>
               <a:t>Alumno Libera  Paciente</a:t>
             </a:r>
           </a:p>
@@ -9162,15 +9977,18 @@
         </p:nvCxnSpPr>
         <p:spPr>
           <a:xfrm rot="5400000">
-            <a:off x="5652337" y="5461863"/>
-            <a:ext cx="1017623" cy="512622"/>
+            <a:off x="7306660" y="7034798"/>
+            <a:ext cx="1310880" cy="662466"/>
           </a:xfrm>
           <a:prstGeom prst="bentConnector3">
             <a:avLst>
               <a:gd name="adj1" fmla="val 50000"/>
             </a:avLst>
           </a:prstGeom>
-          <a:ln>
+          <a:ln w="12700">
+            <a:solidFill>
+              <a:schemeClr val="tx1"/>
+            </a:solidFill>
             <a:tailEnd type="arrow"/>
           </a:ln>
         </p:spPr>
@@ -9197,12 +10015,18 @@
         </p:nvSpPr>
         <p:spPr>
           <a:xfrm>
-            <a:off x="3238489" y="1459023"/>
-            <a:ext cx="785818" cy="428628"/>
+            <a:off x="4185124" y="1879482"/>
+            <a:ext cx="1015519" cy="552150"/>
           </a:xfrm>
           <a:prstGeom prst="flowChartProcess">
             <a:avLst/>
           </a:prstGeom>
+          <a:noFill/>
+          <a:ln w="12700">
+            <a:solidFill>
+              <a:schemeClr val="tx1"/>
+            </a:solidFill>
+          </a:ln>
         </p:spPr>
         <p:style>
           <a:lnRef idx="2">
@@ -9221,18 +10045,26 @@
           </a:fontRef>
         </p:style>
         <p:txBody>
-          <a:bodyPr lIns="91423" tIns="45711" rIns="91423" bIns="45711" rtlCol="0" anchor="t"/>
+          <a:bodyPr lIns="117979" tIns="58989" rIns="117979" bIns="58989" rtlCol="0" anchor="t"/>
           <a:lstStyle/>
           <a:p>
             <a:pPr algn="ctr"/>
             <a:r>
-              <a:rPr lang="es-AR" sz="800" dirty="0" smtClean="0"/>
+              <a:rPr lang="es-AR" sz="1100" dirty="0" smtClean="0">
+                <a:solidFill>
+                  <a:schemeClr val="tx1"/>
+                </a:solidFill>
+              </a:rPr>
               <a:t>Alumno Asigna Paciente</a:t>
             </a:r>
           </a:p>
           <a:p>
             <a:pPr algn="ctr"/>
-            <a:endParaRPr lang="es-AR" sz="800" dirty="0"/>
+            <a:endParaRPr lang="es-AR" sz="1100" dirty="0">
+              <a:solidFill>
+                <a:schemeClr val="tx1"/>
+              </a:solidFill>
+            </a:endParaRPr>
           </a:p>
         </p:txBody>
       </p:sp>
@@ -9247,15 +10079,18 @@
         </p:nvCxnSpPr>
         <p:spPr>
           <a:xfrm rot="16200000" flipH="1">
-            <a:off x="3512497" y="2006551"/>
-            <a:ext cx="275740" cy="37939"/>
+            <a:off x="4539796" y="2584720"/>
+            <a:ext cx="355203" cy="49028"/>
           </a:xfrm>
           <a:prstGeom prst="bentConnector3">
             <a:avLst>
               <a:gd name="adj1" fmla="val 50000"/>
             </a:avLst>
           </a:prstGeom>
-          <a:ln>
+          <a:ln w="12700">
+            <a:solidFill>
+              <a:schemeClr val="tx1"/>
+            </a:solidFill>
             <a:tailEnd type="arrow"/>
           </a:ln>
         </p:spPr>
@@ -9285,15 +10120,18 @@
         </p:nvCxnSpPr>
         <p:spPr>
           <a:xfrm rot="5400000">
-            <a:off x="5049109" y="3226059"/>
-            <a:ext cx="231872" cy="2613"/>
+            <a:off x="6525482" y="4155736"/>
+            <a:ext cx="298693" cy="3377"/>
           </a:xfrm>
           <a:prstGeom prst="bentConnector3">
             <a:avLst>
               <a:gd name="adj1" fmla="val 50000"/>
             </a:avLst>
           </a:prstGeom>
-          <a:ln>
+          <a:ln w="12700">
+            <a:solidFill>
+              <a:schemeClr val="tx1"/>
+            </a:solidFill>
             <a:tailEnd type="arrow"/>
           </a:ln>
         </p:spPr>
@@ -9323,13 +10161,16 @@
         </p:nvCxnSpPr>
         <p:spPr>
           <a:xfrm flipV="1">
-            <a:off x="4024307" y="1487870"/>
-            <a:ext cx="1354113" cy="185467"/>
+            <a:off x="5200644" y="1916644"/>
+            <a:ext cx="1749931" cy="238914"/>
           </a:xfrm>
           <a:prstGeom prst="bentConnector2">
             <a:avLst/>
           </a:prstGeom>
-          <a:ln>
+          <a:ln w="12700">
+            <a:solidFill>
+              <a:schemeClr val="tx1"/>
+            </a:solidFill>
             <a:prstDash val="dash"/>
             <a:tailEnd type="arrow"/>
           </a:ln>
@@ -9360,8 +10201,8 @@
         </p:nvCxnSpPr>
         <p:spPr>
           <a:xfrm rot="10800000" flipV="1">
-            <a:off x="1923469" y="2905861"/>
-            <a:ext cx="2849995" cy="970648"/>
+            <a:off x="2485715" y="3743269"/>
+            <a:ext cx="3683070" cy="1250368"/>
           </a:xfrm>
           <a:prstGeom prst="bentConnector4">
             <a:avLst>
@@ -9369,7 +10210,10 @@
               <a:gd name="adj2" fmla="val 123551"/>
             </a:avLst>
           </a:prstGeom>
-          <a:ln>
+          <a:ln w="12700">
+            <a:solidFill>
+              <a:schemeClr val="tx1"/>
+            </a:solidFill>
             <a:prstDash val="dash"/>
             <a:tailEnd type="arrow"/>
           </a:ln>
@@ -9397,22 +10241,25 @@
         </p:nvSpPr>
         <p:spPr>
           <a:xfrm>
-            <a:off x="5167315" y="2440772"/>
-            <a:ext cx="357190" cy="261598"/>
+            <a:off x="6677761" y="3144151"/>
+            <a:ext cx="461599" cy="336985"/>
           </a:xfrm>
           <a:prstGeom prst="rect">
             <a:avLst/>
           </a:prstGeom>
           <a:noFill/>
-        </p:spPr>
-        <p:txBody>
-          <a:bodyPr wrap="square" lIns="91429" tIns="45714" rIns="91429" bIns="45714" rtlCol="0">
+          <a:ln w="12700">
+            <a:noFill/>
+          </a:ln>
+        </p:spPr>
+        <p:txBody>
+          <a:bodyPr wrap="square" lIns="117987" tIns="58992" rIns="117987" bIns="58992" rtlCol="0">
             <a:spAutoFit/>
           </a:bodyPr>
           <a:lstStyle/>
           <a:p>
             <a:r>
-              <a:rPr lang="es-AR" sz="1100" dirty="0" smtClean="0"/>
+              <a:rPr lang="es-AR" sz="1400" dirty="0" smtClean="0"/>
               <a:t>SI</a:t>
             </a:r>
             <a:endParaRPr lang="es-AR" dirty="0"/>
@@ -9427,22 +10274,25 @@
         </p:nvSpPr>
         <p:spPr>
           <a:xfrm>
-            <a:off x="5881695" y="1869268"/>
-            <a:ext cx="428628" cy="261598"/>
+            <a:off x="7600960" y="2407952"/>
+            <a:ext cx="553919" cy="336985"/>
           </a:xfrm>
           <a:prstGeom prst="rect">
             <a:avLst/>
           </a:prstGeom>
           <a:noFill/>
-        </p:spPr>
-        <p:txBody>
-          <a:bodyPr wrap="square" lIns="91429" tIns="45714" rIns="91429" bIns="45714" rtlCol="0">
+          <a:ln w="12700">
+            <a:noFill/>
+          </a:ln>
+        </p:spPr>
+        <p:txBody>
+          <a:bodyPr wrap="square" lIns="117987" tIns="58992" rIns="117987" bIns="58992" rtlCol="0">
             <a:spAutoFit/>
           </a:bodyPr>
           <a:lstStyle/>
           <a:p>
             <a:r>
-              <a:rPr lang="es-AR" sz="1100" dirty="0" smtClean="0"/>
+              <a:rPr lang="es-AR" sz="1400" dirty="0" smtClean="0"/>
               <a:t>NO</a:t>
             </a:r>
             <a:endParaRPr lang="es-AR" dirty="0"/>
@@ -9460,13 +10310,16 @@
         </p:nvCxnSpPr>
         <p:spPr>
           <a:xfrm>
-            <a:off x="7565351" y="3785090"/>
-            <a:ext cx="1095956" cy="282424"/>
+            <a:off x="9776762" y="4875873"/>
+            <a:ext cx="1416313" cy="363813"/>
           </a:xfrm>
           <a:prstGeom prst="bentConnector2">
             <a:avLst/>
           </a:prstGeom>
-          <a:ln>
+          <a:ln w="12700">
+            <a:solidFill>
+              <a:schemeClr val="tx1"/>
+            </a:solidFill>
             <a:prstDash val="dash"/>
             <a:tailEnd type="arrow"/>
           </a:ln>
@@ -9503,13 +10356,16 @@
         </p:blipFill>
         <p:spPr bwMode="auto">
           <a:xfrm>
-            <a:off x="8190629" y="4067514"/>
-            <a:ext cx="941355" cy="636468"/>
+            <a:off x="10584814" y="5239685"/>
+            <a:ext cx="1216521" cy="819884"/>
           </a:xfrm>
           <a:prstGeom prst="rect">
             <a:avLst/>
           </a:prstGeom>
           <a:noFill/>
+          <a:ln w="3175">
+            <a:noFill/>
+          </a:ln>
         </p:spPr>
       </p:pic>
       <p:grpSp>
@@ -9520,11 +10376,12 @@
         </p:nvGrpSpPr>
         <p:grpSpPr>
           <a:xfrm>
-            <a:off x="8060414" y="5226854"/>
-            <a:ext cx="1214446" cy="1359581"/>
+            <a:off x="10416535" y="6733123"/>
+            <a:ext cx="1569438" cy="1719544"/>
             <a:chOff x="4738686" y="2012144"/>
-            <a:chExt cx="1214446" cy="1359581"/>
-          </a:xfrm>
+            <a:chExt cx="1214446" cy="1334864"/>
+          </a:xfrm>
+          <a:noFill/>
         </p:grpSpPr>
         <p:pic>
           <p:nvPicPr>
@@ -9549,7 +10406,10 @@
             <a:prstGeom prst="rect">
               <a:avLst/>
             </a:prstGeom>
-            <a:noFill/>
+            <a:grpFill/>
+            <a:ln w="3175">
+              <a:noFill/>
+            </a:ln>
           </p:spPr>
         </p:pic>
         <p:sp>
@@ -9561,12 +10421,15 @@
           <p:spPr>
             <a:xfrm>
               <a:off x="4738686" y="2940838"/>
-              <a:ext cx="1214446" cy="430887"/>
+              <a:ext cx="1214446" cy="406170"/>
             </a:xfrm>
             <a:prstGeom prst="rect">
               <a:avLst/>
             </a:prstGeom>
-            <a:noFill/>
+            <a:grpFill/>
+            <a:ln w="3175">
+              <a:noFill/>
+            </a:ln>
           </p:spPr>
           <p:txBody>
             <a:bodyPr wrap="square" rtlCol="0">
@@ -9576,10 +10439,10 @@
             <a:p>
               <a:pPr algn="ctr"/>
               <a:r>
-                <a:rPr lang="es-AR" sz="1100" i="1" dirty="0" smtClean="0"/>
+                <a:rPr lang="es-AR" sz="1400" i="1" dirty="0" smtClean="0"/>
                 <a:t>Base de Datos de Pacientes</a:t>
               </a:r>
-              <a:endParaRPr lang="es-AR" sz="1100" i="1" dirty="0"/>
+              <a:endParaRPr lang="es-AR" sz="1400" i="1" dirty="0"/>
             </a:p>
           </p:txBody>
         </p:sp>
@@ -9595,15 +10458,18 @@
         </p:nvCxnSpPr>
         <p:spPr>
           <a:xfrm flipV="1">
-            <a:off x="6810347" y="4385748"/>
-            <a:ext cx="1380282" cy="618047"/>
+            <a:off x="8801064" y="5649628"/>
+            <a:ext cx="1783749" cy="796156"/>
           </a:xfrm>
           <a:prstGeom prst="bentConnector3">
             <a:avLst>
               <a:gd name="adj1" fmla="val 50000"/>
             </a:avLst>
           </a:prstGeom>
-          <a:ln>
+          <a:ln w="12700">
+            <a:solidFill>
+              <a:schemeClr val="tx1"/>
+            </a:solidFill>
             <a:prstDash val="dash"/>
             <a:tailEnd type="arrow"/>
           </a:ln>
@@ -9634,15 +10500,18 @@
         </p:nvCxnSpPr>
         <p:spPr>
           <a:xfrm rot="5400000">
-            <a:off x="8385177" y="4950724"/>
-            <a:ext cx="522872" cy="29389"/>
+            <a:off x="10837309" y="6377358"/>
+            <a:ext cx="673552" cy="37980"/>
           </a:xfrm>
           <a:prstGeom prst="bentConnector3">
             <a:avLst>
               <a:gd name="adj1" fmla="val 50000"/>
             </a:avLst>
           </a:prstGeom>
-          <a:ln>
+          <a:ln w="12700">
+            <a:solidFill>
+              <a:schemeClr val="tx1"/>
+            </a:solidFill>
             <a:prstDash val="dash"/>
             <a:tailEnd type="arrow"/>
           </a:ln>
@@ -9672,13 +10541,16 @@
         </p:nvCxnSpPr>
         <p:spPr>
           <a:xfrm rot="10800000">
-            <a:off x="1720624" y="3389991"/>
-            <a:ext cx="1000129" cy="2760521"/>
+            <a:off x="2246406" y="4984651"/>
+            <a:ext cx="1269644" cy="2938309"/>
           </a:xfrm>
           <a:prstGeom prst="bentConnector2">
             <a:avLst/>
           </a:prstGeom>
-          <a:ln>
+          <a:ln w="12700">
+            <a:solidFill>
+              <a:schemeClr val="tx1"/>
+            </a:solidFill>
             <a:prstDash val="dash"/>
             <a:tailEnd type="arrow"/>
           </a:ln>
@@ -9706,18 +10578,16 @@
         </p:nvSpPr>
         <p:spPr>
           <a:xfrm>
-            <a:off x="238091" y="963559"/>
-            <a:ext cx="976601" cy="428628"/>
+            <a:off x="307688" y="1241236"/>
+            <a:ext cx="1262069" cy="773282"/>
           </a:xfrm>
           <a:prstGeom prst="flowChartProcess">
             <a:avLst/>
           </a:prstGeom>
-          <a:solidFill>
-            <a:schemeClr val="accent2"/>
-          </a:solidFill>
-          <a:ln>
-            <a:solidFill>
-              <a:srgbClr val="C00000"/>
+          <a:noFill/>
+          <a:ln w="12700">
+            <a:solidFill>
+              <a:schemeClr val="tx1"/>
             </a:solidFill>
           </a:ln>
         </p:spPr>
@@ -9738,50 +10608,70 @@
           </a:fontRef>
         </p:style>
         <p:txBody>
-          <a:bodyPr lIns="91423" tIns="45711" rIns="91423" bIns="45711" rtlCol="0" anchor="ctr"/>
+          <a:bodyPr lIns="117979" tIns="58989" rIns="117979" bIns="58989" rtlCol="0" anchor="ctr"/>
           <a:lstStyle/>
           <a:p>
             <a:pPr algn="ctr"/>
             <a:r>
-              <a:rPr lang="es-AR" sz="800" dirty="0"/>
+              <a:rPr lang="es-AR" sz="1100" dirty="0">
+                <a:solidFill>
+                  <a:schemeClr val="tx1"/>
+                </a:solidFill>
+              </a:rPr>
               <a:t>Llegada Alumno Sin </a:t>
             </a:r>
             <a:r>
-              <a:rPr lang="es-AR" sz="800" dirty="0" smtClean="0"/>
+              <a:rPr lang="es-AR" sz="1100" dirty="0" smtClean="0">
+                <a:solidFill>
+                  <a:schemeClr val="tx1"/>
+                </a:solidFill>
+              </a:rPr>
               <a:t>Paciente</a:t>
             </a:r>
             <a:r>
-              <a:rPr lang="es-AR" sz="800" dirty="0"/>
+              <a:rPr lang="es-AR" sz="1100" dirty="0">
+                <a:solidFill>
+                  <a:schemeClr val="tx1"/>
+                </a:solidFill>
+              </a:rPr>
               <a:t> </a:t>
             </a:r>
             <a:r>
-              <a:rPr lang="es-AR" sz="800" dirty="0" smtClean="0"/>
+              <a:rPr lang="es-AR" sz="1100" dirty="0" smtClean="0">
+                <a:solidFill>
+                  <a:schemeClr val="tx1"/>
+                </a:solidFill>
+              </a:rPr>
               <a:t>al Área de Derivación </a:t>
             </a:r>
-            <a:endParaRPr lang="es-AR" sz="800" dirty="0"/>
+            <a:endParaRPr lang="es-AR" sz="1100" dirty="0">
+              <a:solidFill>
+                <a:schemeClr val="tx1"/>
+              </a:solidFill>
+            </a:endParaRPr>
           </a:p>
         </p:txBody>
       </p:sp>
       <p:cxnSp>
         <p:nvCxnSpPr>
           <p:cNvPr id="3" name="Conector angular 2"/>
-          <p:cNvCxnSpPr>
-            <a:stCxn id="25" idx="2"/>
-            <a:endCxn id="56" idx="0"/>
-          </p:cNvCxnSpPr>
+          <p:cNvCxnSpPr/>
           <p:nvPr/>
         </p:nvCxnSpPr>
         <p:spPr>
           <a:xfrm rot="5400000">
-            <a:off x="1554393" y="-305804"/>
-            <a:ext cx="441362" cy="2097364"/>
+            <a:off x="2009665" y="-398259"/>
+            <a:ext cx="568553" cy="2710439"/>
           </a:xfrm>
           <a:prstGeom prst="bentConnector3">
             <a:avLst>
               <a:gd name="adj1" fmla="val 50000"/>
             </a:avLst>
           </a:prstGeom>
-          <a:ln>
+          <a:ln w="12700">
+            <a:solidFill>
+              <a:schemeClr val="tx1"/>
+            </a:solidFill>
             <a:tailEnd type="triangle"/>
           </a:ln>
         </p:spPr>
@@ -9817,13 +10707,16 @@
         </p:blipFill>
         <p:spPr bwMode="auto">
           <a:xfrm>
-            <a:off x="4907742" y="851402"/>
-            <a:ext cx="941355" cy="636468"/>
+            <a:off x="6342314" y="1096758"/>
+            <a:ext cx="1216521" cy="819884"/>
           </a:xfrm>
           <a:prstGeom prst="rect">
             <a:avLst/>
           </a:prstGeom>
           <a:noFill/>
+          <a:ln w="3175">
+            <a:noFill/>
+          </a:ln>
         </p:spPr>
       </p:pic>
       <p:sp>
@@ -9834,12 +10727,18 @@
         </p:nvSpPr>
         <p:spPr>
           <a:xfrm>
-            <a:off x="272480" y="1857868"/>
-            <a:ext cx="882022" cy="428628"/>
+            <a:off x="352129" y="2393266"/>
+            <a:ext cx="1139844" cy="552150"/>
           </a:xfrm>
           <a:prstGeom prst="flowChartProcess">
             <a:avLst/>
           </a:prstGeom>
+          <a:noFill/>
+          <a:ln w="12700">
+            <a:solidFill>
+              <a:schemeClr val="tx1"/>
+            </a:solidFill>
+          </a:ln>
         </p:spPr>
         <p:style>
           <a:lnRef idx="2">
@@ -9858,12 +10757,16 @@
           </a:fontRef>
         </p:style>
         <p:txBody>
-          <a:bodyPr lIns="91423" tIns="45711" rIns="91423" bIns="45711" rtlCol="0" anchor="ctr"/>
+          <a:bodyPr lIns="117979" tIns="58989" rIns="117979" bIns="58989" rtlCol="0" anchor="ctr"/>
           <a:lstStyle/>
           <a:p>
             <a:pPr algn="ctr"/>
             <a:r>
-              <a:rPr lang="es-AR" sz="800" dirty="0" smtClean="0"/>
+              <a:rPr lang="es-AR" sz="1100" dirty="0" smtClean="0">
+                <a:solidFill>
+                  <a:schemeClr val="tx1"/>
+                </a:solidFill>
+              </a:rPr>
               <a:t>El RRP Busca al Alumno en el Sistema</a:t>
             </a:r>
           </a:p>
@@ -9877,12 +10780,18 @@
         </p:nvSpPr>
         <p:spPr>
           <a:xfrm>
-            <a:off x="1784647" y="2027426"/>
-            <a:ext cx="953775" cy="547101"/>
+            <a:off x="2306314" y="2611689"/>
+            <a:ext cx="1232571" cy="704764"/>
           </a:xfrm>
           <a:prstGeom prst="flowChartProcess">
             <a:avLst/>
           </a:prstGeom>
+          <a:noFill/>
+          <a:ln w="12700">
+            <a:solidFill>
+              <a:schemeClr val="tx1"/>
+            </a:solidFill>
+          </a:ln>
         </p:spPr>
         <p:style>
           <a:lnRef idx="2">
@@ -9901,18 +10810,26 @@
           </a:fontRef>
         </p:style>
         <p:txBody>
-          <a:bodyPr lIns="91423" tIns="45711" rIns="91423" bIns="45711" rtlCol="0" anchor="t"/>
+          <a:bodyPr lIns="117979" tIns="58989" rIns="117979" bIns="58989" rtlCol="0" anchor="t"/>
           <a:lstStyle/>
           <a:p>
             <a:pPr algn="ctr"/>
             <a:r>
-              <a:rPr lang="es-AR" sz="800" dirty="0" smtClean="0"/>
+              <a:rPr lang="es-AR" sz="1100" dirty="0" smtClean="0">
+                <a:solidFill>
+                  <a:schemeClr val="tx1"/>
+                </a:solidFill>
+              </a:rPr>
               <a:t>El RRP Busca Paciente en el Sistema y lo Asigna al Alumno</a:t>
             </a:r>
           </a:p>
           <a:p>
             <a:pPr algn="ctr"/>
-            <a:endParaRPr lang="es-AR" sz="800" dirty="0"/>
+            <a:endParaRPr lang="es-AR" sz="1100" dirty="0">
+              <a:solidFill>
+                <a:schemeClr val="tx1"/>
+              </a:solidFill>
+            </a:endParaRPr>
           </a:p>
         </p:txBody>
       </p:sp>
@@ -9927,15 +10844,18 @@
         </p:nvCxnSpPr>
         <p:spPr>
           <a:xfrm>
-            <a:off x="2738422" y="2300977"/>
-            <a:ext cx="571188" cy="67983"/>
+            <a:off x="3538885" y="2964071"/>
+            <a:ext cx="738150" cy="87575"/>
           </a:xfrm>
           <a:prstGeom prst="bentConnector3">
             <a:avLst>
               <a:gd name="adj1" fmla="val 50000"/>
             </a:avLst>
           </a:prstGeom>
-          <a:ln>
+          <a:ln w="12700">
+            <a:solidFill>
+              <a:schemeClr val="tx1"/>
+            </a:solidFill>
             <a:tailEnd type="triangle"/>
           </a:ln>
         </p:spPr>
@@ -9965,13 +10885,16 @@
         </p:nvCxnSpPr>
         <p:spPr>
           <a:xfrm>
-            <a:off x="1154502" y="2072182"/>
-            <a:ext cx="630145" cy="228795"/>
+            <a:off x="1491972" y="2669342"/>
+            <a:ext cx="814341" cy="294729"/>
           </a:xfrm>
           <a:prstGeom prst="bentConnector3">
             <a:avLst/>
           </a:prstGeom>
-          <a:ln>
+          <a:ln w="12700">
+            <a:solidFill>
+              <a:schemeClr val="tx1"/>
+            </a:solidFill>
             <a:tailEnd type="triangle"/>
           </a:ln>
         </p:spPr>
@@ -10001,13 +10924,18 @@
         </p:nvCxnSpPr>
         <p:spPr>
           <a:xfrm rot="5400000">
-            <a:off x="487102" y="1618577"/>
-            <a:ext cx="465681" cy="12901"/>
+            <a:off x="741013" y="2195556"/>
+            <a:ext cx="378748" cy="16672"/>
           </a:xfrm>
           <a:prstGeom prst="bentConnector3">
-            <a:avLst/>
-          </a:prstGeom>
-          <a:ln>
+            <a:avLst>
+              <a:gd name="adj1" fmla="val 50000"/>
+            </a:avLst>
+          </a:prstGeom>
+          <a:ln w="12700">
+            <a:solidFill>
+              <a:schemeClr val="tx1"/>
+            </a:solidFill>
             <a:tailEnd type="triangle"/>
           </a:ln>
         </p:spPr>
@@ -10037,15 +10965,18 @@
         </p:nvCxnSpPr>
         <p:spPr>
           <a:xfrm rot="16200000" flipH="1">
-            <a:off x="841707" y="2158279"/>
-            <a:ext cx="953545" cy="1209977"/>
+            <a:off x="1089714" y="2777753"/>
+            <a:ext cx="1228336" cy="1563663"/>
           </a:xfrm>
           <a:prstGeom prst="bentConnector3">
             <a:avLst>
               <a:gd name="adj1" fmla="val 50000"/>
             </a:avLst>
           </a:prstGeom>
-          <a:ln>
+          <a:ln w="12700">
+            <a:solidFill>
+              <a:schemeClr val="tx1"/>
+            </a:solidFill>
             <a:prstDash val="dash"/>
             <a:tailEnd type="arrow"/>
           </a:ln>
@@ -10076,8 +11007,8 @@
         </p:nvCxnSpPr>
         <p:spPr>
           <a:xfrm rot="16200000" flipH="1">
-            <a:off x="1835966" y="3000096"/>
-            <a:ext cx="983748" cy="132610"/>
+            <a:off x="2374664" y="3864387"/>
+            <a:ext cx="1267243" cy="171373"/>
           </a:xfrm>
           <a:prstGeom prst="bentConnector4">
             <a:avLst>
@@ -10085,8 +11016,49 @@
               <a:gd name="adj2" fmla="val 532001"/>
             </a:avLst>
           </a:prstGeom>
+          <a:ln w="12700">
+            <a:solidFill>
+              <a:schemeClr val="tx1"/>
+            </a:solidFill>
+            <a:prstDash val="dash"/>
+            <a:tailEnd type="arrow"/>
+          </a:ln>
+        </p:spPr>
+        <p:style>
+          <a:lnRef idx="1">
+            <a:schemeClr val="accent1"/>
+          </a:lnRef>
+          <a:fillRef idx="0">
+            <a:schemeClr val="accent1"/>
+          </a:fillRef>
+          <a:effectRef idx="0">
+            <a:schemeClr val="accent1"/>
+          </a:effectRef>
+          <a:fontRef idx="minor">
+            <a:schemeClr val="tx1"/>
+          </a:fontRef>
+        </p:style>
+      </p:cxnSp>
+      <p:cxnSp>
+        <p:nvCxnSpPr>
+          <p:cNvPr id="68" name="67 Conector angular"/>
+          <p:cNvCxnSpPr/>
+          <p:nvPr/>
+        </p:nvCxnSpPr>
+        <p:spPr>
+          <a:xfrm rot="16200000" flipH="1">
+            <a:off x="5547693" y="-1257010"/>
+            <a:ext cx="1737473" cy="5570453"/>
+          </a:xfrm>
+          <a:prstGeom prst="bentConnector3">
+            <a:avLst>
+              <a:gd name="adj1" fmla="val 17044"/>
+            </a:avLst>
+          </a:prstGeom>
           <a:ln>
-            <a:prstDash val="dash"/>
+            <a:solidFill>
+              <a:schemeClr val="tx1"/>
+            </a:solidFill>
             <a:tailEnd type="arrow"/>
           </a:ln>
         </p:spPr>
@@ -10123,17 +11095,6 @@
 <file path=ppt/slides/slide4.xml><?xml version="1.0" encoding="utf-8"?>
 <p:sld xmlns:a="http://schemas.openxmlformats.org/drawingml/2006/main" xmlns:r="http://schemas.openxmlformats.org/officeDocument/2006/relationships" xmlns:p="http://schemas.openxmlformats.org/presentationml/2006/main">
   <p:cSld>
-    <p:bg>
-      <p:bgPr>
-        <a:solidFill>
-          <a:schemeClr val="accent3">
-            <a:lumMod val="20000"/>
-            <a:lumOff val="80000"/>
-          </a:schemeClr>
-        </a:solidFill>
-        <a:effectLst/>
-      </p:bgPr>
-    </p:bg>
     <p:spTree>
       <p:nvGrpSpPr>
         <p:cNvPr id="1" name=""/>
@@ -10156,12 +11117,18 @@
         </p:nvSpPr>
         <p:spPr>
           <a:xfrm>
-            <a:off x="1951732" y="1393557"/>
-            <a:ext cx="882022" cy="428628"/>
+            <a:off x="2522239" y="1795150"/>
+            <a:ext cx="1139844" cy="552150"/>
           </a:xfrm>
           <a:prstGeom prst="flowChartProcess">
             <a:avLst/>
           </a:prstGeom>
+          <a:noFill/>
+          <a:ln w="12700">
+            <a:solidFill>
+              <a:schemeClr val="tx1"/>
+            </a:solidFill>
+          </a:ln>
         </p:spPr>
         <p:style>
           <a:lnRef idx="2">
@@ -10180,12 +11147,16 @@
           </a:fontRef>
         </p:style>
         <p:txBody>
-          <a:bodyPr lIns="91423" tIns="45711" rIns="91423" bIns="45711" rtlCol="0" anchor="ctr"/>
+          <a:bodyPr lIns="117979" tIns="58989" rIns="117979" bIns="58989" rtlCol="0" anchor="ctr"/>
           <a:lstStyle/>
           <a:p>
             <a:pPr algn="ctr"/>
             <a:r>
-              <a:rPr lang="es-AR" sz="800" dirty="0" smtClean="0"/>
+              <a:rPr lang="es-AR" sz="1100" dirty="0" smtClean="0">
+                <a:solidFill>
+                  <a:schemeClr val="tx1"/>
+                </a:solidFill>
+              </a:rPr>
               <a:t>Alumno Busca Paciente en el Sistema</a:t>
             </a:r>
           </a:p>
@@ -10199,12 +11170,18 @@
         </p:nvSpPr>
         <p:spPr>
           <a:xfrm>
-            <a:off x="3238488" y="2155020"/>
-            <a:ext cx="719453" cy="411137"/>
+            <a:off x="4185125" y="2776052"/>
+            <a:ext cx="929754" cy="529618"/>
           </a:xfrm>
           <a:prstGeom prst="flowChartProcess">
             <a:avLst/>
           </a:prstGeom>
+          <a:noFill/>
+          <a:ln w="12700">
+            <a:solidFill>
+              <a:schemeClr val="tx1"/>
+            </a:solidFill>
+          </a:ln>
         </p:spPr>
         <p:style>
           <a:lnRef idx="2">
@@ -10223,15 +11200,23 @@
           </a:fontRef>
         </p:style>
         <p:txBody>
-          <a:bodyPr lIns="91423" tIns="45711" rIns="91423" bIns="45711" rtlCol="0" anchor="ctr"/>
+          <a:bodyPr lIns="117979" tIns="58989" rIns="117979" bIns="58989" rtlCol="0" anchor="ctr"/>
           <a:lstStyle/>
           <a:p>
             <a:pPr algn="ctr"/>
             <a:r>
-              <a:rPr lang="es-AR" sz="800" dirty="0" smtClean="0"/>
+              <a:rPr lang="es-AR" sz="1100" dirty="0" smtClean="0">
+                <a:solidFill>
+                  <a:schemeClr val="tx1"/>
+                </a:solidFill>
+              </a:rPr>
               <a:t>Alumno Contacta Paciente</a:t>
             </a:r>
-            <a:endParaRPr lang="es-AR" sz="800" dirty="0"/>
+            <a:endParaRPr lang="es-AR" sz="1100" dirty="0">
+              <a:solidFill>
+                <a:schemeClr val="tx1"/>
+              </a:solidFill>
+            </a:endParaRPr>
           </a:p>
         </p:txBody>
       </p:sp>
@@ -10246,13 +11231,16 @@
         </p:nvCxnSpPr>
         <p:spPr>
           <a:xfrm rot="16200000" flipH="1">
-            <a:off x="4661432" y="4976131"/>
-            <a:ext cx="1397526" cy="328618"/>
+            <a:off x="6026889" y="6409468"/>
+            <a:ext cx="1800263" cy="424676"/>
           </a:xfrm>
           <a:prstGeom prst="bentConnector2">
             <a:avLst/>
           </a:prstGeom>
-          <a:ln>
+          <a:ln w="12700">
+            <a:solidFill>
+              <a:schemeClr val="tx1"/>
+            </a:solidFill>
             <a:tailEnd type="arrow"/>
           </a:ln>
         </p:spPr>
@@ -10288,13 +11276,16 @@
         </p:blipFill>
         <p:spPr bwMode="auto">
           <a:xfrm>
-            <a:off x="1452790" y="3240041"/>
-            <a:ext cx="941355" cy="636468"/>
+            <a:off x="1877452" y="4173752"/>
+            <a:ext cx="1216521" cy="819884"/>
           </a:xfrm>
           <a:prstGeom prst="rect">
             <a:avLst/>
           </a:prstGeom>
           <a:noFill/>
+          <a:ln w="12700">
+            <a:noFill/>
+          </a:ln>
         </p:spPr>
       </p:pic>
       <p:cxnSp>
@@ -10308,13 +11299,16 @@
         </p:nvCxnSpPr>
         <p:spPr>
           <a:xfrm rot="10800000" flipV="1">
-            <a:off x="738158" y="3558274"/>
-            <a:ext cx="714632" cy="739885"/>
+            <a:off x="953928" y="4583694"/>
+            <a:ext cx="923524" cy="953104"/>
           </a:xfrm>
           <a:prstGeom prst="bentConnector2">
             <a:avLst/>
           </a:prstGeom>
-          <a:ln>
+          <a:ln w="12700">
+            <a:solidFill>
+              <a:schemeClr val="tx1"/>
+            </a:solidFill>
             <a:prstDash val="dash"/>
             <a:tailEnd type="arrow"/>
           </a:ln>
@@ -10345,15 +11339,18 @@
         </p:nvCxnSpPr>
         <p:spPr>
           <a:xfrm>
-            <a:off x="2833754" y="1607871"/>
-            <a:ext cx="404735" cy="65466"/>
+            <a:off x="3662083" y="2071225"/>
+            <a:ext cx="523043" cy="84331"/>
           </a:xfrm>
           <a:prstGeom prst="bentConnector3">
             <a:avLst>
               <a:gd name="adj1" fmla="val 50000"/>
             </a:avLst>
           </a:prstGeom>
-          <a:ln>
+          <a:ln w="12700">
+            <a:solidFill>
+              <a:schemeClr val="tx1"/>
+            </a:solidFill>
             <a:tailEnd type="arrow"/>
           </a:ln>
         </p:spPr>
@@ -10383,15 +11380,18 @@
         </p:nvCxnSpPr>
         <p:spPr>
           <a:xfrm flipV="1">
-            <a:off x="3957941" y="2333615"/>
-            <a:ext cx="494993" cy="26974"/>
+            <a:off x="5114878" y="3006114"/>
+            <a:ext cx="639683" cy="34747"/>
           </a:xfrm>
           <a:prstGeom prst="bentConnector3">
             <a:avLst>
               <a:gd name="adj1" fmla="val 50000"/>
             </a:avLst>
           </a:prstGeom>
-          <a:ln>
+          <a:ln w="12700">
+            <a:solidFill>
+              <a:schemeClr val="tx1"/>
+            </a:solidFill>
             <a:tailEnd type="arrow"/>
           </a:ln>
         </p:spPr>
@@ -10418,12 +11418,18 @@
         </p:nvSpPr>
         <p:spPr>
           <a:xfrm>
-            <a:off x="2480461" y="297632"/>
-            <a:ext cx="686590" cy="224565"/>
+            <a:off x="3205519" y="383404"/>
+            <a:ext cx="887286" cy="289280"/>
           </a:xfrm>
           <a:prstGeom prst="flowChartTerminator">
             <a:avLst/>
           </a:prstGeom>
+          <a:noFill/>
+          <a:ln w="12700">
+            <a:solidFill>
+              <a:schemeClr val="tx1"/>
+            </a:solidFill>
+          </a:ln>
         </p:spPr>
         <p:style>
           <a:lnRef idx="2">
@@ -10442,15 +11448,23 @@
           </a:fontRef>
         </p:style>
         <p:txBody>
-          <a:bodyPr lIns="91423" tIns="45711" rIns="91423" bIns="45711" rtlCol="0" anchor="ctr"/>
+          <a:bodyPr lIns="117979" tIns="58989" rIns="117979" bIns="58989" rtlCol="0" anchor="ctr"/>
           <a:lstStyle/>
           <a:p>
             <a:pPr algn="ctr"/>
             <a:r>
-              <a:rPr lang="es-AR" sz="1000" dirty="0" smtClean="0"/>
+              <a:rPr lang="es-AR" sz="1300" dirty="0" smtClean="0">
+                <a:solidFill>
+                  <a:schemeClr val="tx1"/>
+                </a:solidFill>
+              </a:rPr>
               <a:t>Inicio</a:t>
             </a:r>
-            <a:endParaRPr lang="es-AR" sz="1100" dirty="0"/>
+            <a:endParaRPr lang="es-AR" sz="1400" dirty="0">
+              <a:solidFill>
+                <a:schemeClr val="tx1"/>
+              </a:solidFill>
+            </a:endParaRPr>
           </a:p>
         </p:txBody>
       </p:sp>
@@ -10462,18 +11476,16 @@
         </p:nvSpPr>
         <p:spPr>
           <a:xfrm>
-            <a:off x="6705597" y="1870979"/>
-            <a:ext cx="857256" cy="500066"/>
+            <a:off x="8665695" y="2157394"/>
+            <a:ext cx="1107839" cy="896936"/>
           </a:xfrm>
           <a:prstGeom prst="flowChartProcess">
             <a:avLst/>
           </a:prstGeom>
-          <a:solidFill>
-            <a:schemeClr val="accent2"/>
-          </a:solidFill>
-          <a:ln>
-            <a:solidFill>
-              <a:srgbClr val="C00000"/>
+          <a:noFill/>
+          <a:ln w="12700">
+            <a:solidFill>
+              <a:schemeClr val="tx1"/>
             </a:solidFill>
           </a:ln>
         </p:spPr>
@@ -10494,18 +11506,26 @@
           </a:fontRef>
         </p:style>
         <p:txBody>
-          <a:bodyPr lIns="91423" tIns="45711" rIns="91423" bIns="45711" rtlCol="0" anchor="ctr"/>
+          <a:bodyPr lIns="117979" tIns="58989" rIns="117979" bIns="58989" rtlCol="0" anchor="ctr"/>
           <a:lstStyle/>
           <a:p>
             <a:pPr algn="ctr"/>
             <a:r>
-              <a:rPr lang="es-AR" sz="800" dirty="0" smtClean="0"/>
+              <a:rPr lang="es-AR" sz="1100" dirty="0" smtClean="0">
+                <a:solidFill>
+                  <a:schemeClr val="tx1"/>
+                </a:solidFill>
+              </a:rPr>
               <a:t>Llegada Alumno con Paciente Sin Registrar</a:t>
             </a:r>
           </a:p>
           <a:p>
             <a:pPr algn="ctr"/>
-            <a:endParaRPr lang="es-AR" sz="800" dirty="0" smtClean="0"/>
+            <a:endParaRPr lang="es-AR" sz="1100" dirty="0" smtClean="0">
+              <a:solidFill>
+                <a:schemeClr val="tx1"/>
+              </a:solidFill>
+            </a:endParaRPr>
           </a:p>
         </p:txBody>
       </p:sp>
@@ -10520,15 +11540,18 @@
         </p:nvCxnSpPr>
         <p:spPr>
           <a:xfrm rot="16200000" flipH="1">
-            <a:off x="4304599" y="-958647"/>
-            <a:ext cx="1348782" cy="4310469"/>
+            <a:off x="5692033" y="-1370188"/>
+            <a:ext cx="1484710" cy="5570453"/>
           </a:xfrm>
           <a:prstGeom prst="bentConnector3">
             <a:avLst>
-              <a:gd name="adj1" fmla="val 16054"/>
+              <a:gd name="adj1" fmla="val 18717"/>
             </a:avLst>
           </a:prstGeom>
-          <a:ln>
+          <a:ln w="12700">
+            <a:solidFill>
+              <a:schemeClr val="tx1"/>
+            </a:solidFill>
             <a:tailEnd type="arrow"/>
           </a:ln>
         </p:spPr>
@@ -10558,8 +11581,8 @@
         </p:nvCxnSpPr>
         <p:spPr>
           <a:xfrm rot="5400000">
-            <a:off x="1844907" y="629022"/>
-            <a:ext cx="1085674" cy="872024"/>
+            <a:off x="2386429" y="808493"/>
+            <a:ext cx="1398542" cy="1126924"/>
           </a:xfrm>
           <a:prstGeom prst="bentConnector4">
             <a:avLst>
@@ -10567,7 +11590,10 @@
               <a:gd name="adj2" fmla="val 126215"/>
             </a:avLst>
           </a:prstGeom>
-          <a:ln>
+          <a:ln w="12700">
+            <a:solidFill>
+              <a:schemeClr val="tx1"/>
+            </a:solidFill>
             <a:tailEnd type="arrow"/>
           </a:ln>
         </p:spPr>
@@ -10594,11 +11620,12 @@
         </p:nvGrpSpPr>
         <p:grpSpPr>
           <a:xfrm>
-            <a:off x="166654" y="4298160"/>
-            <a:ext cx="1214446" cy="1359581"/>
+            <a:off x="215368" y="5536799"/>
+            <a:ext cx="1569438" cy="1719544"/>
             <a:chOff x="4738686" y="2012144"/>
-            <a:chExt cx="1214446" cy="1359581"/>
-          </a:xfrm>
+            <a:chExt cx="1214446" cy="1334864"/>
+          </a:xfrm>
+          <a:noFill/>
         </p:grpSpPr>
         <p:pic>
           <p:nvPicPr>
@@ -10623,7 +11650,10 @@
             <a:prstGeom prst="rect">
               <a:avLst/>
             </a:prstGeom>
-            <a:noFill/>
+            <a:grpFill/>
+            <a:ln w="12700">
+              <a:noFill/>
+            </a:ln>
           </p:spPr>
         </p:pic>
         <p:sp>
@@ -10635,12 +11665,15 @@
           <p:spPr>
             <a:xfrm>
               <a:off x="4738686" y="2940838"/>
-              <a:ext cx="1214446" cy="430887"/>
+              <a:ext cx="1214446" cy="406170"/>
             </a:xfrm>
             <a:prstGeom prst="rect">
               <a:avLst/>
             </a:prstGeom>
-            <a:noFill/>
+            <a:grpFill/>
+            <a:ln w="12700">
+              <a:noFill/>
+            </a:ln>
           </p:spPr>
           <p:txBody>
             <a:bodyPr wrap="square" rtlCol="0">
@@ -10650,10 +11683,10 @@
             <a:p>
               <a:pPr algn="ctr"/>
               <a:r>
-                <a:rPr lang="es-AR" sz="1100" i="1" dirty="0" smtClean="0"/>
+                <a:rPr lang="es-AR" sz="1400" i="1" dirty="0" smtClean="0"/>
                 <a:t>Base de Datos de Pacientes</a:t>
               </a:r>
-              <a:endParaRPr lang="es-AR" sz="1100" i="1" dirty="0"/>
+              <a:endParaRPr lang="es-AR" sz="1400" i="1" dirty="0"/>
             </a:p>
           </p:txBody>
         </p:sp>
@@ -10666,12 +11699,18 @@
         </p:nvSpPr>
         <p:spPr>
           <a:xfrm>
-            <a:off x="5524504" y="5726920"/>
-            <a:ext cx="474911" cy="224565"/>
+            <a:off x="7139360" y="7377298"/>
+            <a:ext cx="613731" cy="289280"/>
           </a:xfrm>
           <a:prstGeom prst="flowChartTerminator">
             <a:avLst/>
           </a:prstGeom>
+          <a:noFill/>
+          <a:ln w="12700">
+            <a:solidFill>
+              <a:schemeClr val="tx1"/>
+            </a:solidFill>
+          </a:ln>
         </p:spPr>
         <p:style>
           <a:lnRef idx="2">
@@ -10690,15 +11729,23 @@
           </a:fontRef>
         </p:style>
         <p:txBody>
-          <a:bodyPr lIns="91423" tIns="45711" rIns="91423" bIns="45711" rtlCol="0" anchor="ctr"/>
+          <a:bodyPr lIns="117979" tIns="58989" rIns="117979" bIns="58989" rtlCol="0" anchor="ctr"/>
           <a:lstStyle/>
           <a:p>
             <a:pPr algn="ctr"/>
             <a:r>
-              <a:rPr lang="es-AR" sz="1000" dirty="0" smtClean="0"/>
+              <a:rPr lang="es-AR" sz="1300" dirty="0" smtClean="0">
+                <a:solidFill>
+                  <a:schemeClr val="tx1"/>
+                </a:solidFill>
+              </a:rPr>
               <a:t>Fin</a:t>
             </a:r>
-            <a:endParaRPr lang="es-AR" sz="1000" dirty="0"/>
+            <a:endParaRPr lang="es-AR" sz="1300" dirty="0">
+              <a:solidFill>
+                <a:schemeClr val="tx1"/>
+              </a:solidFill>
+            </a:endParaRPr>
           </a:p>
         </p:txBody>
       </p:sp>
@@ -10710,12 +11757,18 @@
         </p:nvSpPr>
         <p:spPr>
           <a:xfrm>
-            <a:off x="6711581" y="2656796"/>
-            <a:ext cx="852510" cy="566743"/>
+            <a:off x="8673428" y="3422429"/>
+            <a:ext cx="1101706" cy="730066"/>
           </a:xfrm>
           <a:prstGeom prst="flowChartProcess">
             <a:avLst/>
           </a:prstGeom>
+          <a:noFill/>
+          <a:ln w="12700">
+            <a:solidFill>
+              <a:schemeClr val="tx1"/>
+            </a:solidFill>
+          </a:ln>
         </p:spPr>
         <p:style>
           <a:lnRef idx="2">
@@ -10734,18 +11787,26 @@
           </a:fontRef>
         </p:style>
         <p:txBody>
-          <a:bodyPr lIns="91423" tIns="45711" rIns="91423" bIns="45711" rtlCol="0" anchor="t"/>
+          <a:bodyPr lIns="117979" tIns="58989" rIns="117979" bIns="58989" rtlCol="0" anchor="t"/>
           <a:lstStyle/>
           <a:p>
             <a:pPr algn="ctr"/>
             <a:r>
-              <a:rPr lang="es-AR" sz="1000" b="1" i="1" dirty="0" smtClean="0"/>
+              <a:rPr lang="es-AR" sz="1300" b="1" i="1" dirty="0" smtClean="0">
+                <a:solidFill>
+                  <a:schemeClr val="tx1"/>
+                </a:solidFill>
+              </a:rPr>
               <a:t>Proceso de Registro de Pacientes</a:t>
             </a:r>
           </a:p>
           <a:p>
             <a:pPr algn="ctr"/>
-            <a:endParaRPr lang="es-AR" sz="800" dirty="0" smtClean="0"/>
+            <a:endParaRPr lang="es-AR" sz="1100" dirty="0" smtClean="0">
+              <a:solidFill>
+                <a:schemeClr val="tx1"/>
+              </a:solidFill>
+            </a:endParaRPr>
           </a:p>
         </p:txBody>
       </p:sp>
@@ -10760,13 +11821,16 @@
         </p:nvCxnSpPr>
         <p:spPr>
           <a:xfrm rot="16200000" flipH="1">
-            <a:off x="6993155" y="2512114"/>
-            <a:ext cx="285751" cy="3611"/>
+            <a:off x="9037899" y="3236046"/>
+            <a:ext cx="368099" cy="4666"/>
           </a:xfrm>
           <a:prstGeom prst="straightConnector1">
             <a:avLst/>
           </a:prstGeom>
-          <a:ln>
+          <a:ln w="12700">
+            <a:solidFill>
+              <a:schemeClr val="tx1"/>
+            </a:solidFill>
             <a:tailEnd type="arrow"/>
           </a:ln>
         </p:spPr>
@@ -10793,12 +11857,18 @@
         </p:nvSpPr>
         <p:spPr>
           <a:xfrm>
-            <a:off x="6705597" y="3502666"/>
-            <a:ext cx="859754" cy="564848"/>
+            <a:off x="8665695" y="4512059"/>
+            <a:ext cx="1111067" cy="727626"/>
           </a:xfrm>
           <a:prstGeom prst="flowChartProcess">
             <a:avLst/>
           </a:prstGeom>
+          <a:noFill/>
+          <a:ln w="12700">
+            <a:solidFill>
+              <a:schemeClr val="tx1"/>
+            </a:solidFill>
+          </a:ln>
         </p:spPr>
         <p:style>
           <a:lnRef idx="2">
@@ -10817,22 +11887,34 @@
           </a:fontRef>
         </p:style>
         <p:txBody>
-          <a:bodyPr lIns="91423" tIns="45711" rIns="91423" bIns="45711" rtlCol="0" anchor="t"/>
+          <a:bodyPr lIns="117979" tIns="58989" rIns="117979" bIns="58989" rtlCol="0" anchor="t"/>
           <a:lstStyle/>
           <a:p>
             <a:pPr algn="ctr"/>
             <a:r>
-              <a:rPr lang="es-AR" sz="800" dirty="0" smtClean="0"/>
+              <a:rPr lang="es-AR" sz="1100" dirty="0" smtClean="0">
+                <a:solidFill>
+                  <a:schemeClr val="tx1"/>
+                </a:solidFill>
+              </a:rPr>
               <a:t>Asignar Paciente al Alumno y lo Confirma</a:t>
             </a:r>
           </a:p>
           <a:p>
             <a:pPr algn="ctr"/>
-            <a:endParaRPr lang="es-AR" sz="800" dirty="0" smtClean="0"/>
+            <a:endParaRPr lang="es-AR" sz="1100" dirty="0" smtClean="0">
+              <a:solidFill>
+                <a:schemeClr val="tx1"/>
+              </a:solidFill>
+            </a:endParaRPr>
           </a:p>
           <a:p>
             <a:pPr algn="ctr"/>
-            <a:endParaRPr lang="es-AR" sz="800" dirty="0"/>
+            <a:endParaRPr lang="es-AR" sz="1100" dirty="0">
+              <a:solidFill>
+                <a:schemeClr val="tx1"/>
+              </a:solidFill>
+            </a:endParaRPr>
           </a:p>
         </p:txBody>
       </p:sp>
@@ -10847,13 +11929,16 @@
         </p:nvCxnSpPr>
         <p:spPr>
           <a:xfrm flipH="1">
-            <a:off x="7135474" y="3223539"/>
-            <a:ext cx="2362" cy="279127"/>
+            <a:off x="9221228" y="4152495"/>
+            <a:ext cx="3053" cy="359566"/>
           </a:xfrm>
           <a:prstGeom prst="straightConnector1">
             <a:avLst/>
           </a:prstGeom>
-          <a:ln>
+          <a:ln w="12700">
+            <a:solidFill>
+              <a:schemeClr val="tx1"/>
+            </a:solidFill>
             <a:tailEnd type="arrow"/>
           </a:ln>
         </p:spPr>
@@ -10883,15 +11968,18 @@
         </p:nvCxnSpPr>
         <p:spPr>
           <a:xfrm rot="10800000" flipV="1">
-            <a:off x="5653087" y="3785090"/>
-            <a:ext cx="1052511" cy="390766"/>
+            <a:off x="7305529" y="4875873"/>
+            <a:ext cx="1360169" cy="503377"/>
           </a:xfrm>
           <a:prstGeom prst="bentConnector3">
             <a:avLst>
               <a:gd name="adj1" fmla="val 50000"/>
             </a:avLst>
           </a:prstGeom>
-          <a:ln>
+          <a:ln w="12700">
+            <a:solidFill>
+              <a:schemeClr val="tx1"/>
+            </a:solidFill>
             <a:tailEnd type="arrow"/>
           </a:ln>
         </p:spPr>
@@ -10921,13 +12009,16 @@
         </p:nvCxnSpPr>
         <p:spPr>
           <a:xfrm rot="5400000" flipH="1" flipV="1">
-            <a:off x="3538282" y="24098"/>
-            <a:ext cx="223921" cy="2514999"/>
+            <a:off x="4573012" y="25851"/>
+            <a:ext cx="288450" cy="3250153"/>
           </a:xfrm>
           <a:prstGeom prst="bentConnector2">
             <a:avLst/>
           </a:prstGeom>
-          <a:ln>
+          <a:ln w="12700">
+            <a:solidFill>
+              <a:schemeClr val="tx1"/>
+            </a:solidFill>
             <a:prstDash val="dash"/>
             <a:tailEnd type="arrow"/>
           </a:ln>
@@ -10955,12 +12046,18 @@
         </p:nvSpPr>
         <p:spPr>
           <a:xfrm>
-            <a:off x="4810124" y="3083714"/>
-            <a:ext cx="785776" cy="411137"/>
+            <a:off x="6216161" y="3972376"/>
+            <a:ext cx="1015465" cy="529618"/>
           </a:xfrm>
           <a:prstGeom prst="flowChartProcess">
             <a:avLst/>
           </a:prstGeom>
+          <a:noFill/>
+          <a:ln w="12700">
+            <a:solidFill>
+              <a:schemeClr val="tx1"/>
+            </a:solidFill>
+          </a:ln>
         </p:spPr>
         <p:style>
           <a:lnRef idx="2">
@@ -10979,12 +12076,16 @@
           </a:fontRef>
         </p:style>
         <p:txBody>
-          <a:bodyPr lIns="91423" tIns="45711" rIns="91423" bIns="45711" rtlCol="0" anchor="t"/>
+          <a:bodyPr lIns="117979" tIns="58989" rIns="117979" bIns="58989" rtlCol="0" anchor="t"/>
           <a:lstStyle/>
           <a:p>
             <a:pPr algn="ctr"/>
             <a:r>
-              <a:rPr lang="es-AR" sz="800" dirty="0" smtClean="0"/>
+              <a:rPr lang="es-AR" sz="1100" dirty="0" smtClean="0">
+                <a:solidFill>
+                  <a:schemeClr val="tx1"/>
+                </a:solidFill>
+              </a:rPr>
               <a:t>Confirmación de contacto del Paciente</a:t>
             </a:r>
           </a:p>
@@ -11001,15 +12102,18 @@
         </p:nvCxnSpPr>
         <p:spPr>
           <a:xfrm rot="5400000">
-            <a:off x="5042287" y="2887249"/>
-            <a:ext cx="357190" cy="35740"/>
+            <a:off x="6516925" y="3719219"/>
+            <a:ext cx="460124" cy="46187"/>
           </a:xfrm>
           <a:prstGeom prst="bentConnector3">
             <a:avLst>
               <a:gd name="adj1" fmla="val 50000"/>
             </a:avLst>
           </a:prstGeom>
-          <a:ln>
+          <a:ln w="12700">
+            <a:solidFill>
+              <a:schemeClr val="tx1"/>
+            </a:solidFill>
             <a:tailEnd type="arrow"/>
           </a:ln>
         </p:spPr>
@@ -11036,12 +12140,18 @@
         </p:nvSpPr>
         <p:spPr>
           <a:xfrm>
-            <a:off x="4452934" y="1940706"/>
-            <a:ext cx="1571636" cy="785818"/>
+            <a:off x="5754560" y="2499977"/>
+            <a:ext cx="2031038" cy="1012274"/>
           </a:xfrm>
           <a:prstGeom prst="flowChartDecision">
             <a:avLst/>
           </a:prstGeom>
+          <a:noFill/>
+          <a:ln w="12700">
+            <a:solidFill>
+              <a:schemeClr val="tx1"/>
+            </a:solidFill>
+          </a:ln>
         </p:spPr>
         <p:style>
           <a:lnRef idx="2">
@@ -11060,22 +12170,34 @@
           </a:fontRef>
         </p:style>
         <p:txBody>
-          <a:bodyPr lIns="91429" tIns="45714" rIns="91429" bIns="45714" rtlCol="0" anchor="ctr"/>
+          <a:bodyPr lIns="117987" tIns="58992" rIns="117987" bIns="58992" rtlCol="0" anchor="ctr"/>
           <a:lstStyle/>
           <a:p>
             <a:pPr algn="ctr"/>
             <a:r>
-              <a:rPr lang="es-AR" sz="800" dirty="0" smtClean="0"/>
+              <a:rPr lang="es-AR" sz="1100" dirty="0" smtClean="0">
+                <a:solidFill>
+                  <a:schemeClr val="tx1"/>
+                </a:solidFill>
+              </a:rPr>
               <a:t>¿Confirma  contacto con Paciente</a:t>
             </a:r>
           </a:p>
           <a:p>
             <a:pPr algn="ctr"/>
             <a:r>
-              <a:rPr lang="es-AR" sz="800" dirty="0" smtClean="0"/>
+              <a:rPr lang="es-AR" sz="1100" dirty="0" smtClean="0">
+                <a:solidFill>
+                  <a:schemeClr val="tx1"/>
+                </a:solidFill>
+              </a:rPr>
               <a:t>?</a:t>
             </a:r>
-            <a:endParaRPr lang="es-AR" sz="800" dirty="0"/>
+            <a:endParaRPr lang="es-AR" sz="1100" dirty="0">
+              <a:solidFill>
+                <a:schemeClr val="tx1"/>
+              </a:solidFill>
+            </a:endParaRPr>
           </a:p>
         </p:txBody>
       </p:sp>
@@ -11090,13 +12212,16 @@
         </p:nvCxnSpPr>
         <p:spPr>
           <a:xfrm>
-            <a:off x="6024570" y="2333615"/>
-            <a:ext cx="392889" cy="2464611"/>
+            <a:off x="7785598" y="3006115"/>
+            <a:ext cx="507734" cy="3174859"/>
           </a:xfrm>
           <a:prstGeom prst="bentConnector2">
             <a:avLst/>
           </a:prstGeom>
-          <a:ln>
+          <a:ln w="12700">
+            <a:solidFill>
+              <a:schemeClr val="tx1"/>
+            </a:solidFill>
             <a:tailEnd type="arrow"/>
           </a:ln>
         </p:spPr>
@@ -11123,12 +12248,18 @@
         </p:nvSpPr>
         <p:spPr>
           <a:xfrm>
-            <a:off x="6024571" y="4798226"/>
-            <a:ext cx="785776" cy="411137"/>
+            <a:off x="7785600" y="6180974"/>
+            <a:ext cx="1015465" cy="529618"/>
           </a:xfrm>
           <a:prstGeom prst="flowChartProcess">
             <a:avLst/>
           </a:prstGeom>
+          <a:noFill/>
+          <a:ln w="12700">
+            <a:solidFill>
+              <a:schemeClr val="tx1"/>
+            </a:solidFill>
+          </a:ln>
         </p:spPr>
         <p:style>
           <a:lnRef idx="2">
@@ -11147,12 +12278,16 @@
           </a:fontRef>
         </p:style>
         <p:txBody>
-          <a:bodyPr lIns="91423" tIns="45711" rIns="91423" bIns="45711" rtlCol="0" anchor="t"/>
+          <a:bodyPr lIns="117979" tIns="58989" rIns="117979" bIns="58989" rtlCol="0" anchor="t"/>
           <a:lstStyle/>
           <a:p>
             <a:pPr algn="ctr"/>
             <a:r>
-              <a:rPr lang="es-AR" sz="800" dirty="0" smtClean="0"/>
+              <a:rPr lang="es-AR" sz="1100" dirty="0" smtClean="0">
+                <a:solidFill>
+                  <a:schemeClr val="tx1"/>
+                </a:solidFill>
+              </a:rPr>
               <a:t>Alumno Libera  Paciente</a:t>
             </a:r>
           </a:p>
@@ -11169,15 +12304,18 @@
         </p:nvCxnSpPr>
         <p:spPr>
           <a:xfrm rot="5400000">
-            <a:off x="5830932" y="5140392"/>
-            <a:ext cx="517557" cy="655499"/>
+            <a:off x="7536428" y="6620391"/>
+            <a:ext cx="666706" cy="847107"/>
           </a:xfrm>
           <a:prstGeom prst="bentConnector3">
             <a:avLst>
               <a:gd name="adj1" fmla="val 50000"/>
             </a:avLst>
           </a:prstGeom>
-          <a:ln>
+          <a:ln w="12700">
+            <a:solidFill>
+              <a:schemeClr val="tx1"/>
+            </a:solidFill>
             <a:tailEnd type="arrow"/>
           </a:ln>
         </p:spPr>
@@ -11204,12 +12342,18 @@
         </p:nvSpPr>
         <p:spPr>
           <a:xfrm>
-            <a:off x="3238489" y="1459023"/>
-            <a:ext cx="785818" cy="428628"/>
+            <a:off x="4185124" y="1879482"/>
+            <a:ext cx="1015519" cy="552150"/>
           </a:xfrm>
           <a:prstGeom prst="flowChartProcess">
             <a:avLst/>
           </a:prstGeom>
+          <a:noFill/>
+          <a:ln w="12700">
+            <a:solidFill>
+              <a:schemeClr val="tx1"/>
+            </a:solidFill>
+          </a:ln>
         </p:spPr>
         <p:style>
           <a:lnRef idx="2">
@@ -11228,18 +12372,26 @@
           </a:fontRef>
         </p:style>
         <p:txBody>
-          <a:bodyPr lIns="91423" tIns="45711" rIns="91423" bIns="45711" rtlCol="0" anchor="t"/>
+          <a:bodyPr lIns="117979" tIns="58989" rIns="117979" bIns="58989" rtlCol="0" anchor="t"/>
           <a:lstStyle/>
           <a:p>
             <a:pPr algn="ctr"/>
             <a:r>
-              <a:rPr lang="es-AR" sz="800" dirty="0" smtClean="0"/>
+              <a:rPr lang="es-AR" sz="1100" dirty="0" smtClean="0">
+                <a:solidFill>
+                  <a:schemeClr val="tx1"/>
+                </a:solidFill>
+              </a:rPr>
               <a:t>Alumno Asigna Paciente</a:t>
             </a:r>
           </a:p>
           <a:p>
             <a:pPr algn="ctr"/>
-            <a:endParaRPr lang="es-AR" sz="800" dirty="0"/>
+            <a:endParaRPr lang="es-AR" sz="1100" dirty="0">
+              <a:solidFill>
+                <a:schemeClr val="tx1"/>
+              </a:solidFill>
+            </a:endParaRPr>
           </a:p>
         </p:txBody>
       </p:sp>
@@ -11254,15 +12406,18 @@
         </p:nvCxnSpPr>
         <p:spPr>
           <a:xfrm rot="5400000">
-            <a:off x="3481123" y="2004744"/>
-            <a:ext cx="267369" cy="33183"/>
+            <a:off x="4499235" y="2582402"/>
+            <a:ext cx="344419" cy="42882"/>
           </a:xfrm>
           <a:prstGeom prst="bentConnector3">
             <a:avLst>
               <a:gd name="adj1" fmla="val 50000"/>
             </a:avLst>
           </a:prstGeom>
-          <a:ln>
+          <a:ln w="12700">
+            <a:solidFill>
+              <a:schemeClr val="tx1"/>
+            </a:solidFill>
             <a:tailEnd type="arrow"/>
           </a:ln>
         </p:spPr>
@@ -11292,15 +12447,18 @@
         </p:nvCxnSpPr>
         <p:spPr>
           <a:xfrm rot="5400000">
-            <a:off x="5012109" y="3678628"/>
-            <a:ext cx="374681" cy="7126"/>
+            <a:off x="6477962" y="4738716"/>
+            <a:ext cx="482656" cy="9209"/>
           </a:xfrm>
           <a:prstGeom prst="bentConnector3">
             <a:avLst>
               <a:gd name="adj1" fmla="val 50000"/>
             </a:avLst>
           </a:prstGeom>
-          <a:ln>
+          <a:ln w="12700">
+            <a:solidFill>
+              <a:schemeClr val="tx1"/>
+            </a:solidFill>
             <a:tailEnd type="arrow"/>
           </a:ln>
         </p:spPr>
@@ -11330,13 +12488,16 @@
         </p:nvCxnSpPr>
         <p:spPr>
           <a:xfrm flipV="1">
-            <a:off x="4024307" y="1487870"/>
-            <a:ext cx="1354113" cy="185467"/>
+            <a:off x="5200644" y="1916644"/>
+            <a:ext cx="1749931" cy="238914"/>
           </a:xfrm>
           <a:prstGeom prst="bentConnector2">
             <a:avLst/>
           </a:prstGeom>
-          <a:ln>
+          <a:ln w="12700">
+            <a:solidFill>
+              <a:schemeClr val="tx1"/>
+            </a:solidFill>
             <a:prstDash val="dash"/>
             <a:tailEnd type="arrow"/>
           </a:ln>
@@ -11367,8 +12528,8 @@
         </p:nvCxnSpPr>
         <p:spPr>
           <a:xfrm rot="10800000" flipV="1">
-            <a:off x="1923468" y="3289283"/>
-            <a:ext cx="2886656" cy="587226"/>
+            <a:off x="2485713" y="4237185"/>
+            <a:ext cx="3730448" cy="756452"/>
           </a:xfrm>
           <a:prstGeom prst="bentConnector4">
             <a:avLst>
@@ -11376,7 +12537,10 @@
               <a:gd name="adj2" fmla="val 138929"/>
             </a:avLst>
           </a:prstGeom>
-          <a:ln>
+          <a:ln w="12700">
+            <a:solidFill>
+              <a:schemeClr val="tx1"/>
+            </a:solidFill>
             <a:prstDash val="dash"/>
             <a:tailEnd type="arrow"/>
           </a:ln>
@@ -11404,22 +12568,25 @@
         </p:nvSpPr>
         <p:spPr>
           <a:xfrm>
-            <a:off x="5238752" y="2726524"/>
-            <a:ext cx="357190" cy="261598"/>
+            <a:off x="6770079" y="3512250"/>
+            <a:ext cx="461599" cy="336985"/>
           </a:xfrm>
           <a:prstGeom prst="rect">
             <a:avLst/>
           </a:prstGeom>
           <a:noFill/>
-        </p:spPr>
-        <p:txBody>
-          <a:bodyPr wrap="square" lIns="91429" tIns="45714" rIns="91429" bIns="45714" rtlCol="0">
+          <a:ln w="12700">
+            <a:noFill/>
+          </a:ln>
+        </p:spPr>
+        <p:txBody>
+          <a:bodyPr wrap="square" lIns="117987" tIns="58992" rIns="117987" bIns="58992" rtlCol="0">
             <a:spAutoFit/>
           </a:bodyPr>
           <a:lstStyle/>
           <a:p>
             <a:r>
-              <a:rPr lang="es-AR" sz="1100" dirty="0" smtClean="0"/>
+              <a:rPr lang="es-AR" sz="1400" dirty="0" smtClean="0"/>
               <a:t>SI</a:t>
             </a:r>
             <a:endParaRPr lang="es-AR" dirty="0"/>
@@ -11434,22 +12601,25 @@
         </p:nvSpPr>
         <p:spPr>
           <a:xfrm>
-            <a:off x="6024570" y="2012144"/>
-            <a:ext cx="428628" cy="261598"/>
+            <a:off x="7785598" y="2592001"/>
+            <a:ext cx="553919" cy="336985"/>
           </a:xfrm>
           <a:prstGeom prst="rect">
             <a:avLst/>
           </a:prstGeom>
           <a:noFill/>
-        </p:spPr>
-        <p:txBody>
-          <a:bodyPr wrap="square" lIns="91429" tIns="45714" rIns="91429" bIns="45714" rtlCol="0">
+          <a:ln w="12700">
+            <a:noFill/>
+          </a:ln>
+        </p:spPr>
+        <p:txBody>
+          <a:bodyPr wrap="square" lIns="117987" tIns="58992" rIns="117987" bIns="58992" rtlCol="0">
             <a:spAutoFit/>
           </a:bodyPr>
           <a:lstStyle/>
           <a:p>
             <a:r>
-              <a:rPr lang="es-AR" sz="1100" dirty="0" smtClean="0"/>
+              <a:rPr lang="es-AR" sz="1400" dirty="0" smtClean="0"/>
               <a:t>NO</a:t>
             </a:r>
             <a:endParaRPr lang="es-AR" dirty="0"/>
@@ -11467,13 +12637,16 @@
         </p:nvCxnSpPr>
         <p:spPr>
           <a:xfrm>
-            <a:off x="7565351" y="3785090"/>
-            <a:ext cx="1095956" cy="282424"/>
+            <a:off x="9776762" y="4875873"/>
+            <a:ext cx="1416313" cy="363813"/>
           </a:xfrm>
           <a:prstGeom prst="bentConnector2">
             <a:avLst/>
           </a:prstGeom>
-          <a:ln>
+          <a:ln w="12700">
+            <a:solidFill>
+              <a:schemeClr val="tx1"/>
+            </a:solidFill>
             <a:prstDash val="dash"/>
             <a:tailEnd type="arrow"/>
           </a:ln>
@@ -11510,13 +12683,16 @@
         </p:blipFill>
         <p:spPr bwMode="auto">
           <a:xfrm>
-            <a:off x="8190629" y="4067514"/>
-            <a:ext cx="941355" cy="636468"/>
+            <a:off x="10584814" y="5239685"/>
+            <a:ext cx="1216521" cy="819884"/>
           </a:xfrm>
           <a:prstGeom prst="rect">
             <a:avLst/>
           </a:prstGeom>
           <a:noFill/>
+          <a:ln w="12700">
+            <a:noFill/>
+          </a:ln>
         </p:spPr>
       </p:pic>
       <p:grpSp>
@@ -11527,11 +12703,12 @@
         </p:nvGrpSpPr>
         <p:grpSpPr>
           <a:xfrm>
-            <a:off x="8096272" y="5012540"/>
-            <a:ext cx="1214446" cy="1359581"/>
+            <a:off x="10462875" y="6457049"/>
+            <a:ext cx="1569438" cy="1719544"/>
             <a:chOff x="4738686" y="2012144"/>
-            <a:chExt cx="1214446" cy="1359581"/>
-          </a:xfrm>
+            <a:chExt cx="1214446" cy="1334864"/>
+          </a:xfrm>
+          <a:noFill/>
         </p:grpSpPr>
         <p:pic>
           <p:nvPicPr>
@@ -11556,7 +12733,10 @@
             <a:prstGeom prst="rect">
               <a:avLst/>
             </a:prstGeom>
-            <a:noFill/>
+            <a:grpFill/>
+            <a:ln w="12700">
+              <a:noFill/>
+            </a:ln>
           </p:spPr>
         </p:pic>
         <p:sp>
@@ -11568,12 +12748,15 @@
           <p:spPr>
             <a:xfrm>
               <a:off x="4738686" y="2940838"/>
-              <a:ext cx="1214446" cy="430887"/>
+              <a:ext cx="1214446" cy="406170"/>
             </a:xfrm>
             <a:prstGeom prst="rect">
               <a:avLst/>
             </a:prstGeom>
-            <a:noFill/>
+            <a:grpFill/>
+            <a:ln w="12700">
+              <a:noFill/>
+            </a:ln>
           </p:spPr>
           <p:txBody>
             <a:bodyPr wrap="square" rtlCol="0">
@@ -11583,10 +12766,10 @@
             <a:p>
               <a:pPr algn="ctr"/>
               <a:r>
-                <a:rPr lang="es-AR" sz="1100" i="1" dirty="0" smtClean="0"/>
+                <a:rPr lang="es-AR" sz="1400" i="1" dirty="0" smtClean="0"/>
                 <a:t>Base de Datos de Pacientes</a:t>
               </a:r>
-              <a:endParaRPr lang="es-AR" sz="1100" i="1" dirty="0"/>
+              <a:endParaRPr lang="es-AR" sz="1400" i="1" dirty="0"/>
             </a:p>
           </p:txBody>
         </p:sp>
@@ -11602,15 +12785,18 @@
         </p:nvCxnSpPr>
         <p:spPr>
           <a:xfrm flipV="1">
-            <a:off x="6810347" y="4385748"/>
-            <a:ext cx="1380282" cy="618047"/>
+            <a:off x="8801064" y="5649628"/>
+            <a:ext cx="1783749" cy="796156"/>
           </a:xfrm>
           <a:prstGeom prst="bentConnector3">
             <a:avLst>
               <a:gd name="adj1" fmla="val 50000"/>
             </a:avLst>
           </a:prstGeom>
-          <a:ln>
+          <a:ln w="12700">
+            <a:solidFill>
+              <a:schemeClr val="tx1"/>
+            </a:solidFill>
             <a:prstDash val="dash"/>
             <a:tailEnd type="arrow"/>
           </a:ln>
@@ -11641,15 +12827,18 @@
         </p:nvCxnSpPr>
         <p:spPr>
           <a:xfrm rot="16200000" flipH="1">
-            <a:off x="8510262" y="4855026"/>
-            <a:ext cx="308558" cy="6469"/>
+            <a:off x="10998514" y="6254129"/>
+            <a:ext cx="397478" cy="8360"/>
           </a:xfrm>
           <a:prstGeom prst="bentConnector3">
             <a:avLst>
               <a:gd name="adj1" fmla="val 50000"/>
             </a:avLst>
           </a:prstGeom>
-          <a:ln>
+          <a:ln w="12700">
+            <a:solidFill>
+              <a:schemeClr val="tx1"/>
+            </a:solidFill>
             <a:prstDash val="dash"/>
             <a:tailEnd type="arrow"/>
           </a:ln>
@@ -11677,18 +12866,16 @@
         </p:nvSpPr>
         <p:spPr>
           <a:xfrm>
-            <a:off x="238091" y="963559"/>
-            <a:ext cx="976601" cy="428628"/>
+            <a:off x="307688" y="1157262"/>
+            <a:ext cx="1262069" cy="928694"/>
           </a:xfrm>
           <a:prstGeom prst="flowChartProcess">
             <a:avLst/>
           </a:prstGeom>
-          <a:solidFill>
-            <a:schemeClr val="accent2"/>
-          </a:solidFill>
-          <a:ln>
-            <a:solidFill>
-              <a:srgbClr val="C00000"/>
+          <a:noFill/>
+          <a:ln w="12700">
+            <a:solidFill>
+              <a:schemeClr val="tx1"/>
             </a:solidFill>
           </a:ln>
         </p:spPr>
@@ -11709,27 +12896,47 @@
           </a:fontRef>
         </p:style>
         <p:txBody>
-          <a:bodyPr lIns="91423" tIns="45711" rIns="91423" bIns="45711" rtlCol="0" anchor="ctr"/>
+          <a:bodyPr lIns="117979" tIns="58989" rIns="117979" bIns="58989" rtlCol="0" anchor="ctr"/>
           <a:lstStyle/>
           <a:p>
             <a:pPr algn="ctr"/>
             <a:r>
-              <a:rPr lang="es-AR" sz="800" dirty="0"/>
+              <a:rPr lang="es-AR" sz="1100" dirty="0">
+                <a:solidFill>
+                  <a:schemeClr val="tx1"/>
+                </a:solidFill>
+              </a:rPr>
               <a:t>Llegada Alumno Sin </a:t>
             </a:r>
             <a:r>
-              <a:rPr lang="es-AR" sz="800" dirty="0" smtClean="0"/>
+              <a:rPr lang="es-AR" sz="1100" dirty="0" smtClean="0">
+                <a:solidFill>
+                  <a:schemeClr val="tx1"/>
+                </a:solidFill>
+              </a:rPr>
               <a:t>Paciente</a:t>
             </a:r>
             <a:r>
-              <a:rPr lang="es-AR" sz="800" dirty="0"/>
+              <a:rPr lang="es-AR" sz="1100" dirty="0">
+                <a:solidFill>
+                  <a:schemeClr val="tx1"/>
+                </a:solidFill>
+              </a:rPr>
               <a:t> </a:t>
             </a:r>
             <a:r>
-              <a:rPr lang="es-AR" sz="800" dirty="0" smtClean="0"/>
+              <a:rPr lang="es-AR" sz="1100" dirty="0" smtClean="0">
+                <a:solidFill>
+                  <a:schemeClr val="tx1"/>
+                </a:solidFill>
+              </a:rPr>
               <a:t>al Área de Derivación </a:t>
             </a:r>
-            <a:endParaRPr lang="es-AR" sz="800" dirty="0"/>
+            <a:endParaRPr lang="es-AR" sz="1100" dirty="0">
+              <a:solidFill>
+                <a:schemeClr val="tx1"/>
+              </a:solidFill>
+            </a:endParaRPr>
           </a:p>
         </p:txBody>
       </p:sp>
@@ -11744,15 +12951,18 @@
         </p:nvCxnSpPr>
         <p:spPr>
           <a:xfrm rot="5400000">
-            <a:off x="1554393" y="-305804"/>
-            <a:ext cx="441362" cy="2097364"/>
+            <a:off x="2051654" y="-440246"/>
+            <a:ext cx="484578" cy="2710439"/>
           </a:xfrm>
           <a:prstGeom prst="bentConnector3">
             <a:avLst>
               <a:gd name="adj1" fmla="val 50000"/>
             </a:avLst>
           </a:prstGeom>
-          <a:ln>
+          <a:ln w="12700">
+            <a:solidFill>
+              <a:schemeClr val="tx1"/>
+            </a:solidFill>
             <a:tailEnd type="triangle"/>
           </a:ln>
         </p:spPr>
@@ -11788,13 +12998,16 @@
         </p:blipFill>
         <p:spPr bwMode="auto">
           <a:xfrm>
-            <a:off x="4907742" y="851402"/>
-            <a:ext cx="941355" cy="636468"/>
+            <a:off x="6342314" y="1096758"/>
+            <a:ext cx="1216521" cy="819884"/>
           </a:xfrm>
           <a:prstGeom prst="rect">
             <a:avLst/>
           </a:prstGeom>
           <a:noFill/>
+          <a:ln w="12700">
+            <a:noFill/>
+          </a:ln>
         </p:spPr>
       </p:pic>
       <p:sp>
@@ -11805,12 +13018,18 @@
         </p:nvSpPr>
         <p:spPr>
           <a:xfrm>
-            <a:off x="272480" y="1857868"/>
-            <a:ext cx="882022" cy="428628"/>
+            <a:off x="368800" y="2393266"/>
+            <a:ext cx="1139844" cy="552150"/>
           </a:xfrm>
           <a:prstGeom prst="flowChartProcess">
             <a:avLst/>
           </a:prstGeom>
+          <a:noFill/>
+          <a:ln w="12700">
+            <a:solidFill>
+              <a:schemeClr val="tx1"/>
+            </a:solidFill>
+          </a:ln>
         </p:spPr>
         <p:style>
           <a:lnRef idx="2">
@@ -11829,12 +13048,16 @@
           </a:fontRef>
         </p:style>
         <p:txBody>
-          <a:bodyPr lIns="91423" tIns="45711" rIns="91423" bIns="45711" rtlCol="0" anchor="ctr"/>
+          <a:bodyPr lIns="117979" tIns="58989" rIns="117979" bIns="58989" rtlCol="0" anchor="ctr"/>
           <a:lstStyle/>
           <a:p>
             <a:pPr algn="ctr"/>
             <a:r>
-              <a:rPr lang="es-AR" sz="800" dirty="0" smtClean="0"/>
+              <a:rPr lang="es-AR" sz="1100" dirty="0" smtClean="0">
+                <a:solidFill>
+                  <a:schemeClr val="tx1"/>
+                </a:solidFill>
+              </a:rPr>
               <a:t>El RRP Busca al Alumno en el Sistema</a:t>
             </a:r>
           </a:p>
@@ -11848,12 +13071,18 @@
         </p:nvSpPr>
         <p:spPr>
           <a:xfrm>
-            <a:off x="1784647" y="2027426"/>
-            <a:ext cx="953775" cy="547101"/>
+            <a:off x="2306314" y="2611689"/>
+            <a:ext cx="1232571" cy="704764"/>
           </a:xfrm>
           <a:prstGeom prst="flowChartProcess">
             <a:avLst/>
           </a:prstGeom>
+          <a:noFill/>
+          <a:ln w="12700">
+            <a:solidFill>
+              <a:schemeClr val="tx1"/>
+            </a:solidFill>
+          </a:ln>
         </p:spPr>
         <p:style>
           <a:lnRef idx="2">
@@ -11872,18 +13101,26 @@
           </a:fontRef>
         </p:style>
         <p:txBody>
-          <a:bodyPr lIns="91423" tIns="45711" rIns="91423" bIns="45711" rtlCol="0" anchor="t"/>
+          <a:bodyPr lIns="117979" tIns="58989" rIns="117979" bIns="58989" rtlCol="0" anchor="t"/>
           <a:lstStyle/>
           <a:p>
             <a:pPr algn="ctr"/>
             <a:r>
-              <a:rPr lang="es-AR" sz="800" dirty="0" smtClean="0"/>
+              <a:rPr lang="es-AR" sz="1100" dirty="0" smtClean="0">
+                <a:solidFill>
+                  <a:schemeClr val="tx1"/>
+                </a:solidFill>
+              </a:rPr>
               <a:t>El RRP Busca Paciente en el Sistema y lo Asigna al Alumno</a:t>
             </a:r>
           </a:p>
           <a:p>
             <a:pPr algn="ctr"/>
-            <a:endParaRPr lang="es-AR" sz="800" dirty="0"/>
+            <a:endParaRPr lang="es-AR" sz="1100" dirty="0">
+              <a:solidFill>
+                <a:schemeClr val="tx1"/>
+              </a:solidFill>
+            </a:endParaRPr>
           </a:p>
         </p:txBody>
       </p:sp>
@@ -11898,15 +13135,18 @@
         </p:nvCxnSpPr>
         <p:spPr>
           <a:xfrm>
-            <a:off x="2738422" y="2300977"/>
-            <a:ext cx="500066" cy="59612"/>
+            <a:off x="3538884" y="2964070"/>
+            <a:ext cx="646239" cy="76791"/>
           </a:xfrm>
           <a:prstGeom prst="bentConnector3">
             <a:avLst>
               <a:gd name="adj1" fmla="val 50000"/>
             </a:avLst>
           </a:prstGeom>
-          <a:ln>
+          <a:ln w="12700">
+            <a:solidFill>
+              <a:schemeClr val="tx1"/>
+            </a:solidFill>
             <a:tailEnd type="triangle"/>
           </a:ln>
         </p:spPr>
@@ -11936,49 +13176,18 @@
         </p:nvCxnSpPr>
         <p:spPr>
           <a:xfrm>
-            <a:off x="1154502" y="2072182"/>
-            <a:ext cx="630145" cy="228795"/>
+            <a:off x="1508644" y="2669341"/>
+            <a:ext cx="797670" cy="294730"/>
           </a:xfrm>
           <a:prstGeom prst="bentConnector3">
-            <a:avLst/>
-          </a:prstGeom>
-          <a:ln>
-            <a:tailEnd type="triangle"/>
-          </a:ln>
-        </p:spPr>
-        <p:style>
-          <a:lnRef idx="1">
-            <a:schemeClr val="accent1"/>
-          </a:lnRef>
-          <a:fillRef idx="0">
-            <a:schemeClr val="accent1"/>
-          </a:fillRef>
-          <a:effectRef idx="0">
-            <a:schemeClr val="accent1"/>
-          </a:effectRef>
-          <a:fontRef idx="minor">
-            <a:schemeClr val="tx1"/>
-          </a:fontRef>
-        </p:style>
-      </p:cxnSp>
-      <p:cxnSp>
-        <p:nvCxnSpPr>
-          <p:cNvPr id="92" name="Conector angular 91"/>
-          <p:cNvCxnSpPr>
-            <a:stCxn id="56" idx="2"/>
-            <a:endCxn id="109" idx="0"/>
-          </p:cNvCxnSpPr>
-          <p:nvPr/>
-        </p:nvCxnSpPr>
-        <p:spPr>
-          <a:xfrm rot="5400000">
-            <a:off x="487102" y="1618577"/>
-            <a:ext cx="465681" cy="12901"/>
-          </a:xfrm>
-          <a:prstGeom prst="bentConnector3">
-            <a:avLst/>
-          </a:prstGeom>
-          <a:ln>
+            <a:avLst>
+              <a:gd name="adj1" fmla="val 50000"/>
+            </a:avLst>
+          </a:prstGeom>
+          <a:ln w="12700">
+            <a:solidFill>
+              <a:schemeClr val="tx1"/>
+            </a:solidFill>
             <a:tailEnd type="triangle"/>
           </a:ln>
         </p:spPr>
@@ -12008,15 +13217,18 @@
         </p:nvCxnSpPr>
         <p:spPr>
           <a:xfrm rot="16200000" flipH="1">
-            <a:off x="841707" y="2158279"/>
-            <a:ext cx="953545" cy="1209977"/>
+            <a:off x="1098049" y="2786088"/>
+            <a:ext cx="1228336" cy="1546991"/>
           </a:xfrm>
           <a:prstGeom prst="bentConnector3">
             <a:avLst>
               <a:gd name="adj1" fmla="val 50000"/>
             </a:avLst>
           </a:prstGeom>
-          <a:ln>
+          <a:ln w="12700">
+            <a:solidFill>
+              <a:schemeClr val="tx1"/>
+            </a:solidFill>
             <a:prstDash val="dash"/>
             <a:tailEnd type="arrow"/>
           </a:ln>
@@ -12047,8 +13259,8 @@
         </p:nvCxnSpPr>
         <p:spPr>
           <a:xfrm rot="16200000" flipH="1">
-            <a:off x="1835966" y="3000096"/>
-            <a:ext cx="983748" cy="132610"/>
+            <a:off x="2374664" y="3864387"/>
+            <a:ext cx="1267243" cy="171373"/>
           </a:xfrm>
           <a:prstGeom prst="bentConnector4">
             <a:avLst>
@@ -12056,7 +13268,10 @@
               <a:gd name="adj2" fmla="val 532001"/>
             </a:avLst>
           </a:prstGeom>
-          <a:ln>
+          <a:ln w="12700">
+            <a:solidFill>
+              <a:schemeClr val="tx1"/>
+            </a:solidFill>
             <a:prstDash val="dash"/>
             <a:tailEnd type="arrow"/>
           </a:ln>
@@ -12084,12 +13299,18 @@
         </p:nvSpPr>
         <p:spPr>
           <a:xfrm>
-            <a:off x="4738686" y="3869532"/>
-            <a:ext cx="914400" cy="612648"/>
+            <a:off x="6123841" y="4984649"/>
+            <a:ext cx="1181686" cy="789201"/>
           </a:xfrm>
           <a:prstGeom prst="flowChartDocument">
             <a:avLst/>
           </a:prstGeom>
+          <a:noFill/>
+          <a:ln w="12700">
+            <a:solidFill>
+              <a:schemeClr val="tx1"/>
+            </a:solidFill>
+          </a:ln>
         </p:spPr>
         <p:style>
           <a:lnRef idx="2">
@@ -12108,18 +13329,60 @@
           </a:fontRef>
         </p:style>
         <p:txBody>
-          <a:bodyPr rtlCol="0" anchor="ctr"/>
+          <a:bodyPr lIns="118001" tIns="59001" rIns="118001" bIns="59001" rtlCol="0" anchor="ctr"/>
           <a:lstStyle/>
           <a:p>
             <a:pPr algn="ctr"/>
             <a:r>
-              <a:rPr lang="es-AR" sz="800" dirty="0" smtClean="0"/>
+              <a:rPr lang="es-AR" sz="1100" dirty="0" smtClean="0">
+                <a:solidFill>
+                  <a:schemeClr val="tx1"/>
+                </a:solidFill>
+              </a:rPr>
               <a:t>Paciente asignado y confirmado </a:t>
             </a:r>
-            <a:endParaRPr lang="es-AR" sz="800" dirty="0" smtClean="0"/>
-          </a:p>
-        </p:txBody>
-      </p:sp>
+          </a:p>
+        </p:txBody>
+      </p:sp>
+      <p:cxnSp>
+        <p:nvCxnSpPr>
+          <p:cNvPr id="68" name="67 Conector recto de flecha"/>
+          <p:cNvCxnSpPr>
+            <a:stCxn id="56" idx="2"/>
+            <a:endCxn id="109" idx="0"/>
+          </p:cNvCxnSpPr>
+          <p:nvPr/>
+        </p:nvCxnSpPr>
+        <p:spPr>
+          <a:xfrm rot="5400000">
+            <a:off x="785068" y="2239611"/>
+            <a:ext cx="307310" cy="1"/>
+          </a:xfrm>
+          <a:prstGeom prst="straightConnector1">
+            <a:avLst/>
+          </a:prstGeom>
+          <a:ln>
+            <a:solidFill>
+              <a:schemeClr val="tx1"/>
+            </a:solidFill>
+            <a:tailEnd type="arrow"/>
+          </a:ln>
+        </p:spPr>
+        <p:style>
+          <a:lnRef idx="1">
+            <a:schemeClr val="accent1"/>
+          </a:lnRef>
+          <a:fillRef idx="0">
+            <a:schemeClr val="accent1"/>
+          </a:fillRef>
+          <a:effectRef idx="0">
+            <a:schemeClr val="accent1"/>
+          </a:effectRef>
+          <a:fontRef idx="minor">
+            <a:schemeClr val="tx1"/>
+          </a:fontRef>
+        </p:style>
+      </p:cxnSp>
     </p:spTree>
   </p:cSld>
   <p:clrMapOvr>
@@ -12675,7 +13938,7 @@
   <a:extraClrSchemeLst/>
   <a:extLst>
     <a:ext uri="{05A4C25C-085E-4340-85A3-A5531E510DB2}">
-      <thm15:themeFamily xmlns:thm15="http://schemas.microsoft.com/office/thememl/2012/main" xmlns="" name="Office Theme" id="{62F939B6-93AF-4DB8-9C6B-D6C7DFDC589F}" vid="{4A3C46E8-61CC-4603-A589-7422A47A8E4A}"/>
+      <thm15:themeFamily xmlns="" xmlns:thm15="http://schemas.microsoft.com/office/thememl/2012/main" name="Office Theme" id="{62F939B6-93AF-4DB8-9C6B-D6C7DFDC589F}" vid="{4A3C46E8-61CC-4603-A589-7422A47A8E4A}"/>
     </a:ext>
   </a:extLst>
 </a:theme>
